--- a/docs/architecture.pptx
+++ b/docs/architecture.pptx
@@ -6,9 +6,14 @@
   </p:sldMasterIdLst>
   <p:sldIdLst>
     <p:sldId id="260" r:id="rId2"/>
-    <p:sldId id="257" r:id="rId3"/>
-    <p:sldId id="258" r:id="rId4"/>
-    <p:sldId id="259" r:id="rId5"/>
+    <p:sldId id="264" r:id="rId3"/>
+    <p:sldId id="257" r:id="rId4"/>
+    <p:sldId id="263" r:id="rId5"/>
+    <p:sldId id="258" r:id="rId6"/>
+    <p:sldId id="259" r:id="rId7"/>
+    <p:sldId id="262" r:id="rId8"/>
+    <p:sldId id="265" r:id="rId9"/>
+    <p:sldId id="261" r:id="rId10"/>
   </p:sldIdLst>
   <p:sldSz cx="12192000" cy="6858000"/>
   <p:notesSz cx="6858000" cy="9144000"/>
@@ -262,7 +267,7 @@
           <a:p>
             <a:fld id="{F16461FB-AFAA-C642-A6EE-2331850BE63F}" type="datetimeFigureOut">
               <a:rPr lang="en-US" smtClean="0"/>
-              <a:t>8/24/22</a:t>
+              <a:t>8/25/22</a:t>
             </a:fld>
             <a:endParaRPr lang="en-US"/>
           </a:p>
@@ -460,7 +465,7 @@
           <a:p>
             <a:fld id="{F16461FB-AFAA-C642-A6EE-2331850BE63F}" type="datetimeFigureOut">
               <a:rPr lang="en-US" smtClean="0"/>
-              <a:t>8/24/22</a:t>
+              <a:t>8/25/22</a:t>
             </a:fld>
             <a:endParaRPr lang="en-US"/>
           </a:p>
@@ -668,7 +673,7 @@
           <a:p>
             <a:fld id="{F16461FB-AFAA-C642-A6EE-2331850BE63F}" type="datetimeFigureOut">
               <a:rPr lang="en-US" smtClean="0"/>
-              <a:t>8/24/22</a:t>
+              <a:t>8/25/22</a:t>
             </a:fld>
             <a:endParaRPr lang="en-US"/>
           </a:p>
@@ -866,7 +871,7 @@
           <a:p>
             <a:fld id="{F16461FB-AFAA-C642-A6EE-2331850BE63F}" type="datetimeFigureOut">
               <a:rPr lang="en-US" smtClean="0"/>
-              <a:t>8/24/22</a:t>
+              <a:t>8/25/22</a:t>
             </a:fld>
             <a:endParaRPr lang="en-US"/>
           </a:p>
@@ -1141,7 +1146,7 @@
           <a:p>
             <a:fld id="{F16461FB-AFAA-C642-A6EE-2331850BE63F}" type="datetimeFigureOut">
               <a:rPr lang="en-US" smtClean="0"/>
-              <a:t>8/24/22</a:t>
+              <a:t>8/25/22</a:t>
             </a:fld>
             <a:endParaRPr lang="en-US"/>
           </a:p>
@@ -1406,7 +1411,7 @@
           <a:p>
             <a:fld id="{F16461FB-AFAA-C642-A6EE-2331850BE63F}" type="datetimeFigureOut">
               <a:rPr lang="en-US" smtClean="0"/>
-              <a:t>8/24/22</a:t>
+              <a:t>8/25/22</a:t>
             </a:fld>
             <a:endParaRPr lang="en-US"/>
           </a:p>
@@ -1818,7 +1823,7 @@
           <a:p>
             <a:fld id="{F16461FB-AFAA-C642-A6EE-2331850BE63F}" type="datetimeFigureOut">
               <a:rPr lang="en-US" smtClean="0"/>
-              <a:t>8/24/22</a:t>
+              <a:t>8/25/22</a:t>
             </a:fld>
             <a:endParaRPr lang="en-US"/>
           </a:p>
@@ -1959,7 +1964,7 @@
           <a:p>
             <a:fld id="{F16461FB-AFAA-C642-A6EE-2331850BE63F}" type="datetimeFigureOut">
               <a:rPr lang="en-US" smtClean="0"/>
-              <a:t>8/24/22</a:t>
+              <a:t>8/25/22</a:t>
             </a:fld>
             <a:endParaRPr lang="en-US"/>
           </a:p>
@@ -2072,7 +2077,7 @@
           <a:p>
             <a:fld id="{F16461FB-AFAA-C642-A6EE-2331850BE63F}" type="datetimeFigureOut">
               <a:rPr lang="en-US" smtClean="0"/>
-              <a:t>8/24/22</a:t>
+              <a:t>8/25/22</a:t>
             </a:fld>
             <a:endParaRPr lang="en-US"/>
           </a:p>
@@ -2383,7 +2388,7 @@
           <a:p>
             <a:fld id="{F16461FB-AFAA-C642-A6EE-2331850BE63F}" type="datetimeFigureOut">
               <a:rPr lang="en-US" smtClean="0"/>
-              <a:t>8/24/22</a:t>
+              <a:t>8/25/22</a:t>
             </a:fld>
             <a:endParaRPr lang="en-US"/>
           </a:p>
@@ -2671,7 +2676,7 @@
           <a:p>
             <a:fld id="{F16461FB-AFAA-C642-A6EE-2331850BE63F}" type="datetimeFigureOut">
               <a:rPr lang="en-US" smtClean="0"/>
-              <a:t>8/24/22</a:t>
+              <a:t>8/25/22</a:t>
             </a:fld>
             <a:endParaRPr lang="en-US"/>
           </a:p>
@@ -2912,7 +2917,7 @@
           <a:p>
             <a:fld id="{F16461FB-AFAA-C642-A6EE-2331850BE63F}" type="datetimeFigureOut">
               <a:rPr lang="en-US" smtClean="0"/>
-              <a:t>8/24/22</a:t>
+              <a:t>8/25/22</a:t>
             </a:fld>
             <a:endParaRPr lang="en-US"/>
           </a:p>
@@ -3356,7 +3361,7 @@
               <a:rPr lang="en-US" sz="3400" b="1" dirty="0">
                 <a:latin typeface="+mn-lt"/>
               </a:rPr>
-              <a:t>Background</a:t>
+              <a:t>Requirement</a:t>
             </a:r>
           </a:p>
         </p:txBody>
@@ -3375,6 +3380,89 @@
 </file>
 
 <file path=ppt/slides/slide2.xml><?xml version="1.0" encoding="utf-8"?>
+<p:sld xmlns:a="http://schemas.openxmlformats.org/drawingml/2006/main" xmlns:r="http://schemas.openxmlformats.org/officeDocument/2006/relationships" xmlns:p="http://schemas.openxmlformats.org/presentationml/2006/main">
+  <p:cSld>
+    <p:spTree>
+      <p:nvGrpSpPr>
+        <p:cNvPr id="1" name=""/>
+        <p:cNvGrpSpPr/>
+        <p:nvPr/>
+      </p:nvGrpSpPr>
+      <p:grpSpPr>
+        <a:xfrm>
+          <a:off x="0" y="0"/>
+          <a:ext cx="0" cy="0"/>
+          <a:chOff x="0" y="0"/>
+          <a:chExt cx="0" cy="0"/>
+        </a:xfrm>
+      </p:grpSpPr>
+      <p:sp>
+        <p:nvSpPr>
+          <p:cNvPr id="2" name="Title 1">
+            <a:extLst>
+              <a:ext uri="{FF2B5EF4-FFF2-40B4-BE49-F238E27FC236}">
+                <a16:creationId xmlns:a16="http://schemas.microsoft.com/office/drawing/2014/main" id="{19135BC4-7568-11F5-2DE0-EA69841767A4}"/>
+              </a:ext>
+            </a:extLst>
+          </p:cNvPr>
+          <p:cNvSpPr>
+            <a:spLocks noGrp="1"/>
+          </p:cNvSpPr>
+          <p:nvPr>
+            <p:ph type="title"/>
+          </p:nvPr>
+        </p:nvSpPr>
+        <p:spPr/>
+        <p:txBody>
+          <a:bodyPr/>
+          <a:lstStyle/>
+          <a:p>
+            <a:r>
+              <a:rPr lang="en-US" dirty="0"/>
+              <a:t>Design</a:t>
+            </a:r>
+          </a:p>
+        </p:txBody>
+      </p:sp>
+      <p:sp>
+        <p:nvSpPr>
+          <p:cNvPr id="3" name="Content Placeholder 2">
+            <a:extLst>
+              <a:ext uri="{FF2B5EF4-FFF2-40B4-BE49-F238E27FC236}">
+                <a16:creationId xmlns:a16="http://schemas.microsoft.com/office/drawing/2014/main" id="{CE4E9E85-6967-38AE-0D7A-DF0153B2FCFE}"/>
+              </a:ext>
+            </a:extLst>
+          </p:cNvPr>
+          <p:cNvSpPr>
+            <a:spLocks noGrp="1"/>
+          </p:cNvSpPr>
+          <p:nvPr>
+            <p:ph idx="1"/>
+          </p:nvPr>
+        </p:nvSpPr>
+        <p:spPr/>
+        <p:txBody>
+          <a:bodyPr/>
+          <a:lstStyle/>
+          <a:p>
+            <a:endParaRPr lang="en-US"/>
+          </a:p>
+        </p:txBody>
+      </p:sp>
+    </p:spTree>
+    <p:extLst>
+      <p:ext uri="{BB962C8B-B14F-4D97-AF65-F5344CB8AC3E}">
+        <p14:creationId xmlns:p14="http://schemas.microsoft.com/office/powerpoint/2010/main" val="2731048306"/>
+      </p:ext>
+    </p:extLst>
+  </p:cSld>
+  <p:clrMapOvr>
+    <a:masterClrMapping/>
+  </p:clrMapOvr>
+</p:sld>
+</file>
+
+<file path=ppt/slides/slide3.xml><?xml version="1.0" encoding="utf-8"?>
 <p:sld xmlns:a="http://schemas.openxmlformats.org/drawingml/2006/main" xmlns:r="http://schemas.openxmlformats.org/officeDocument/2006/relationships" xmlns:p="http://schemas.openxmlformats.org/presentationml/2006/main">
   <p:cSld>
     <p:spTree>
@@ -5588,6 +5676,39 @@
           </a:fontRef>
         </p:style>
       </p:cxnSp>
+      <p:sp>
+        <p:nvSpPr>
+          <p:cNvPr id="2" name="Title 1">
+            <a:extLst>
+              <a:ext uri="{FF2B5EF4-FFF2-40B4-BE49-F238E27FC236}">
+                <a16:creationId xmlns:a16="http://schemas.microsoft.com/office/drawing/2014/main" id="{2BF3307B-0F00-4FFE-0CD6-63573CAB92E4}"/>
+              </a:ext>
+            </a:extLst>
+          </p:cNvPr>
+          <p:cNvSpPr>
+            <a:spLocks noGrp="1"/>
+          </p:cNvSpPr>
+          <p:nvPr>
+            <p:ph type="title"/>
+          </p:nvPr>
+        </p:nvSpPr>
+        <p:spPr>
+          <a:xfrm>
+            <a:off x="71669" y="90208"/>
+            <a:ext cx="10515600" cy="1325563"/>
+          </a:xfrm>
+        </p:spPr>
+        <p:txBody>
+          <a:bodyPr/>
+          <a:lstStyle/>
+          <a:p>
+            <a:r>
+              <a:rPr lang="en-US" dirty="0"/>
+              <a:t>Architecture</a:t>
+            </a:r>
+          </a:p>
+        </p:txBody>
+      </p:sp>
     </p:spTree>
     <p:extLst>
       <p:ext uri="{BB962C8B-B14F-4D97-AF65-F5344CB8AC3E}">
@@ -5601,7 +5722,180 @@
 </p:sld>
 </file>
 
-<file path=ppt/slides/slide3.xml><?xml version="1.0" encoding="utf-8"?>
+<file path=ppt/slides/slide4.xml><?xml version="1.0" encoding="utf-8"?>
+<p:sld xmlns:a="http://schemas.openxmlformats.org/drawingml/2006/main" xmlns:r="http://schemas.openxmlformats.org/officeDocument/2006/relationships" xmlns:p="http://schemas.openxmlformats.org/presentationml/2006/main">
+  <p:cSld>
+    <p:spTree>
+      <p:nvGrpSpPr>
+        <p:cNvPr id="1" name=""/>
+        <p:cNvGrpSpPr/>
+        <p:nvPr/>
+      </p:nvGrpSpPr>
+      <p:grpSpPr>
+        <a:xfrm>
+          <a:off x="0" y="0"/>
+          <a:ext cx="0" cy="0"/>
+          <a:chOff x="0" y="0"/>
+          <a:chExt cx="0" cy="0"/>
+        </a:xfrm>
+      </p:grpSpPr>
+      <p:sp>
+        <p:nvSpPr>
+          <p:cNvPr id="2" name="Title 1">
+            <a:extLst>
+              <a:ext uri="{FF2B5EF4-FFF2-40B4-BE49-F238E27FC236}">
+                <a16:creationId xmlns:a16="http://schemas.microsoft.com/office/drawing/2014/main" id="{66E65E2B-2C87-A5B1-7D9E-8E161CD7FAAF}"/>
+              </a:ext>
+            </a:extLst>
+          </p:cNvPr>
+          <p:cNvSpPr>
+            <a:spLocks noGrp="1"/>
+          </p:cNvSpPr>
+          <p:nvPr>
+            <p:ph type="title"/>
+          </p:nvPr>
+        </p:nvSpPr>
+        <p:spPr>
+          <a:xfrm>
+            <a:off x="301304" y="349876"/>
+            <a:ext cx="10515600" cy="760529"/>
+          </a:xfrm>
+        </p:spPr>
+        <p:txBody>
+          <a:bodyPr/>
+          <a:lstStyle/>
+          <a:p>
+            <a:r>
+              <a:rPr lang="en-US" dirty="0"/>
+              <a:t>Environment</a:t>
+            </a:r>
+          </a:p>
+        </p:txBody>
+      </p:sp>
+      <p:sp>
+        <p:nvSpPr>
+          <p:cNvPr id="3" name="Content Placeholder 2">
+            <a:extLst>
+              <a:ext uri="{FF2B5EF4-FFF2-40B4-BE49-F238E27FC236}">
+                <a16:creationId xmlns:a16="http://schemas.microsoft.com/office/drawing/2014/main" id="{5707FB07-C4BE-D15C-9342-4CAE69B0ECF5}"/>
+              </a:ext>
+            </a:extLst>
+          </p:cNvPr>
+          <p:cNvSpPr>
+            <a:spLocks noGrp="1"/>
+          </p:cNvSpPr>
+          <p:nvPr>
+            <p:ph idx="1"/>
+          </p:nvPr>
+        </p:nvSpPr>
+        <p:spPr>
+          <a:xfrm>
+            <a:off x="645252" y="1381008"/>
+            <a:ext cx="11040611" cy="5127116"/>
+          </a:xfrm>
+        </p:spPr>
+        <p:txBody>
+          <a:bodyPr>
+            <a:normAutofit fontScale="92500" lnSpcReduction="10000"/>
+          </a:bodyPr>
+          <a:lstStyle/>
+          <a:p>
+            <a:r>
+              <a:rPr lang="en-US" dirty="0"/>
+              <a:t>Wearable devices</a:t>
+            </a:r>
+          </a:p>
+          <a:p>
+            <a:endParaRPr lang="en-US" dirty="0"/>
+          </a:p>
+          <a:p>
+            <a:r>
+              <a:rPr lang="en-US" dirty="0"/>
+              <a:t>KubeEdge</a:t>
+            </a:r>
+          </a:p>
+          <a:p>
+            <a:pPr lvl="1"/>
+            <a:r>
+              <a:rPr lang="en-US" dirty="0"/>
+              <a:t>Cloud</a:t>
+            </a:r>
+          </a:p>
+          <a:p>
+            <a:pPr lvl="2"/>
+            <a:r>
+              <a:rPr lang="en-US" dirty="0"/>
+              <a:t>Master</a:t>
+            </a:r>
+          </a:p>
+          <a:p>
+            <a:pPr lvl="2"/>
+            <a:r>
+              <a:rPr lang="en-US" dirty="0"/>
+              <a:t>Worker</a:t>
+            </a:r>
+          </a:p>
+          <a:p>
+            <a:pPr lvl="1"/>
+            <a:endParaRPr lang="en-US" dirty="0"/>
+          </a:p>
+          <a:p>
+            <a:pPr lvl="1"/>
+            <a:r>
+              <a:rPr lang="en-US" dirty="0"/>
+              <a:t>Edge</a:t>
+            </a:r>
+          </a:p>
+          <a:p>
+            <a:pPr lvl="1"/>
+            <a:endParaRPr lang="en-US" dirty="0"/>
+          </a:p>
+          <a:p>
+            <a:r>
+              <a:rPr lang="en-US" dirty="0"/>
+              <a:t>Cloud Storage</a:t>
+            </a:r>
+          </a:p>
+          <a:p>
+            <a:endParaRPr lang="en-US" dirty="0"/>
+          </a:p>
+          <a:p>
+            <a:r>
+              <a:rPr lang="en-US" dirty="0"/>
+              <a:t>Miscellaneous</a:t>
+            </a:r>
+          </a:p>
+          <a:p>
+            <a:pPr lvl="1"/>
+            <a:r>
+              <a:rPr lang="en-US" dirty="0" err="1"/>
+              <a:t>tmux</a:t>
+            </a:r>
+            <a:r>
+              <a:rPr lang="en-US" dirty="0"/>
+              <a:t> </a:t>
+            </a:r>
+          </a:p>
+          <a:p>
+            <a:pPr lvl="1"/>
+            <a:endParaRPr lang="en-US" dirty="0"/>
+          </a:p>
+        </p:txBody>
+      </p:sp>
+    </p:spTree>
+    <p:extLst>
+      <p:ext uri="{BB962C8B-B14F-4D97-AF65-F5344CB8AC3E}">
+        <p14:creationId xmlns:p14="http://schemas.microsoft.com/office/powerpoint/2010/main" val="3869585033"/>
+      </p:ext>
+    </p:extLst>
+  </p:cSld>
+  <p:clrMapOvr>
+    <a:masterClrMapping/>
+  </p:clrMapOvr>
+</p:sld>
+</file>
+
+<file path=ppt/slides/slide5.xml><?xml version="1.0" encoding="utf-8"?>
 <p:sld xmlns:a="http://schemas.openxmlformats.org/drawingml/2006/main" xmlns:r="http://schemas.openxmlformats.org/officeDocument/2006/relationships" xmlns:p="http://schemas.openxmlformats.org/presentationml/2006/main">
   <p:cSld>
     <p:spTree>
@@ -5912,7 +6206,7 @@
 </p:sld>
 </file>
 
-<file path=ppt/slides/slide4.xml><?xml version="1.0" encoding="utf-8"?>
+<file path=ppt/slides/slide6.xml><?xml version="1.0" encoding="utf-8"?>
 <p:sld xmlns:a="http://schemas.openxmlformats.org/drawingml/2006/main" xmlns:r="http://schemas.openxmlformats.org/officeDocument/2006/relationships" xmlns:p="http://schemas.openxmlformats.org/presentationml/2006/main">
   <p:cSld>
     <p:spTree>
@@ -6342,6 +6636,396 @@
     <p:extLst>
       <p:ext uri="{BB962C8B-B14F-4D97-AF65-F5344CB8AC3E}">
         <p14:creationId xmlns:p14="http://schemas.microsoft.com/office/powerpoint/2010/main" val="842421361"/>
+      </p:ext>
+    </p:extLst>
+  </p:cSld>
+  <p:clrMapOvr>
+    <a:masterClrMapping/>
+  </p:clrMapOvr>
+</p:sld>
+</file>
+
+<file path=ppt/slides/slide7.xml><?xml version="1.0" encoding="utf-8"?>
+<p:sld xmlns:a="http://schemas.openxmlformats.org/drawingml/2006/main" xmlns:r="http://schemas.openxmlformats.org/officeDocument/2006/relationships" xmlns:p="http://schemas.openxmlformats.org/presentationml/2006/main">
+  <p:cSld>
+    <p:spTree>
+      <p:nvGrpSpPr>
+        <p:cNvPr id="1" name=""/>
+        <p:cNvGrpSpPr/>
+        <p:nvPr/>
+      </p:nvGrpSpPr>
+      <p:grpSpPr>
+        <a:xfrm>
+          <a:off x="0" y="0"/>
+          <a:ext cx="0" cy="0"/>
+          <a:chOff x="0" y="0"/>
+          <a:chExt cx="0" cy="0"/>
+        </a:xfrm>
+      </p:grpSpPr>
+      <p:sp>
+        <p:nvSpPr>
+          <p:cNvPr id="2" name="Title 1">
+            <a:extLst>
+              <a:ext uri="{FF2B5EF4-FFF2-40B4-BE49-F238E27FC236}">
+                <a16:creationId xmlns:a16="http://schemas.microsoft.com/office/drawing/2014/main" id="{80B7B436-402D-D173-0DB9-5EE8CE27A824}"/>
+              </a:ext>
+            </a:extLst>
+          </p:cNvPr>
+          <p:cNvSpPr>
+            <a:spLocks noGrp="1"/>
+          </p:cNvSpPr>
+          <p:nvPr>
+            <p:ph type="title"/>
+          </p:nvPr>
+        </p:nvSpPr>
+        <p:spPr/>
+        <p:txBody>
+          <a:bodyPr/>
+          <a:lstStyle/>
+          <a:p>
+            <a:r>
+              <a:rPr lang="en-US" dirty="0"/>
+              <a:t>Next Step</a:t>
+            </a:r>
+          </a:p>
+        </p:txBody>
+      </p:sp>
+      <p:sp>
+        <p:nvSpPr>
+          <p:cNvPr id="3" name="Content Placeholder 2">
+            <a:extLst>
+              <a:ext uri="{FF2B5EF4-FFF2-40B4-BE49-F238E27FC236}">
+                <a16:creationId xmlns:a16="http://schemas.microsoft.com/office/drawing/2014/main" id="{B667292C-5281-D0C7-9201-355985189BAC}"/>
+              </a:ext>
+            </a:extLst>
+          </p:cNvPr>
+          <p:cNvSpPr>
+            <a:spLocks noGrp="1"/>
+          </p:cNvSpPr>
+          <p:nvPr>
+            <p:ph idx="1"/>
+          </p:nvPr>
+        </p:nvSpPr>
+        <p:spPr/>
+        <p:txBody>
+          <a:bodyPr/>
+          <a:lstStyle/>
+          <a:p>
+            <a:endParaRPr lang="en-US"/>
+          </a:p>
+        </p:txBody>
+      </p:sp>
+    </p:spTree>
+    <p:extLst>
+      <p:ext uri="{BB962C8B-B14F-4D97-AF65-F5344CB8AC3E}">
+        <p14:creationId xmlns:p14="http://schemas.microsoft.com/office/powerpoint/2010/main" val="25910973"/>
+      </p:ext>
+    </p:extLst>
+  </p:cSld>
+  <p:clrMapOvr>
+    <a:masterClrMapping/>
+  </p:clrMapOvr>
+</p:sld>
+</file>
+
+<file path=ppt/slides/slide8.xml><?xml version="1.0" encoding="utf-8"?>
+<p:sld xmlns:a="http://schemas.openxmlformats.org/drawingml/2006/main" xmlns:r="http://schemas.openxmlformats.org/officeDocument/2006/relationships" xmlns:p="http://schemas.openxmlformats.org/presentationml/2006/main">
+  <p:cSld>
+    <p:spTree>
+      <p:nvGrpSpPr>
+        <p:cNvPr id="1" name=""/>
+        <p:cNvGrpSpPr/>
+        <p:nvPr/>
+      </p:nvGrpSpPr>
+      <p:grpSpPr>
+        <a:xfrm>
+          <a:off x="0" y="0"/>
+          <a:ext cx="0" cy="0"/>
+          <a:chOff x="0" y="0"/>
+          <a:chExt cx="0" cy="0"/>
+        </a:xfrm>
+      </p:grpSpPr>
+      <p:sp>
+        <p:nvSpPr>
+          <p:cNvPr id="2" name="Title 1">
+            <a:extLst>
+              <a:ext uri="{FF2B5EF4-FFF2-40B4-BE49-F238E27FC236}">
+                <a16:creationId xmlns:a16="http://schemas.microsoft.com/office/drawing/2014/main" id="{033DF1AF-A090-00AB-8359-DBB36E7F0ED8}"/>
+              </a:ext>
+            </a:extLst>
+          </p:cNvPr>
+          <p:cNvSpPr>
+            <a:spLocks noGrp="1"/>
+          </p:cNvSpPr>
+          <p:nvPr>
+            <p:ph type="title"/>
+          </p:nvPr>
+        </p:nvSpPr>
+        <p:spPr>
+          <a:xfrm>
+            <a:off x="209025" y="214124"/>
+            <a:ext cx="10515600" cy="675110"/>
+          </a:xfrm>
+        </p:spPr>
+        <p:txBody>
+          <a:bodyPr>
+            <a:normAutofit fontScale="90000"/>
+          </a:bodyPr>
+          <a:lstStyle/>
+          <a:p>
+            <a:r>
+              <a:rPr lang="en-US" dirty="0"/>
+              <a:t>Summary</a:t>
+            </a:r>
+          </a:p>
+        </p:txBody>
+      </p:sp>
+      <p:sp>
+        <p:nvSpPr>
+          <p:cNvPr id="3" name="Content Placeholder 2">
+            <a:extLst>
+              <a:ext uri="{FF2B5EF4-FFF2-40B4-BE49-F238E27FC236}">
+                <a16:creationId xmlns:a16="http://schemas.microsoft.com/office/drawing/2014/main" id="{67D952FA-59A2-0C70-1F13-A7E998B9C3FD}"/>
+              </a:ext>
+            </a:extLst>
+          </p:cNvPr>
+          <p:cNvSpPr>
+            <a:spLocks noGrp="1"/>
+          </p:cNvSpPr>
+          <p:nvPr>
+            <p:ph idx="1"/>
+          </p:nvPr>
+        </p:nvSpPr>
+        <p:spPr>
+          <a:xfrm>
+            <a:off x="1056314" y="1112560"/>
+            <a:ext cx="10629550" cy="5221127"/>
+          </a:xfrm>
+        </p:spPr>
+        <p:txBody>
+          <a:bodyPr>
+            <a:normAutofit fontScale="55000" lnSpcReduction="20000"/>
+          </a:bodyPr>
+          <a:lstStyle/>
+          <a:p>
+            <a:r>
+              <a:rPr lang="en-US" dirty="0"/>
+              <a:t>Docker/</a:t>
+            </a:r>
+            <a:r>
+              <a:rPr lang="en-US" dirty="0" err="1"/>
+              <a:t>Containerd</a:t>
+            </a:r>
+            <a:endParaRPr lang="en-US" dirty="0"/>
+          </a:p>
+          <a:p>
+            <a:pPr lvl="1"/>
+            <a:r>
+              <a:rPr lang="en-US" dirty="0" err="1"/>
+              <a:t>Dockerfile</a:t>
+            </a:r>
+            <a:endParaRPr lang="en-US" dirty="0"/>
+          </a:p>
+          <a:p>
+            <a:pPr lvl="1"/>
+            <a:r>
+              <a:rPr lang="en-US" dirty="0"/>
+              <a:t>Image</a:t>
+            </a:r>
+          </a:p>
+          <a:p>
+            <a:endParaRPr lang="en-US" dirty="0"/>
+          </a:p>
+          <a:p>
+            <a:r>
+              <a:rPr lang="en-US" dirty="0"/>
+              <a:t>K8s</a:t>
+            </a:r>
+          </a:p>
+          <a:p>
+            <a:pPr lvl="1"/>
+            <a:r>
+              <a:rPr lang="en-US" dirty="0" err="1"/>
+              <a:t>Kubeadm</a:t>
+            </a:r>
+            <a:r>
+              <a:rPr lang="en-US" dirty="0"/>
+              <a:t>/Kubelet/Kubectl</a:t>
+            </a:r>
+          </a:p>
+          <a:p>
+            <a:pPr lvl="1"/>
+            <a:r>
+              <a:rPr lang="en-US" dirty="0"/>
+              <a:t>Networking: Flannel/DNS in Pod (8.8.8.8)</a:t>
+            </a:r>
+          </a:p>
+          <a:p>
+            <a:pPr lvl="1"/>
+            <a:r>
+              <a:rPr lang="en-US" dirty="0"/>
+              <a:t>Host volume</a:t>
+            </a:r>
+          </a:p>
+          <a:p>
+            <a:pPr lvl="1"/>
+            <a:r>
+              <a:rPr lang="en-US" dirty="0"/>
+              <a:t>Workload: Pod, Deployment</a:t>
+            </a:r>
+          </a:p>
+          <a:p>
+            <a:endParaRPr lang="en-US" dirty="0"/>
+          </a:p>
+          <a:p>
+            <a:r>
+              <a:rPr lang="en-US" dirty="0"/>
+              <a:t>KubeEdge</a:t>
+            </a:r>
+          </a:p>
+          <a:p>
+            <a:pPr lvl="1"/>
+            <a:r>
+              <a:rPr lang="en-US" dirty="0"/>
+              <a:t>Cloud- and edge-core</a:t>
+            </a:r>
+          </a:p>
+          <a:p>
+            <a:pPr lvl="1"/>
+            <a:r>
+              <a:rPr lang="en-US" dirty="0" err="1"/>
+              <a:t>keadm</a:t>
+            </a:r>
+            <a:endParaRPr lang="en-US" dirty="0"/>
+          </a:p>
+          <a:p>
+            <a:endParaRPr lang="en-US" dirty="0"/>
+          </a:p>
+          <a:p>
+            <a:r>
+              <a:rPr lang="en-US" dirty="0"/>
+              <a:t>Wearable device</a:t>
+            </a:r>
+          </a:p>
+          <a:p>
+            <a:pPr lvl="1"/>
+            <a:r>
+              <a:rPr lang="en-US" dirty="0"/>
+              <a:t>Emulator</a:t>
+            </a:r>
+          </a:p>
+          <a:p>
+            <a:endParaRPr lang="en-US" dirty="0"/>
+          </a:p>
+          <a:p>
+            <a:r>
+              <a:rPr lang="en-US" dirty="0"/>
+              <a:t>AWS</a:t>
+            </a:r>
+          </a:p>
+          <a:p>
+            <a:pPr lvl="1"/>
+            <a:r>
+              <a:rPr lang="en-US" dirty="0"/>
+              <a:t>EC2, S3</a:t>
+            </a:r>
+          </a:p>
+          <a:p>
+            <a:pPr lvl="1"/>
+            <a:r>
+              <a:rPr lang="en-US" dirty="0"/>
+              <a:t>CLI</a:t>
+            </a:r>
+          </a:p>
+        </p:txBody>
+      </p:sp>
+    </p:spTree>
+    <p:extLst>
+      <p:ext uri="{BB962C8B-B14F-4D97-AF65-F5344CB8AC3E}">
+        <p14:creationId xmlns:p14="http://schemas.microsoft.com/office/powerpoint/2010/main" val="3478304589"/>
+      </p:ext>
+    </p:extLst>
+  </p:cSld>
+  <p:clrMapOvr>
+    <a:masterClrMapping/>
+  </p:clrMapOvr>
+</p:sld>
+</file>
+
+<file path=ppt/slides/slide9.xml><?xml version="1.0" encoding="utf-8"?>
+<p:sld xmlns:a="http://schemas.openxmlformats.org/drawingml/2006/main" xmlns:r="http://schemas.openxmlformats.org/officeDocument/2006/relationships" xmlns:p="http://schemas.openxmlformats.org/presentationml/2006/main">
+  <p:cSld>
+    <p:spTree>
+      <p:nvGrpSpPr>
+        <p:cNvPr id="1" name=""/>
+        <p:cNvGrpSpPr/>
+        <p:nvPr/>
+      </p:nvGrpSpPr>
+      <p:grpSpPr>
+        <a:xfrm>
+          <a:off x="0" y="0"/>
+          <a:ext cx="0" cy="0"/>
+          <a:chOff x="0" y="0"/>
+          <a:chExt cx="0" cy="0"/>
+        </a:xfrm>
+      </p:grpSpPr>
+      <p:sp>
+        <p:nvSpPr>
+          <p:cNvPr id="2" name="Title 1">
+            <a:extLst>
+              <a:ext uri="{FF2B5EF4-FFF2-40B4-BE49-F238E27FC236}">
+                <a16:creationId xmlns:a16="http://schemas.microsoft.com/office/drawing/2014/main" id="{0AE84D9A-4D44-C3B6-C180-5D4021E458E5}"/>
+              </a:ext>
+            </a:extLst>
+          </p:cNvPr>
+          <p:cNvSpPr>
+            <a:spLocks noGrp="1"/>
+          </p:cNvSpPr>
+          <p:nvPr>
+            <p:ph type="title"/>
+          </p:nvPr>
+        </p:nvSpPr>
+        <p:spPr/>
+        <p:txBody>
+          <a:bodyPr/>
+          <a:lstStyle/>
+          <a:p>
+            <a:r>
+              <a:rPr lang="en-US" dirty="0"/>
+              <a:t>Intern Experience</a:t>
+            </a:r>
+          </a:p>
+        </p:txBody>
+      </p:sp>
+      <p:sp>
+        <p:nvSpPr>
+          <p:cNvPr id="3" name="Content Placeholder 2">
+            <a:extLst>
+              <a:ext uri="{FF2B5EF4-FFF2-40B4-BE49-F238E27FC236}">
+                <a16:creationId xmlns:a16="http://schemas.microsoft.com/office/drawing/2014/main" id="{4B8AA7D4-517E-306B-DA44-5A57FC60A775}"/>
+              </a:ext>
+            </a:extLst>
+          </p:cNvPr>
+          <p:cNvSpPr>
+            <a:spLocks noGrp="1"/>
+          </p:cNvSpPr>
+          <p:nvPr>
+            <p:ph idx="1"/>
+          </p:nvPr>
+        </p:nvSpPr>
+        <p:spPr/>
+        <p:txBody>
+          <a:bodyPr/>
+          <a:lstStyle/>
+          <a:p>
+            <a:endParaRPr lang="en-US"/>
+          </a:p>
+        </p:txBody>
+      </p:sp>
+    </p:spTree>
+    <p:extLst>
+      <p:ext uri="{BB962C8B-B14F-4D97-AF65-F5344CB8AC3E}">
+        <p14:creationId xmlns:p14="http://schemas.microsoft.com/office/powerpoint/2010/main" val="942931093"/>
       </p:ext>
     </p:extLst>
   </p:cSld>

--- a/docs/architecture.pptx
+++ b/docs/architecture.pptx
@@ -5,15 +5,17 @@
     <p:sldMasterId id="2147483648" r:id="rId1"/>
   </p:sldMasterIdLst>
   <p:sldIdLst>
-    <p:sldId id="260" r:id="rId2"/>
-    <p:sldId id="264" r:id="rId3"/>
-    <p:sldId id="257" r:id="rId4"/>
-    <p:sldId id="263" r:id="rId5"/>
-    <p:sldId id="258" r:id="rId6"/>
-    <p:sldId id="259" r:id="rId7"/>
-    <p:sldId id="262" r:id="rId8"/>
-    <p:sldId id="265" r:id="rId9"/>
-    <p:sldId id="261" r:id="rId10"/>
+    <p:sldId id="256" r:id="rId2"/>
+    <p:sldId id="260" r:id="rId3"/>
+    <p:sldId id="2076137554" r:id="rId4"/>
+    <p:sldId id="2076137555" r:id="rId5"/>
+    <p:sldId id="257" r:id="rId6"/>
+    <p:sldId id="263" r:id="rId7"/>
+    <p:sldId id="258" r:id="rId8"/>
+    <p:sldId id="259" r:id="rId9"/>
+    <p:sldId id="262" r:id="rId10"/>
+    <p:sldId id="265" r:id="rId11"/>
+    <p:sldId id="261" r:id="rId12"/>
   </p:sldIdLst>
   <p:sldSz cx="12192000" cy="6858000"/>
   <p:notesSz cx="6858000" cy="9144000"/>
@@ -3339,7 +3341,410 @@
           <p:cNvPr id="2" name="Title 1">
             <a:extLst>
               <a:ext uri="{FF2B5EF4-FFF2-40B4-BE49-F238E27FC236}">
-                <a16:creationId xmlns:a16="http://schemas.microsoft.com/office/drawing/2014/main" id="{45BAD50B-286D-E02D-29D5-267DA1150EFD}"/>
+                <a16:creationId xmlns:a16="http://schemas.microsoft.com/office/drawing/2014/main" id="{87753D77-FE27-E94D-AE9A-BD3FF80F5450}"/>
+              </a:ext>
+            </a:extLst>
+          </p:cNvPr>
+          <p:cNvSpPr>
+            <a:spLocks noGrp="1"/>
+          </p:cNvSpPr>
+          <p:nvPr>
+            <p:ph type="ctrTitle"/>
+          </p:nvPr>
+        </p:nvSpPr>
+        <p:spPr>
+          <a:xfrm>
+            <a:off x="1128451" y="983656"/>
+            <a:ext cx="7651866" cy="2214468"/>
+          </a:xfrm>
+        </p:spPr>
+        <p:txBody>
+          <a:bodyPr>
+            <a:normAutofit/>
+          </a:bodyPr>
+          <a:lstStyle/>
+          <a:p>
+            <a:pPr algn="l"/>
+            <a:r>
+              <a:rPr lang="en-US" sz="4400" dirty="0"/>
+              <a:t>Wearable Device and Edge Computing for Patient Recovery</a:t>
+            </a:r>
+          </a:p>
+        </p:txBody>
+      </p:sp>
+      <p:sp>
+        <p:nvSpPr>
+          <p:cNvPr id="3" name="Subtitle 2">
+            <a:extLst>
+              <a:ext uri="{FF2B5EF4-FFF2-40B4-BE49-F238E27FC236}">
+                <a16:creationId xmlns:a16="http://schemas.microsoft.com/office/drawing/2014/main" id="{C93CEF63-FD1A-1D46-BB73-287A285A3AFB}"/>
+              </a:ext>
+            </a:extLst>
+          </p:cNvPr>
+          <p:cNvSpPr>
+            <a:spLocks noGrp="1"/>
+          </p:cNvSpPr>
+          <p:nvPr>
+            <p:ph type="subTitle" idx="1"/>
+          </p:nvPr>
+        </p:nvSpPr>
+        <p:spPr>
+          <a:xfrm>
+            <a:off x="1244498" y="3743005"/>
+            <a:ext cx="4688710" cy="2008466"/>
+          </a:xfrm>
+        </p:spPr>
+        <p:txBody>
+          <a:bodyPr>
+            <a:normAutofit/>
+          </a:bodyPr>
+          <a:lstStyle/>
+          <a:p>
+            <a:pPr algn="l"/>
+            <a:r>
+              <a:rPr lang="en-US" sz="3200" dirty="0"/>
+              <a:t>Internship Demo</a:t>
+            </a:r>
+          </a:p>
+          <a:p>
+            <a:pPr algn="l"/>
+            <a:endParaRPr lang="en-US" dirty="0"/>
+          </a:p>
+          <a:p>
+            <a:pPr algn="r"/>
+            <a:r>
+              <a:rPr lang="en-US" sz="1800" i="1" dirty="0"/>
+              <a:t>Yuanjun Zhang, Peng Du</a:t>
+            </a:r>
+          </a:p>
+          <a:p>
+            <a:pPr algn="r"/>
+            <a:r>
+              <a:rPr lang="en-US" sz="1800" dirty="0"/>
+              <a:t>Friday, August 26, 2022</a:t>
+            </a:r>
+          </a:p>
+        </p:txBody>
+      </p:sp>
+      <p:pic>
+        <p:nvPicPr>
+          <p:cNvPr id="14338" name="Picture 2" descr="Smartwatch with heart sign sketch icon Royalty Free Vector">
+            <a:extLst>
+              <a:ext uri="{FF2B5EF4-FFF2-40B4-BE49-F238E27FC236}">
+                <a16:creationId xmlns:a16="http://schemas.microsoft.com/office/drawing/2014/main" id="{8495DDDA-9028-5041-BC44-945EC9383078}"/>
+              </a:ext>
+            </a:extLst>
+          </p:cNvPr>
+          <p:cNvPicPr>
+            <a:picLocks noChangeAspect="1" noChangeArrowheads="1"/>
+          </p:cNvPicPr>
+          <p:nvPr/>
+        </p:nvPicPr>
+        <p:blipFill rotWithShape="1">
+          <a:blip r:embed="rId2">
+            <a:extLst>
+              <a:ext uri="{28A0092B-C50C-407E-A947-70E740481C1C}">
+                <a14:useLocalDpi xmlns:a14="http://schemas.microsoft.com/office/drawing/2010/main" val="0"/>
+              </a:ext>
+            </a:extLst>
+          </a:blip>
+          <a:srcRect l="20855" t="18216" r="24721" b="23543"/>
+          <a:stretch/>
+        </p:blipFill>
+        <p:spPr bwMode="auto">
+          <a:xfrm>
+            <a:off x="9563302" y="2194799"/>
+            <a:ext cx="1914136" cy="2214468"/>
+          </a:xfrm>
+          <a:prstGeom prst="rect">
+            <a:avLst/>
+          </a:prstGeom>
+          <a:noFill/>
+          <a:extLst>
+            <a:ext uri="{909E8E84-426E-40DD-AFC4-6F175D3DCCD1}">
+              <a14:hiddenFill xmlns:a14="http://schemas.microsoft.com/office/drawing/2010/main">
+                <a:solidFill>
+                  <a:srgbClr val="FFFFFF"/>
+                </a:solidFill>
+              </a14:hiddenFill>
+            </a:ext>
+          </a:extLst>
+        </p:spPr>
+      </p:pic>
+    </p:spTree>
+    <p:extLst>
+      <p:ext uri="{BB962C8B-B14F-4D97-AF65-F5344CB8AC3E}">
+        <p14:creationId xmlns:p14="http://schemas.microsoft.com/office/powerpoint/2010/main" val="1689571166"/>
+      </p:ext>
+    </p:extLst>
+  </p:cSld>
+  <p:clrMapOvr>
+    <a:masterClrMapping/>
+  </p:clrMapOvr>
+</p:sld>
+</file>
+
+<file path=ppt/slides/slide10.xml><?xml version="1.0" encoding="utf-8"?>
+<p:sld xmlns:a="http://schemas.openxmlformats.org/drawingml/2006/main" xmlns:r="http://schemas.openxmlformats.org/officeDocument/2006/relationships" xmlns:p="http://schemas.openxmlformats.org/presentationml/2006/main">
+  <p:cSld>
+    <p:spTree>
+      <p:nvGrpSpPr>
+        <p:cNvPr id="1" name=""/>
+        <p:cNvGrpSpPr/>
+        <p:nvPr/>
+      </p:nvGrpSpPr>
+      <p:grpSpPr>
+        <a:xfrm>
+          <a:off x="0" y="0"/>
+          <a:ext cx="0" cy="0"/>
+          <a:chOff x="0" y="0"/>
+          <a:chExt cx="0" cy="0"/>
+        </a:xfrm>
+      </p:grpSpPr>
+      <p:sp>
+        <p:nvSpPr>
+          <p:cNvPr id="2" name="Title 1">
+            <a:extLst>
+              <a:ext uri="{FF2B5EF4-FFF2-40B4-BE49-F238E27FC236}">
+                <a16:creationId xmlns:a16="http://schemas.microsoft.com/office/drawing/2014/main" id="{033DF1AF-A090-00AB-8359-DBB36E7F0ED8}"/>
+              </a:ext>
+            </a:extLst>
+          </p:cNvPr>
+          <p:cNvSpPr>
+            <a:spLocks noGrp="1"/>
+          </p:cNvSpPr>
+          <p:nvPr>
+            <p:ph type="title"/>
+          </p:nvPr>
+        </p:nvSpPr>
+        <p:spPr>
+          <a:xfrm>
+            <a:off x="209025" y="214124"/>
+            <a:ext cx="10515600" cy="675110"/>
+          </a:xfrm>
+        </p:spPr>
+        <p:txBody>
+          <a:bodyPr>
+            <a:normAutofit fontScale="90000"/>
+          </a:bodyPr>
+          <a:lstStyle/>
+          <a:p>
+            <a:r>
+              <a:rPr lang="en-US" dirty="0"/>
+              <a:t>Summary</a:t>
+            </a:r>
+          </a:p>
+        </p:txBody>
+      </p:sp>
+      <p:sp>
+        <p:nvSpPr>
+          <p:cNvPr id="3" name="Content Placeholder 2">
+            <a:extLst>
+              <a:ext uri="{FF2B5EF4-FFF2-40B4-BE49-F238E27FC236}">
+                <a16:creationId xmlns:a16="http://schemas.microsoft.com/office/drawing/2014/main" id="{67D952FA-59A2-0C70-1F13-A7E998B9C3FD}"/>
+              </a:ext>
+            </a:extLst>
+          </p:cNvPr>
+          <p:cNvSpPr>
+            <a:spLocks noGrp="1"/>
+          </p:cNvSpPr>
+          <p:nvPr>
+            <p:ph idx="1"/>
+          </p:nvPr>
+        </p:nvSpPr>
+        <p:spPr>
+          <a:xfrm>
+            <a:off x="1056314" y="1112560"/>
+            <a:ext cx="10629550" cy="5221127"/>
+          </a:xfrm>
+        </p:spPr>
+        <p:txBody>
+          <a:bodyPr>
+            <a:normAutofit fontScale="47500" lnSpcReduction="20000"/>
+          </a:bodyPr>
+          <a:lstStyle/>
+          <a:p>
+            <a:r>
+              <a:rPr lang="en-US" dirty="0"/>
+              <a:t>Docker/</a:t>
+            </a:r>
+            <a:r>
+              <a:rPr lang="en-US" dirty="0" err="1"/>
+              <a:t>Containerd</a:t>
+            </a:r>
+            <a:endParaRPr lang="en-US" dirty="0"/>
+          </a:p>
+          <a:p>
+            <a:pPr lvl="1"/>
+            <a:r>
+              <a:rPr lang="en-US" dirty="0" err="1"/>
+              <a:t>Dockerfile</a:t>
+            </a:r>
+            <a:endParaRPr lang="en-US" dirty="0"/>
+          </a:p>
+          <a:p>
+            <a:pPr lvl="1"/>
+            <a:r>
+              <a:rPr lang="en-US" dirty="0"/>
+              <a:t>Image</a:t>
+            </a:r>
+          </a:p>
+          <a:p>
+            <a:endParaRPr lang="en-US" dirty="0"/>
+          </a:p>
+          <a:p>
+            <a:r>
+              <a:rPr lang="en-US" dirty="0"/>
+              <a:t>K8s</a:t>
+            </a:r>
+          </a:p>
+          <a:p>
+            <a:pPr lvl="1"/>
+            <a:r>
+              <a:rPr lang="en-US" dirty="0" err="1"/>
+              <a:t>Kubeadm</a:t>
+            </a:r>
+            <a:r>
+              <a:rPr lang="en-US" dirty="0"/>
+              <a:t>/Kubelet/Kubectl</a:t>
+            </a:r>
+          </a:p>
+          <a:p>
+            <a:pPr lvl="1"/>
+            <a:r>
+              <a:rPr lang="en-US" dirty="0"/>
+              <a:t>Networking: Flannel/DNS in Pod (8.8.8.8)</a:t>
+            </a:r>
+          </a:p>
+          <a:p>
+            <a:pPr lvl="1"/>
+            <a:r>
+              <a:rPr lang="en-US" dirty="0"/>
+              <a:t>Host volume</a:t>
+            </a:r>
+          </a:p>
+          <a:p>
+            <a:pPr lvl="1"/>
+            <a:r>
+              <a:rPr lang="en-US" dirty="0"/>
+              <a:t>Workload: Pod, Deployment</a:t>
+            </a:r>
+          </a:p>
+          <a:p>
+            <a:endParaRPr lang="en-US" dirty="0"/>
+          </a:p>
+          <a:p>
+            <a:r>
+              <a:rPr lang="en-US" dirty="0"/>
+              <a:t>KubeEdge</a:t>
+            </a:r>
+          </a:p>
+          <a:p>
+            <a:pPr lvl="1"/>
+            <a:r>
+              <a:rPr lang="en-US" dirty="0"/>
+              <a:t>Cloud- and edge-core</a:t>
+            </a:r>
+          </a:p>
+          <a:p>
+            <a:pPr lvl="1"/>
+            <a:r>
+              <a:rPr lang="en-US" dirty="0" err="1"/>
+              <a:t>keadm</a:t>
+            </a:r>
+            <a:endParaRPr lang="en-US" dirty="0"/>
+          </a:p>
+          <a:p>
+            <a:endParaRPr lang="en-US" dirty="0"/>
+          </a:p>
+          <a:p>
+            <a:r>
+              <a:rPr lang="en-US" dirty="0"/>
+              <a:t>Wearable device</a:t>
+            </a:r>
+          </a:p>
+          <a:p>
+            <a:pPr lvl="1"/>
+            <a:r>
+              <a:rPr lang="en-US" dirty="0"/>
+              <a:t>Emulator</a:t>
+            </a:r>
+          </a:p>
+          <a:p>
+            <a:endParaRPr lang="en-US" dirty="0"/>
+          </a:p>
+          <a:p>
+            <a:r>
+              <a:rPr lang="en-US" dirty="0"/>
+              <a:t>AWS</a:t>
+            </a:r>
+          </a:p>
+          <a:p>
+            <a:pPr lvl="1"/>
+            <a:r>
+              <a:rPr lang="en-US" dirty="0"/>
+              <a:t>EC2, S3</a:t>
+            </a:r>
+          </a:p>
+          <a:p>
+            <a:pPr lvl="1"/>
+            <a:r>
+              <a:rPr lang="en-US" dirty="0"/>
+              <a:t>CLI</a:t>
+            </a:r>
+          </a:p>
+          <a:p>
+            <a:pPr lvl="1"/>
+            <a:endParaRPr lang="en-US" dirty="0"/>
+          </a:p>
+          <a:p>
+            <a:r>
+              <a:rPr lang="en-US" dirty="0"/>
+              <a:t>Deliverables</a:t>
+            </a:r>
+          </a:p>
+          <a:p>
+            <a:pPr lvl="1"/>
+            <a:endParaRPr lang="en-US" dirty="0"/>
+          </a:p>
+        </p:txBody>
+      </p:sp>
+    </p:spTree>
+    <p:extLst>
+      <p:ext uri="{BB962C8B-B14F-4D97-AF65-F5344CB8AC3E}">
+        <p14:creationId xmlns:p14="http://schemas.microsoft.com/office/powerpoint/2010/main" val="3478304589"/>
+      </p:ext>
+    </p:extLst>
+  </p:cSld>
+  <p:clrMapOvr>
+    <a:masterClrMapping/>
+  </p:clrMapOvr>
+</p:sld>
+</file>
+
+<file path=ppt/slides/slide11.xml><?xml version="1.0" encoding="utf-8"?>
+<p:sld xmlns:a="http://schemas.openxmlformats.org/drawingml/2006/main" xmlns:r="http://schemas.openxmlformats.org/officeDocument/2006/relationships" xmlns:p="http://schemas.openxmlformats.org/presentationml/2006/main">
+  <p:cSld>
+    <p:spTree>
+      <p:nvGrpSpPr>
+        <p:cNvPr id="1" name=""/>
+        <p:cNvGrpSpPr/>
+        <p:nvPr/>
+      </p:nvGrpSpPr>
+      <p:grpSpPr>
+        <a:xfrm>
+          <a:off x="0" y="0"/>
+          <a:ext cx="0" cy="0"/>
+          <a:chOff x="0" y="0"/>
+          <a:chExt cx="0" cy="0"/>
+        </a:xfrm>
+      </p:grpSpPr>
+      <p:sp>
+        <p:nvSpPr>
+          <p:cNvPr id="2" name="Title 1">
+            <a:extLst>
+              <a:ext uri="{FF2B5EF4-FFF2-40B4-BE49-F238E27FC236}">
+                <a16:creationId xmlns:a16="http://schemas.microsoft.com/office/drawing/2014/main" id="{0AE84D9A-4D44-C3B6-C180-5D4021E458E5}"/>
               </a:ext>
             </a:extLst>
           </p:cNvPr>
@@ -3352,24 +3757,45 @@
         </p:nvSpPr>
         <p:spPr/>
         <p:txBody>
-          <a:bodyPr>
-            <a:normAutofit/>
-          </a:bodyPr>
+          <a:bodyPr/>
           <a:lstStyle/>
           <a:p>
             <a:r>
-              <a:rPr lang="en-US" sz="3400" b="1" dirty="0">
-                <a:latin typeface="+mn-lt"/>
-              </a:rPr>
-              <a:t>Requirement</a:t>
-            </a:r>
+              <a:rPr lang="en-US" dirty="0"/>
+              <a:t>Intern Experience</a:t>
+            </a:r>
+          </a:p>
+        </p:txBody>
+      </p:sp>
+      <p:sp>
+        <p:nvSpPr>
+          <p:cNvPr id="3" name="Content Placeholder 2">
+            <a:extLst>
+              <a:ext uri="{FF2B5EF4-FFF2-40B4-BE49-F238E27FC236}">
+                <a16:creationId xmlns:a16="http://schemas.microsoft.com/office/drawing/2014/main" id="{4B8AA7D4-517E-306B-DA44-5A57FC60A775}"/>
+              </a:ext>
+            </a:extLst>
+          </p:cNvPr>
+          <p:cNvSpPr>
+            <a:spLocks noGrp="1"/>
+          </p:cNvSpPr>
+          <p:nvPr>
+            <p:ph idx="1"/>
+          </p:nvPr>
+        </p:nvSpPr>
+        <p:spPr/>
+        <p:txBody>
+          <a:bodyPr/>
+          <a:lstStyle/>
+          <a:p>
+            <a:endParaRPr lang="en-US"/>
           </a:p>
         </p:txBody>
       </p:sp>
     </p:spTree>
     <p:extLst>
       <p:ext uri="{BB962C8B-B14F-4D97-AF65-F5344CB8AC3E}">
-        <p14:creationId xmlns:p14="http://schemas.microsoft.com/office/powerpoint/2010/main" val="16049876"/>
+        <p14:creationId xmlns:p14="http://schemas.microsoft.com/office/powerpoint/2010/main" val="942931093"/>
       </p:ext>
     </p:extLst>
   </p:cSld>
@@ -3401,7 +3827,7 @@
           <p:cNvPr id="2" name="Title 1">
             <a:extLst>
               <a:ext uri="{FF2B5EF4-FFF2-40B4-BE49-F238E27FC236}">
-                <a16:creationId xmlns:a16="http://schemas.microsoft.com/office/drawing/2014/main" id="{19135BC4-7568-11F5-2DE0-EA69841767A4}"/>
+                <a16:creationId xmlns:a16="http://schemas.microsoft.com/office/drawing/2014/main" id="{45BAD50B-286D-E02D-29D5-267DA1150EFD}"/>
               </a:ext>
             </a:extLst>
           </p:cNvPr>
@@ -3412,57 +3838,5468 @@
             <p:ph type="title"/>
           </p:nvPr>
         </p:nvSpPr>
-        <p:spPr/>
+        <p:spPr>
+          <a:xfrm>
+            <a:off x="370949" y="135222"/>
+            <a:ext cx="8884640" cy="868057"/>
+          </a:xfrm>
+        </p:spPr>
         <p:txBody>
-          <a:bodyPr/>
+          <a:bodyPr>
+            <a:normAutofit/>
+          </a:bodyPr>
           <a:lstStyle/>
           <a:p>
             <a:r>
-              <a:rPr lang="en-US" dirty="0"/>
-              <a:t>Design</a:t>
+              <a:rPr lang="en-US" sz="3400" b="1" dirty="0">
+                <a:latin typeface="+mn-lt"/>
+              </a:rPr>
+              <a:t>Cross-lab Effort</a:t>
             </a:r>
           </a:p>
         </p:txBody>
       </p:sp>
-      <p:sp>
-        <p:nvSpPr>
-          <p:cNvPr id="3" name="Content Placeholder 2">
-            <a:extLst>
-              <a:ext uri="{FF2B5EF4-FFF2-40B4-BE49-F238E27FC236}">
-                <a16:creationId xmlns:a16="http://schemas.microsoft.com/office/drawing/2014/main" id="{CE4E9E85-6967-38AE-0D7A-DF0153B2FCFE}"/>
-              </a:ext>
-            </a:extLst>
-          </p:cNvPr>
-          <p:cNvSpPr>
-            <a:spLocks noGrp="1"/>
-          </p:cNvSpPr>
-          <p:nvPr>
-            <p:ph idx="1"/>
-          </p:nvPr>
-        </p:nvSpPr>
-        <p:spPr/>
-        <p:txBody>
-          <a:bodyPr/>
-          <a:lstStyle/>
-          <a:p>
-            <a:endParaRPr lang="en-US"/>
-          </a:p>
-        </p:txBody>
-      </p:sp>
+      <p:grpSp>
+        <p:nvGrpSpPr>
+          <p:cNvPr id="14" name="Group 13">
+            <a:extLst>
+              <a:ext uri="{FF2B5EF4-FFF2-40B4-BE49-F238E27FC236}">
+                <a16:creationId xmlns:a16="http://schemas.microsoft.com/office/drawing/2014/main" id="{4B40169B-5961-6002-25CE-E81B75A0DEE7}"/>
+              </a:ext>
+            </a:extLst>
+          </p:cNvPr>
+          <p:cNvGrpSpPr/>
+          <p:nvPr/>
+        </p:nvGrpSpPr>
+        <p:grpSpPr>
+          <a:xfrm>
+            <a:off x="592640" y="1178421"/>
+            <a:ext cx="4640103" cy="2368548"/>
+            <a:chOff x="329592" y="873417"/>
+            <a:chExt cx="4640103" cy="2368548"/>
+          </a:xfrm>
+        </p:grpSpPr>
+        <p:sp>
+          <p:nvSpPr>
+            <p:cNvPr id="12" name="Rounded Rectangle 11">
+              <a:extLst>
+                <a:ext uri="{FF2B5EF4-FFF2-40B4-BE49-F238E27FC236}">
+                  <a16:creationId xmlns:a16="http://schemas.microsoft.com/office/drawing/2014/main" id="{5E9EEEA4-CC89-92E4-8342-B3820930442F}"/>
+                </a:ext>
+              </a:extLst>
+            </p:cNvPr>
+            <p:cNvSpPr/>
+            <p:nvPr/>
+          </p:nvSpPr>
+          <p:spPr>
+            <a:xfrm>
+              <a:off x="592640" y="1196827"/>
+              <a:ext cx="4377055" cy="2045138"/>
+            </a:xfrm>
+            <a:prstGeom prst="roundRect">
+              <a:avLst/>
+            </a:prstGeom>
+            <a:solidFill>
+              <a:schemeClr val="bg1"/>
+            </a:solidFill>
+            <a:ln>
+              <a:solidFill>
+                <a:schemeClr val="bg1">
+                  <a:lumMod val="50000"/>
+                </a:schemeClr>
+              </a:solidFill>
+              <a:prstDash val="sysDot"/>
+            </a:ln>
+          </p:spPr>
+          <p:style>
+            <a:lnRef idx="2">
+              <a:schemeClr val="accent1">
+                <a:shade val="50000"/>
+              </a:schemeClr>
+            </a:lnRef>
+            <a:fillRef idx="1">
+              <a:schemeClr val="accent1"/>
+            </a:fillRef>
+            <a:effectRef idx="0">
+              <a:schemeClr val="accent1"/>
+            </a:effectRef>
+            <a:fontRef idx="minor">
+              <a:schemeClr val="lt1"/>
+            </a:fontRef>
+          </p:style>
+          <p:txBody>
+            <a:bodyPr rtlCol="0" anchor="ctr"/>
+            <a:lstStyle/>
+            <a:p>
+              <a:pPr algn="ctr"/>
+              <a:r>
+                <a:rPr lang="en-US" dirty="0"/>
+                <a:t>B</a:t>
+              </a:r>
+            </a:p>
+          </p:txBody>
+        </p:sp>
+        <p:pic>
+          <p:nvPicPr>
+            <p:cNvPr id="1026" name="Picture 2" descr="arc">
+              <a:extLst>
+                <a:ext uri="{FF2B5EF4-FFF2-40B4-BE49-F238E27FC236}">
+                  <a16:creationId xmlns:a16="http://schemas.microsoft.com/office/drawing/2014/main" id="{81057A17-3590-9051-F74C-E41F5F986D07}"/>
+                </a:ext>
+              </a:extLst>
+            </p:cNvPr>
+            <p:cNvPicPr>
+              <a:picLocks noChangeAspect="1" noChangeArrowheads="1"/>
+            </p:cNvPicPr>
+            <p:nvPr/>
+          </p:nvPicPr>
+          <p:blipFill>
+            <a:blip r:embed="rId2">
+              <a:extLst>
+                <a:ext uri="{28A0092B-C50C-407E-A947-70E740481C1C}">
+                  <a14:useLocalDpi xmlns:a14="http://schemas.microsoft.com/office/drawing/2010/main" val="0"/>
+                </a:ext>
+              </a:extLst>
+            </a:blip>
+            <a:srcRect/>
+            <a:stretch>
+              <a:fillRect/>
+            </a:stretch>
+          </p:blipFill>
+          <p:spPr bwMode="auto">
+            <a:xfrm>
+              <a:off x="329592" y="873417"/>
+              <a:ext cx="2729064" cy="770960"/>
+            </a:xfrm>
+            <a:prstGeom prst="rect">
+              <a:avLst/>
+            </a:prstGeom>
+            <a:solidFill>
+              <a:schemeClr val="bg1"/>
+            </a:solidFill>
+            <a:ln>
+              <a:noFill/>
+            </a:ln>
+            <a:effectLst/>
+          </p:spPr>
+        </p:pic>
+        <p:sp>
+          <p:nvSpPr>
+            <p:cNvPr id="7" name="TextBox 6">
+              <a:extLst>
+                <a:ext uri="{FF2B5EF4-FFF2-40B4-BE49-F238E27FC236}">
+                  <a16:creationId xmlns:a16="http://schemas.microsoft.com/office/drawing/2014/main" id="{FAE5A69C-5A22-075D-DAD0-794D7DFA89A9}"/>
+                </a:ext>
+              </a:extLst>
+            </p:cNvPr>
+            <p:cNvSpPr txBox="1"/>
+            <p:nvPr/>
+          </p:nvSpPr>
+          <p:spPr>
+            <a:xfrm>
+              <a:off x="903129" y="1992425"/>
+              <a:ext cx="1109599" cy="369332"/>
+            </a:xfrm>
+            <a:prstGeom prst="rect">
+              <a:avLst/>
+            </a:prstGeom>
+            <a:noFill/>
+          </p:spPr>
+          <p:txBody>
+            <a:bodyPr wrap="none" rtlCol="0">
+              <a:spAutoFit/>
+            </a:bodyPr>
+            <a:lstStyle/>
+            <a:p>
+              <a:r>
+                <a:rPr lang="en-US" u="sng" dirty="0"/>
+                <a:t>Cloud Lab</a:t>
+              </a:r>
+            </a:p>
+          </p:txBody>
+        </p:sp>
+        <p:sp>
+          <p:nvSpPr>
+            <p:cNvPr id="8" name="TextBox 7">
+              <a:extLst>
+                <a:ext uri="{FF2B5EF4-FFF2-40B4-BE49-F238E27FC236}">
+                  <a16:creationId xmlns:a16="http://schemas.microsoft.com/office/drawing/2014/main" id="{A218571A-5081-17BA-BA56-ADF405748BEE}"/>
+                </a:ext>
+              </a:extLst>
+            </p:cNvPr>
+            <p:cNvSpPr txBox="1"/>
+            <p:nvPr/>
+          </p:nvSpPr>
+          <p:spPr>
+            <a:xfrm>
+              <a:off x="903129" y="2546423"/>
+              <a:ext cx="3540906" cy="369332"/>
+            </a:xfrm>
+            <a:prstGeom prst="rect">
+              <a:avLst/>
+            </a:prstGeom>
+            <a:noFill/>
+          </p:spPr>
+          <p:txBody>
+            <a:bodyPr wrap="none" rtlCol="0">
+              <a:spAutoFit/>
+            </a:bodyPr>
+            <a:lstStyle/>
+            <a:p>
+              <a:r>
+                <a:rPr lang="en-US" u="sng" dirty="0"/>
+                <a:t>Strategy and Business Development</a:t>
+              </a:r>
+            </a:p>
+          </p:txBody>
+        </p:sp>
+      </p:grpSp>
+      <p:grpSp>
+        <p:nvGrpSpPr>
+          <p:cNvPr id="15" name="Group 14">
+            <a:extLst>
+              <a:ext uri="{FF2B5EF4-FFF2-40B4-BE49-F238E27FC236}">
+                <a16:creationId xmlns:a16="http://schemas.microsoft.com/office/drawing/2014/main" id="{C3C0E89C-60C6-6B76-9920-0EBFF5517D77}"/>
+              </a:ext>
+            </a:extLst>
+          </p:cNvPr>
+          <p:cNvGrpSpPr/>
+          <p:nvPr/>
+        </p:nvGrpSpPr>
+        <p:grpSpPr>
+          <a:xfrm>
+            <a:off x="592640" y="4144011"/>
+            <a:ext cx="4981674" cy="2296478"/>
+            <a:chOff x="370949" y="3938067"/>
+            <a:chExt cx="4981674" cy="2296478"/>
+          </a:xfrm>
+        </p:grpSpPr>
+        <p:sp>
+          <p:nvSpPr>
+            <p:cNvPr id="13" name="Rounded Rectangle 12">
+              <a:extLst>
+                <a:ext uri="{FF2B5EF4-FFF2-40B4-BE49-F238E27FC236}">
+                  <a16:creationId xmlns:a16="http://schemas.microsoft.com/office/drawing/2014/main" id="{DD64E91F-4237-2D8F-1FFE-6F91C6ECE1B6}"/>
+                </a:ext>
+              </a:extLst>
+            </p:cNvPr>
+            <p:cNvSpPr/>
+            <p:nvPr/>
+          </p:nvSpPr>
+          <p:spPr>
+            <a:xfrm>
+              <a:off x="592640" y="4113209"/>
+              <a:ext cx="4759983" cy="2121336"/>
+            </a:xfrm>
+            <a:prstGeom prst="roundRect">
+              <a:avLst/>
+            </a:prstGeom>
+            <a:solidFill>
+              <a:schemeClr val="bg1"/>
+            </a:solidFill>
+            <a:ln>
+              <a:solidFill>
+                <a:schemeClr val="bg1">
+                  <a:lumMod val="50000"/>
+                </a:schemeClr>
+              </a:solidFill>
+              <a:prstDash val="sysDot"/>
+            </a:ln>
+          </p:spPr>
+          <p:style>
+            <a:lnRef idx="2">
+              <a:schemeClr val="accent1">
+                <a:shade val="50000"/>
+              </a:schemeClr>
+            </a:lnRef>
+            <a:fillRef idx="1">
+              <a:schemeClr val="accent1"/>
+            </a:fillRef>
+            <a:effectRef idx="0">
+              <a:schemeClr val="accent1"/>
+            </a:effectRef>
+            <a:fontRef idx="minor">
+              <a:schemeClr val="lt1"/>
+            </a:fontRef>
+          </p:style>
+          <p:txBody>
+            <a:bodyPr rtlCol="0" anchor="ctr"/>
+            <a:lstStyle/>
+            <a:p>
+              <a:pPr algn="ctr"/>
+              <a:r>
+                <a:rPr lang="en-US" dirty="0"/>
+                <a:t>B</a:t>
+              </a:r>
+            </a:p>
+          </p:txBody>
+        </p:sp>
+        <p:pic>
+          <p:nvPicPr>
+            <p:cNvPr id="9" name="Picture 8">
+              <a:extLst>
+                <a:ext uri="{FF2B5EF4-FFF2-40B4-BE49-F238E27FC236}">
+                  <a16:creationId xmlns:a16="http://schemas.microsoft.com/office/drawing/2014/main" id="{89A6CF73-51DF-0A9A-CA1D-8C5632CC063E}"/>
+                </a:ext>
+              </a:extLst>
+            </p:cNvPr>
+            <p:cNvPicPr>
+              <a:picLocks noChangeAspect="1"/>
+            </p:cNvPicPr>
+            <p:nvPr/>
+          </p:nvPicPr>
+          <p:blipFill>
+            <a:blip r:embed="rId3"/>
+            <a:stretch>
+              <a:fillRect/>
+            </a:stretch>
+          </p:blipFill>
+          <p:spPr>
+            <a:xfrm>
+              <a:off x="370949" y="3938067"/>
+              <a:ext cx="2729064" cy="519272"/>
+            </a:xfrm>
+            <a:prstGeom prst="rect">
+              <a:avLst/>
+            </a:prstGeom>
+            <a:ln>
+              <a:noFill/>
+            </a:ln>
+            <a:effectLst>
+              <a:outerShdw blurRad="292100" dist="139700" dir="2700000" algn="tl" rotWithShape="0">
+                <a:srgbClr val="333333">
+                  <a:alpha val="65000"/>
+                </a:srgbClr>
+              </a:outerShdw>
+            </a:effectLst>
+          </p:spPr>
+        </p:pic>
+        <p:sp>
+          <p:nvSpPr>
+            <p:cNvPr id="11" name="TextBox 10">
+              <a:extLst>
+                <a:ext uri="{FF2B5EF4-FFF2-40B4-BE49-F238E27FC236}">
+                  <a16:creationId xmlns:a16="http://schemas.microsoft.com/office/drawing/2014/main" id="{8AE46BE7-385D-96B4-8EEF-39B235680C56}"/>
+                </a:ext>
+              </a:extLst>
+            </p:cNvPr>
+            <p:cNvSpPr txBox="1"/>
+            <p:nvPr/>
+          </p:nvSpPr>
+          <p:spPr>
+            <a:xfrm>
+              <a:off x="903129" y="4866918"/>
+              <a:ext cx="4350935" cy="923330"/>
+            </a:xfrm>
+            <a:prstGeom prst="rect">
+              <a:avLst/>
+            </a:prstGeom>
+            <a:noFill/>
+          </p:spPr>
+          <p:txBody>
+            <a:bodyPr wrap="none" rtlCol="0">
+              <a:spAutoFit/>
+            </a:bodyPr>
+            <a:lstStyle/>
+            <a:p>
+              <a:r>
+                <a:rPr lang="en-US" u="sng" dirty="0"/>
+                <a:t>Engineering and Mathematics at UW Bothell</a:t>
+              </a:r>
+            </a:p>
+            <a:p>
+              <a:endParaRPr lang="en-US" dirty="0"/>
+            </a:p>
+            <a:p>
+              <a:r>
+                <a:rPr lang="en-US" u="sng" dirty="0"/>
+                <a:t>Neurological Surgery at UW Seattle</a:t>
+              </a:r>
+            </a:p>
+          </p:txBody>
+        </p:sp>
+      </p:grpSp>
+      <p:grpSp>
+        <p:nvGrpSpPr>
+          <p:cNvPr id="16" name="Group 15">
+            <a:extLst>
+              <a:ext uri="{FF2B5EF4-FFF2-40B4-BE49-F238E27FC236}">
+                <a16:creationId xmlns:a16="http://schemas.microsoft.com/office/drawing/2014/main" id="{4A87CC8F-DAB3-7078-30F2-69E5233A09B5}"/>
+              </a:ext>
+            </a:extLst>
+          </p:cNvPr>
+          <p:cNvGrpSpPr/>
+          <p:nvPr/>
+        </p:nvGrpSpPr>
+        <p:grpSpPr>
+          <a:xfrm>
+            <a:off x="6369269" y="1661916"/>
+            <a:ext cx="5230091" cy="3534167"/>
+            <a:chOff x="6369269" y="1661916"/>
+            <a:chExt cx="5230091" cy="3534167"/>
+          </a:xfrm>
+        </p:grpSpPr>
+        <p:grpSp>
+          <p:nvGrpSpPr>
+            <p:cNvPr id="10" name="Group 9">
+              <a:extLst>
+                <a:ext uri="{FF2B5EF4-FFF2-40B4-BE49-F238E27FC236}">
+                  <a16:creationId xmlns:a16="http://schemas.microsoft.com/office/drawing/2014/main" id="{8098C43A-EF8E-BD24-7BAC-AE387BE455A3}"/>
+                </a:ext>
+              </a:extLst>
+            </p:cNvPr>
+            <p:cNvGrpSpPr/>
+            <p:nvPr/>
+          </p:nvGrpSpPr>
+          <p:grpSpPr>
+            <a:xfrm>
+              <a:off x="6369269" y="1661916"/>
+              <a:ext cx="5230091" cy="3534167"/>
+              <a:chOff x="8875921" y="536207"/>
+              <a:chExt cx="3303918" cy="1997354"/>
+            </a:xfrm>
+          </p:grpSpPr>
+          <p:pic>
+            <p:nvPicPr>
+              <p:cNvPr id="3" name="Picture 2">
+                <a:extLst>
+                  <a:ext uri="{FF2B5EF4-FFF2-40B4-BE49-F238E27FC236}">
+                    <a16:creationId xmlns:a16="http://schemas.microsoft.com/office/drawing/2014/main" id="{164EBAC2-7EF6-8EF5-D3C8-ED44A8B432F1}"/>
+                  </a:ext>
+                </a:extLst>
+              </p:cNvPr>
+              <p:cNvPicPr>
+                <a:picLocks noChangeAspect="1"/>
+              </p:cNvPicPr>
+              <p:nvPr/>
+            </p:nvPicPr>
+            <p:blipFill>
+              <a:blip r:embed="rId4"/>
+              <a:stretch>
+                <a:fillRect/>
+              </a:stretch>
+            </p:blipFill>
+            <p:spPr>
+              <a:xfrm>
+                <a:off x="9243428" y="770741"/>
+                <a:ext cx="2568904" cy="1762820"/>
+              </a:xfrm>
+              <a:prstGeom prst="rect">
+                <a:avLst/>
+              </a:prstGeom>
+              <a:ln>
+                <a:noFill/>
+              </a:ln>
+              <a:effectLst>
+                <a:outerShdw blurRad="292100" dist="139700" dir="2700000" algn="tl" rotWithShape="0">
+                  <a:srgbClr val="333333">
+                    <a:alpha val="65000"/>
+                  </a:srgbClr>
+                </a:outerShdw>
+              </a:effectLst>
+            </p:spPr>
+          </p:pic>
+          <p:sp>
+            <p:nvSpPr>
+              <p:cNvPr id="4" name="TextBox 3">
+                <a:extLst>
+                  <a:ext uri="{FF2B5EF4-FFF2-40B4-BE49-F238E27FC236}">
+                    <a16:creationId xmlns:a16="http://schemas.microsoft.com/office/drawing/2014/main" id="{B606CBCA-38A8-CB66-35D0-C72B25D6602E}"/>
+                  </a:ext>
+                </a:extLst>
+              </p:cNvPr>
+              <p:cNvSpPr txBox="1"/>
+              <p:nvPr/>
+            </p:nvSpPr>
+            <p:spPr>
+              <a:xfrm>
+                <a:off x="8875921" y="536207"/>
+                <a:ext cx="3303918" cy="307777"/>
+              </a:xfrm>
+              <a:prstGeom prst="rect">
+                <a:avLst/>
+              </a:prstGeom>
+              <a:noFill/>
+            </p:spPr>
+            <p:txBody>
+              <a:bodyPr wrap="none" rtlCol="0">
+                <a:spAutoFit/>
+              </a:bodyPr>
+              <a:lstStyle/>
+              <a:p>
+                <a:r>
+                  <a:rPr lang="en-US" sz="1400" i="1" dirty="0"/>
+                  <a:t>Open Source Summit Europe in September</a:t>
+                </a:r>
+              </a:p>
+            </p:txBody>
+          </p:sp>
+        </p:grpSp>
+        <p:pic>
+          <p:nvPicPr>
+            <p:cNvPr id="1036" name="Picture 12" descr="Handwritten inscription dublin and brush strokes in colors of • wall  stickers tour tourism, dublin, patriotic | myloview.com">
+              <a:extLst>
+                <a:ext uri="{FF2B5EF4-FFF2-40B4-BE49-F238E27FC236}">
+                  <a16:creationId xmlns:a16="http://schemas.microsoft.com/office/drawing/2014/main" id="{ED2B263A-ED00-12F2-4037-4D0DCD15BB94}"/>
+                </a:ext>
+              </a:extLst>
+            </p:cNvPr>
+            <p:cNvPicPr>
+              <a:picLocks noChangeAspect="1" noChangeArrowheads="1"/>
+            </p:cNvPicPr>
+            <p:nvPr/>
+          </p:nvPicPr>
+          <p:blipFill>
+            <a:blip r:embed="rId5">
+              <a:extLst>
+                <a:ext uri="{28A0092B-C50C-407E-A947-70E740481C1C}">
+                  <a14:useLocalDpi xmlns:a14="http://schemas.microsoft.com/office/drawing/2010/main" val="0"/>
+                </a:ext>
+              </a:extLst>
+            </a:blip>
+            <a:srcRect/>
+            <a:stretch>
+              <a:fillRect/>
+            </a:stretch>
+          </p:blipFill>
+          <p:spPr bwMode="auto">
+            <a:xfrm>
+              <a:off x="10479062" y="1709342"/>
+              <a:ext cx="857250" cy="857250"/>
+            </a:xfrm>
+            <a:prstGeom prst="rect">
+              <a:avLst/>
+            </a:prstGeom>
+            <a:noFill/>
+            <a:extLst>
+              <a:ext uri="{909E8E84-426E-40DD-AFC4-6F175D3DCCD1}">
+                <a14:hiddenFill xmlns:a14="http://schemas.microsoft.com/office/drawing/2010/main">
+                  <a:solidFill>
+                    <a:srgbClr val="FFFFFF"/>
+                  </a:solidFill>
+                </a14:hiddenFill>
+              </a:ext>
+            </a:extLst>
+          </p:spPr>
+        </p:pic>
+      </p:grpSp>
+      <p:pic>
+        <p:nvPicPr>
+          <p:cNvPr id="1040" name="Picture 16" descr="Beers Cheers SvgBeer SvgBeer EpsBeer DxfBeer PngDigital image 1">
+            <a:extLst>
+              <a:ext uri="{FF2B5EF4-FFF2-40B4-BE49-F238E27FC236}">
+                <a16:creationId xmlns:a16="http://schemas.microsoft.com/office/drawing/2014/main" id="{B5DB0523-5A06-E0BB-2DD5-9367D1C55D5D}"/>
+              </a:ext>
+            </a:extLst>
+          </p:cNvPr>
+          <p:cNvPicPr>
+            <a:picLocks noChangeAspect="1" noChangeArrowheads="1"/>
+          </p:cNvPicPr>
+          <p:nvPr/>
+        </p:nvPicPr>
+        <p:blipFill rotWithShape="1">
+          <a:blip r:embed="rId6">
+            <a:extLst>
+              <a:ext uri="{28A0092B-C50C-407E-A947-70E740481C1C}">
+                <a14:useLocalDpi xmlns:a14="http://schemas.microsoft.com/office/drawing/2010/main" val="0"/>
+              </a:ext>
+            </a:extLst>
+          </a:blip>
+          <a:srcRect l="14074" t="17183" r="17331" b="21899"/>
+          <a:stretch/>
+        </p:blipFill>
+        <p:spPr bwMode="auto">
+          <a:xfrm>
+            <a:off x="10723247" y="5496507"/>
+            <a:ext cx="1223005" cy="1086134"/>
+          </a:xfrm>
+          <a:prstGeom prst="rect">
+            <a:avLst/>
+          </a:prstGeom>
+          <a:noFill/>
+          <a:extLst>
+            <a:ext uri="{909E8E84-426E-40DD-AFC4-6F175D3DCCD1}">
+              <a14:hiddenFill xmlns:a14="http://schemas.microsoft.com/office/drawing/2010/main">
+                <a:solidFill>
+                  <a:srgbClr val="FFFFFF"/>
+                </a:solidFill>
+              </a14:hiddenFill>
+            </a:ext>
+          </a:extLst>
+        </p:spPr>
+      </p:pic>
     </p:spTree>
     <p:extLst>
       <p:ext uri="{BB962C8B-B14F-4D97-AF65-F5344CB8AC3E}">
-        <p14:creationId xmlns:p14="http://schemas.microsoft.com/office/powerpoint/2010/main" val="2731048306"/>
+        <p14:creationId xmlns:p14="http://schemas.microsoft.com/office/powerpoint/2010/main" val="16049876"/>
       </p:ext>
     </p:extLst>
   </p:cSld>
   <p:clrMapOvr>
     <a:masterClrMapping/>
   </p:clrMapOvr>
+  <p:timing>
+    <p:tnLst>
+      <p:par>
+        <p:cTn id="1" dur="indefinite" restart="never" nodeType="tmRoot">
+          <p:childTnLst>
+            <p:seq concurrent="1" nextAc="seek">
+              <p:cTn id="2" dur="indefinite" nodeType="mainSeq">
+                <p:childTnLst>
+                  <p:par>
+                    <p:cTn id="3" fill="hold">
+                      <p:stCondLst>
+                        <p:cond delay="indefinite"/>
+                      </p:stCondLst>
+                      <p:childTnLst>
+                        <p:par>
+                          <p:cTn id="4" fill="hold">
+                            <p:stCondLst>
+                              <p:cond delay="0"/>
+                            </p:stCondLst>
+                            <p:childTnLst>
+                              <p:par>
+                                <p:cTn id="5" presetID="1" presetClass="entr" presetSubtype="0" fill="hold" nodeType="clickEffect">
+                                  <p:stCondLst>
+                                    <p:cond delay="0"/>
+                                  </p:stCondLst>
+                                  <p:childTnLst>
+                                    <p:set>
+                                      <p:cBhvr>
+                                        <p:cTn id="6" dur="1" fill="hold">
+                                          <p:stCondLst>
+                                            <p:cond delay="0"/>
+                                          </p:stCondLst>
+                                        </p:cTn>
+                                        <p:tgtEl>
+                                          <p:spTgt spid="14"/>
+                                        </p:tgtEl>
+                                        <p:attrNameLst>
+                                          <p:attrName>style.visibility</p:attrName>
+                                        </p:attrNameLst>
+                                      </p:cBhvr>
+                                      <p:to>
+                                        <p:strVal val="visible"/>
+                                      </p:to>
+                                    </p:set>
+                                  </p:childTnLst>
+                                </p:cTn>
+                              </p:par>
+                            </p:childTnLst>
+                          </p:cTn>
+                        </p:par>
+                      </p:childTnLst>
+                    </p:cTn>
+                  </p:par>
+                  <p:par>
+                    <p:cTn id="7" fill="hold">
+                      <p:stCondLst>
+                        <p:cond delay="indefinite"/>
+                      </p:stCondLst>
+                      <p:childTnLst>
+                        <p:par>
+                          <p:cTn id="8" fill="hold">
+                            <p:stCondLst>
+                              <p:cond delay="0"/>
+                            </p:stCondLst>
+                            <p:childTnLst>
+                              <p:par>
+                                <p:cTn id="9" presetID="1" presetClass="entr" presetSubtype="0" fill="hold" nodeType="clickEffect">
+                                  <p:stCondLst>
+                                    <p:cond delay="0"/>
+                                  </p:stCondLst>
+                                  <p:childTnLst>
+                                    <p:set>
+                                      <p:cBhvr>
+                                        <p:cTn id="10" dur="1" fill="hold">
+                                          <p:stCondLst>
+                                            <p:cond delay="0"/>
+                                          </p:stCondLst>
+                                        </p:cTn>
+                                        <p:tgtEl>
+                                          <p:spTgt spid="15"/>
+                                        </p:tgtEl>
+                                        <p:attrNameLst>
+                                          <p:attrName>style.visibility</p:attrName>
+                                        </p:attrNameLst>
+                                      </p:cBhvr>
+                                      <p:to>
+                                        <p:strVal val="visible"/>
+                                      </p:to>
+                                    </p:set>
+                                  </p:childTnLst>
+                                </p:cTn>
+                              </p:par>
+                            </p:childTnLst>
+                          </p:cTn>
+                        </p:par>
+                      </p:childTnLst>
+                    </p:cTn>
+                  </p:par>
+                  <p:par>
+                    <p:cTn id="11" fill="hold">
+                      <p:stCondLst>
+                        <p:cond delay="indefinite"/>
+                      </p:stCondLst>
+                      <p:childTnLst>
+                        <p:par>
+                          <p:cTn id="12" fill="hold">
+                            <p:stCondLst>
+                              <p:cond delay="0"/>
+                            </p:stCondLst>
+                            <p:childTnLst>
+                              <p:par>
+                                <p:cTn id="13" presetID="1" presetClass="entr" presetSubtype="0" fill="hold" nodeType="clickEffect">
+                                  <p:stCondLst>
+                                    <p:cond delay="0"/>
+                                  </p:stCondLst>
+                                  <p:childTnLst>
+                                    <p:set>
+                                      <p:cBhvr>
+                                        <p:cTn id="14" dur="1" fill="hold">
+                                          <p:stCondLst>
+                                            <p:cond delay="0"/>
+                                          </p:stCondLst>
+                                        </p:cTn>
+                                        <p:tgtEl>
+                                          <p:spTgt spid="16"/>
+                                        </p:tgtEl>
+                                        <p:attrNameLst>
+                                          <p:attrName>style.visibility</p:attrName>
+                                        </p:attrNameLst>
+                                      </p:cBhvr>
+                                      <p:to>
+                                        <p:strVal val="visible"/>
+                                      </p:to>
+                                    </p:set>
+                                  </p:childTnLst>
+                                </p:cTn>
+                              </p:par>
+                            </p:childTnLst>
+                          </p:cTn>
+                        </p:par>
+                      </p:childTnLst>
+                    </p:cTn>
+                  </p:par>
+                  <p:par>
+                    <p:cTn id="15" fill="hold">
+                      <p:stCondLst>
+                        <p:cond delay="indefinite"/>
+                      </p:stCondLst>
+                      <p:childTnLst>
+                        <p:par>
+                          <p:cTn id="16" fill="hold">
+                            <p:stCondLst>
+                              <p:cond delay="0"/>
+                            </p:stCondLst>
+                            <p:childTnLst>
+                              <p:par>
+                                <p:cTn id="17" presetID="1" presetClass="entr" presetSubtype="0" fill="hold" nodeType="clickEffect">
+                                  <p:stCondLst>
+                                    <p:cond delay="0"/>
+                                  </p:stCondLst>
+                                  <p:childTnLst>
+                                    <p:set>
+                                      <p:cBhvr>
+                                        <p:cTn id="18" dur="1" fill="hold">
+                                          <p:stCondLst>
+                                            <p:cond delay="0"/>
+                                          </p:stCondLst>
+                                        </p:cTn>
+                                        <p:tgtEl>
+                                          <p:spTgt spid="1040"/>
+                                        </p:tgtEl>
+                                        <p:attrNameLst>
+                                          <p:attrName>style.visibility</p:attrName>
+                                        </p:attrNameLst>
+                                      </p:cBhvr>
+                                      <p:to>
+                                        <p:strVal val="visible"/>
+                                      </p:to>
+                                    </p:set>
+                                  </p:childTnLst>
+                                </p:cTn>
+                              </p:par>
+                            </p:childTnLst>
+                          </p:cTn>
+                        </p:par>
+                      </p:childTnLst>
+                    </p:cTn>
+                  </p:par>
+                </p:childTnLst>
+              </p:cTn>
+              <p:prevCondLst>
+                <p:cond evt="onPrev" delay="0">
+                  <p:tgtEl>
+                    <p:sldTgt/>
+                  </p:tgtEl>
+                </p:cond>
+              </p:prevCondLst>
+              <p:nextCondLst>
+                <p:cond evt="onNext" delay="0">
+                  <p:tgtEl>
+                    <p:sldTgt/>
+                  </p:tgtEl>
+                </p:cond>
+              </p:nextCondLst>
+            </p:seq>
+          </p:childTnLst>
+        </p:cTn>
+      </p:par>
+    </p:tnLst>
+  </p:timing>
 </p:sld>
 </file>
 
 <file path=ppt/slides/slide3.xml><?xml version="1.0" encoding="utf-8"?>
+<p:sld xmlns:a="http://schemas.openxmlformats.org/drawingml/2006/main" xmlns:r="http://schemas.openxmlformats.org/officeDocument/2006/relationships" xmlns:p="http://schemas.openxmlformats.org/presentationml/2006/main">
+  <p:cSld>
+    <p:spTree>
+      <p:nvGrpSpPr>
+        <p:cNvPr id="1" name=""/>
+        <p:cNvGrpSpPr/>
+        <p:nvPr/>
+      </p:nvGrpSpPr>
+      <p:grpSpPr>
+        <a:xfrm>
+          <a:off x="0" y="0"/>
+          <a:ext cx="0" cy="0"/>
+          <a:chOff x="0" y="0"/>
+          <a:chExt cx="0" cy="0"/>
+        </a:xfrm>
+      </p:grpSpPr>
+      <p:sp>
+        <p:nvSpPr>
+          <p:cNvPr id="2" name="Title 1">
+            <a:extLst>
+              <a:ext uri="{FF2B5EF4-FFF2-40B4-BE49-F238E27FC236}">
+                <a16:creationId xmlns:a16="http://schemas.microsoft.com/office/drawing/2014/main" id="{CF8BF57F-58B2-09A0-6A98-B5606E471DC6}"/>
+              </a:ext>
+            </a:extLst>
+          </p:cNvPr>
+          <p:cNvSpPr>
+            <a:spLocks noGrp="1"/>
+          </p:cNvSpPr>
+          <p:nvPr>
+            <p:ph type="title"/>
+          </p:nvPr>
+        </p:nvSpPr>
+        <p:spPr>
+          <a:xfrm>
+            <a:off x="329045" y="292389"/>
+            <a:ext cx="3671455" cy="538884"/>
+          </a:xfrm>
+        </p:spPr>
+        <p:txBody>
+          <a:bodyPr>
+            <a:normAutofit fontScale="90000"/>
+          </a:bodyPr>
+          <a:lstStyle/>
+          <a:p>
+            <a:r>
+              <a:rPr lang="en-US" dirty="0"/>
+              <a:t>Motivation</a:t>
+            </a:r>
+          </a:p>
+        </p:txBody>
+      </p:sp>
+      <p:grpSp>
+        <p:nvGrpSpPr>
+          <p:cNvPr id="126" name="Group 125">
+            <a:extLst>
+              <a:ext uri="{FF2B5EF4-FFF2-40B4-BE49-F238E27FC236}">
+                <a16:creationId xmlns:a16="http://schemas.microsoft.com/office/drawing/2014/main" id="{541D25B2-67D2-915A-9991-E8555CA58D57}"/>
+              </a:ext>
+            </a:extLst>
+          </p:cNvPr>
+          <p:cNvGrpSpPr/>
+          <p:nvPr/>
+        </p:nvGrpSpPr>
+        <p:grpSpPr>
+          <a:xfrm>
+            <a:off x="655882" y="1547253"/>
+            <a:ext cx="4918360" cy="4420562"/>
+            <a:chOff x="655882" y="1547253"/>
+            <a:chExt cx="4918360" cy="4420562"/>
+          </a:xfrm>
+        </p:grpSpPr>
+        <p:grpSp>
+          <p:nvGrpSpPr>
+            <p:cNvPr id="125" name="Group 124">
+              <a:extLst>
+                <a:ext uri="{FF2B5EF4-FFF2-40B4-BE49-F238E27FC236}">
+                  <a16:creationId xmlns:a16="http://schemas.microsoft.com/office/drawing/2014/main" id="{099ED39C-273D-FD97-EAAB-E0B7BFA13FF9}"/>
+                </a:ext>
+              </a:extLst>
+            </p:cNvPr>
+            <p:cNvGrpSpPr/>
+            <p:nvPr/>
+          </p:nvGrpSpPr>
+          <p:grpSpPr>
+            <a:xfrm>
+              <a:off x="655882" y="1589296"/>
+              <a:ext cx="4918360" cy="4378519"/>
+              <a:chOff x="332898" y="1579426"/>
+              <a:chExt cx="4918360" cy="4378519"/>
+            </a:xfrm>
+          </p:grpSpPr>
+          <p:pic>
+            <p:nvPicPr>
+              <p:cNvPr id="4" name="Picture 3" descr="A picture containing text&#10;&#10;Description automatically generated">
+                <a:extLst>
+                  <a:ext uri="{FF2B5EF4-FFF2-40B4-BE49-F238E27FC236}">
+                    <a16:creationId xmlns:a16="http://schemas.microsoft.com/office/drawing/2014/main" id="{9876FB9C-6128-20BA-5A70-9F3947B7F41C}"/>
+                  </a:ext>
+                </a:extLst>
+              </p:cNvPr>
+              <p:cNvPicPr>
+                <a:picLocks noChangeAspect="1"/>
+              </p:cNvPicPr>
+              <p:nvPr/>
+            </p:nvPicPr>
+            <p:blipFill>
+              <a:blip r:embed="rId2"/>
+              <a:stretch>
+                <a:fillRect/>
+              </a:stretch>
+            </p:blipFill>
+            <p:spPr>
+              <a:xfrm>
+                <a:off x="332898" y="2211629"/>
+                <a:ext cx="4881385" cy="3746316"/>
+              </a:xfrm>
+              <a:prstGeom prst="rect">
+                <a:avLst/>
+              </a:prstGeom>
+              <a:ln>
+                <a:noFill/>
+              </a:ln>
+              <a:effectLst>
+                <a:outerShdw blurRad="292100" dist="139700" dir="2700000" algn="tl" rotWithShape="0">
+                  <a:srgbClr val="333333">
+                    <a:alpha val="65000"/>
+                  </a:srgbClr>
+                </a:outerShdw>
+              </a:effectLst>
+            </p:spPr>
+          </p:pic>
+          <p:sp>
+            <p:nvSpPr>
+              <p:cNvPr id="74" name="TextBox 73">
+                <a:extLst>
+                  <a:ext uri="{FF2B5EF4-FFF2-40B4-BE49-F238E27FC236}">
+                    <a16:creationId xmlns:a16="http://schemas.microsoft.com/office/drawing/2014/main" id="{A25F797A-F89E-7908-233D-D0EBA3AA1460}"/>
+                  </a:ext>
+                </a:extLst>
+              </p:cNvPr>
+              <p:cNvSpPr txBox="1"/>
+              <p:nvPr/>
+            </p:nvSpPr>
+            <p:spPr>
+              <a:xfrm>
+                <a:off x="1202201" y="1579426"/>
+                <a:ext cx="4049057" cy="400110"/>
+              </a:xfrm>
+              <a:prstGeom prst="rect">
+                <a:avLst/>
+              </a:prstGeom>
+              <a:noFill/>
+            </p:spPr>
+            <p:txBody>
+              <a:bodyPr wrap="none" rtlCol="0">
+                <a:spAutoFit/>
+              </a:bodyPr>
+              <a:lstStyle/>
+              <a:p>
+                <a:r>
+                  <a:rPr lang="en-US" sz="2000" dirty="0"/>
+                  <a:t>Spatial Neglect Rehabilitation Project</a:t>
+                </a:r>
+              </a:p>
+            </p:txBody>
+          </p:sp>
+        </p:grpSp>
+        <p:pic>
+          <p:nvPicPr>
+            <p:cNvPr id="82" name="Picture 81">
+              <a:extLst>
+                <a:ext uri="{FF2B5EF4-FFF2-40B4-BE49-F238E27FC236}">
+                  <a16:creationId xmlns:a16="http://schemas.microsoft.com/office/drawing/2014/main" id="{E92B92BC-3944-AB9F-3FBA-DCB22F6845B1}"/>
+                </a:ext>
+              </a:extLst>
+            </p:cNvPr>
+            <p:cNvPicPr>
+              <a:picLocks noChangeAspect="1"/>
+            </p:cNvPicPr>
+            <p:nvPr/>
+          </p:nvPicPr>
+          <p:blipFill rotWithShape="1">
+            <a:blip r:embed="rId3"/>
+            <a:srcRect r="69009"/>
+            <a:stretch/>
+          </p:blipFill>
+          <p:spPr>
+            <a:xfrm>
+              <a:off x="692448" y="1547253"/>
+              <a:ext cx="788633" cy="484195"/>
+            </a:xfrm>
+            <a:prstGeom prst="rect">
+              <a:avLst/>
+            </a:prstGeom>
+            <a:ln>
+              <a:noFill/>
+            </a:ln>
+            <a:effectLst>
+              <a:outerShdw blurRad="292100" dist="139700" dir="2700000" algn="tl" rotWithShape="0">
+                <a:srgbClr val="333333">
+                  <a:alpha val="65000"/>
+                </a:srgbClr>
+              </a:outerShdw>
+            </a:effectLst>
+          </p:spPr>
+        </p:pic>
+      </p:grpSp>
+      <p:grpSp>
+        <p:nvGrpSpPr>
+          <p:cNvPr id="118" name="Group 117">
+            <a:extLst>
+              <a:ext uri="{FF2B5EF4-FFF2-40B4-BE49-F238E27FC236}">
+                <a16:creationId xmlns:a16="http://schemas.microsoft.com/office/drawing/2014/main" id="{AA73ACF4-65C5-F52A-0566-8B58D10A888E}"/>
+              </a:ext>
+            </a:extLst>
+          </p:cNvPr>
+          <p:cNvGrpSpPr/>
+          <p:nvPr/>
+        </p:nvGrpSpPr>
+        <p:grpSpPr>
+          <a:xfrm>
+            <a:off x="6674729" y="120109"/>
+            <a:ext cx="5184372" cy="6594169"/>
+            <a:chOff x="6674729" y="120109"/>
+            <a:chExt cx="5184372" cy="6594169"/>
+          </a:xfrm>
+        </p:grpSpPr>
+        <p:sp>
+          <p:nvSpPr>
+            <p:cNvPr id="30" name="Rounded Rectangle 29">
+              <a:extLst>
+                <a:ext uri="{FF2B5EF4-FFF2-40B4-BE49-F238E27FC236}">
+                  <a16:creationId xmlns:a16="http://schemas.microsoft.com/office/drawing/2014/main" id="{EA3B1829-C876-1077-7D06-504AB955A0A8}"/>
+                </a:ext>
+              </a:extLst>
+            </p:cNvPr>
+            <p:cNvSpPr/>
+            <p:nvPr/>
+          </p:nvSpPr>
+          <p:spPr>
+            <a:xfrm>
+              <a:off x="6899923" y="2820117"/>
+              <a:ext cx="2021370" cy="2754535"/>
+            </a:xfrm>
+            <a:prstGeom prst="roundRect">
+              <a:avLst/>
+            </a:prstGeom>
+            <a:solidFill>
+              <a:schemeClr val="bg1"/>
+            </a:solidFill>
+            <a:ln>
+              <a:solidFill>
+                <a:schemeClr val="bg1">
+                  <a:lumMod val="50000"/>
+                </a:schemeClr>
+              </a:solidFill>
+              <a:prstDash val="sysDot"/>
+            </a:ln>
+          </p:spPr>
+          <p:style>
+            <a:lnRef idx="2">
+              <a:schemeClr val="accent1">
+                <a:shade val="50000"/>
+              </a:schemeClr>
+            </a:lnRef>
+            <a:fillRef idx="1">
+              <a:schemeClr val="accent1"/>
+            </a:fillRef>
+            <a:effectRef idx="0">
+              <a:schemeClr val="accent1"/>
+            </a:effectRef>
+            <a:fontRef idx="minor">
+              <a:schemeClr val="lt1"/>
+            </a:fontRef>
+          </p:style>
+          <p:txBody>
+            <a:bodyPr rtlCol="0" anchor="ctr"/>
+            <a:lstStyle/>
+            <a:p>
+              <a:pPr algn="ctr"/>
+              <a:endParaRPr lang="en-US" dirty="0"/>
+            </a:p>
+          </p:txBody>
+        </p:sp>
+        <p:sp>
+          <p:nvSpPr>
+            <p:cNvPr id="43" name="Rounded Rectangle 42">
+              <a:extLst>
+                <a:ext uri="{FF2B5EF4-FFF2-40B4-BE49-F238E27FC236}">
+                  <a16:creationId xmlns:a16="http://schemas.microsoft.com/office/drawing/2014/main" id="{1E2132F8-370D-22F2-A67E-5566EDBA5D5E}"/>
+                </a:ext>
+              </a:extLst>
+            </p:cNvPr>
+            <p:cNvSpPr/>
+            <p:nvPr/>
+          </p:nvSpPr>
+          <p:spPr>
+            <a:xfrm>
+              <a:off x="10368902" y="2616427"/>
+              <a:ext cx="1260632" cy="657151"/>
+            </a:xfrm>
+            <a:prstGeom prst="roundRect">
+              <a:avLst/>
+            </a:prstGeom>
+            <a:solidFill>
+              <a:schemeClr val="bg1"/>
+            </a:solidFill>
+            <a:ln>
+              <a:solidFill>
+                <a:schemeClr val="bg1">
+                  <a:lumMod val="50000"/>
+                </a:schemeClr>
+              </a:solidFill>
+              <a:prstDash val="sysDot"/>
+            </a:ln>
+          </p:spPr>
+          <p:style>
+            <a:lnRef idx="2">
+              <a:schemeClr val="accent1">
+                <a:shade val="50000"/>
+              </a:schemeClr>
+            </a:lnRef>
+            <a:fillRef idx="1">
+              <a:schemeClr val="accent1"/>
+            </a:fillRef>
+            <a:effectRef idx="0">
+              <a:schemeClr val="accent1"/>
+            </a:effectRef>
+            <a:fontRef idx="minor">
+              <a:schemeClr val="lt1"/>
+            </a:fontRef>
+          </p:style>
+          <p:txBody>
+            <a:bodyPr rtlCol="0" anchor="ctr"/>
+            <a:lstStyle/>
+            <a:p>
+              <a:pPr algn="ctr"/>
+              <a:endParaRPr lang="en-US" dirty="0"/>
+            </a:p>
+          </p:txBody>
+        </p:sp>
+        <p:sp>
+          <p:nvSpPr>
+            <p:cNvPr id="96" name="Rounded Rectangle 95">
+              <a:extLst>
+                <a:ext uri="{FF2B5EF4-FFF2-40B4-BE49-F238E27FC236}">
+                  <a16:creationId xmlns:a16="http://schemas.microsoft.com/office/drawing/2014/main" id="{8B021FBB-AE06-957A-C934-89D90A616A25}"/>
+                </a:ext>
+              </a:extLst>
+            </p:cNvPr>
+            <p:cNvSpPr/>
+            <p:nvPr/>
+          </p:nvSpPr>
+          <p:spPr>
+            <a:xfrm>
+              <a:off x="10338943" y="4172055"/>
+              <a:ext cx="1358597" cy="609351"/>
+            </a:xfrm>
+            <a:prstGeom prst="roundRect">
+              <a:avLst/>
+            </a:prstGeom>
+            <a:solidFill>
+              <a:schemeClr val="bg1"/>
+            </a:solidFill>
+            <a:ln>
+              <a:solidFill>
+                <a:schemeClr val="bg1">
+                  <a:lumMod val="50000"/>
+                </a:schemeClr>
+              </a:solidFill>
+              <a:prstDash val="sysDot"/>
+            </a:ln>
+          </p:spPr>
+          <p:style>
+            <a:lnRef idx="2">
+              <a:schemeClr val="accent1">
+                <a:shade val="50000"/>
+              </a:schemeClr>
+            </a:lnRef>
+            <a:fillRef idx="1">
+              <a:schemeClr val="accent1"/>
+            </a:fillRef>
+            <a:effectRef idx="0">
+              <a:schemeClr val="accent1"/>
+            </a:effectRef>
+            <a:fontRef idx="minor">
+              <a:schemeClr val="lt1"/>
+            </a:fontRef>
+          </p:style>
+          <p:txBody>
+            <a:bodyPr rtlCol="0" anchor="ctr"/>
+            <a:lstStyle/>
+            <a:p>
+              <a:pPr algn="ctr"/>
+              <a:endParaRPr lang="en-US" dirty="0"/>
+            </a:p>
+          </p:txBody>
+        </p:sp>
+        <p:sp>
+          <p:nvSpPr>
+            <p:cNvPr id="5" name="Rounded Rectangle 4">
+              <a:extLst>
+                <a:ext uri="{FF2B5EF4-FFF2-40B4-BE49-F238E27FC236}">
+                  <a16:creationId xmlns:a16="http://schemas.microsoft.com/office/drawing/2014/main" id="{466D089F-C3ED-730B-9EC9-0F10B4D3011B}"/>
+                </a:ext>
+              </a:extLst>
+            </p:cNvPr>
+            <p:cNvSpPr/>
+            <p:nvPr/>
+          </p:nvSpPr>
+          <p:spPr>
+            <a:xfrm>
+              <a:off x="7098883" y="478538"/>
+              <a:ext cx="4389064" cy="1494807"/>
+            </a:xfrm>
+            <a:prstGeom prst="roundRect">
+              <a:avLst/>
+            </a:prstGeom>
+            <a:solidFill>
+              <a:schemeClr val="accent1">
+                <a:lumMod val="20000"/>
+                <a:lumOff val="80000"/>
+                <a:alpha val="46000"/>
+              </a:schemeClr>
+            </a:solidFill>
+          </p:spPr>
+          <p:style>
+            <a:lnRef idx="2">
+              <a:schemeClr val="accent1">
+                <a:shade val="50000"/>
+              </a:schemeClr>
+            </a:lnRef>
+            <a:fillRef idx="1">
+              <a:schemeClr val="accent1"/>
+            </a:fillRef>
+            <a:effectRef idx="0">
+              <a:schemeClr val="accent1"/>
+            </a:effectRef>
+            <a:fontRef idx="minor">
+              <a:schemeClr val="lt1"/>
+            </a:fontRef>
+          </p:style>
+          <p:txBody>
+            <a:bodyPr rtlCol="0" anchor="ctr"/>
+            <a:lstStyle/>
+            <a:p>
+              <a:pPr algn="ctr"/>
+              <a:endParaRPr lang="en-US"/>
+            </a:p>
+          </p:txBody>
+        </p:sp>
+        <p:sp>
+          <p:nvSpPr>
+            <p:cNvPr id="16" name="Oval 15">
+              <a:extLst>
+                <a:ext uri="{FF2B5EF4-FFF2-40B4-BE49-F238E27FC236}">
+                  <a16:creationId xmlns:a16="http://schemas.microsoft.com/office/drawing/2014/main" id="{06725D0B-598C-DA3F-DBF6-A47BE26B3783}"/>
+                </a:ext>
+              </a:extLst>
+            </p:cNvPr>
+            <p:cNvSpPr/>
+            <p:nvPr/>
+          </p:nvSpPr>
+          <p:spPr>
+            <a:xfrm>
+              <a:off x="7900981" y="3241443"/>
+              <a:ext cx="219434" cy="219434"/>
+            </a:xfrm>
+            <a:prstGeom prst="ellipse">
+              <a:avLst/>
+            </a:prstGeom>
+            <a:solidFill>
+              <a:schemeClr val="accent6">
+                <a:lumMod val="75000"/>
+              </a:schemeClr>
+            </a:solidFill>
+            <a:ln w="25400">
+              <a:solidFill>
+                <a:srgbClr val="FF0000"/>
+              </a:solidFill>
+            </a:ln>
+          </p:spPr>
+          <p:style>
+            <a:lnRef idx="2">
+              <a:schemeClr val="accent1">
+                <a:shade val="50000"/>
+              </a:schemeClr>
+            </a:lnRef>
+            <a:fillRef idx="1">
+              <a:schemeClr val="accent1"/>
+            </a:fillRef>
+            <a:effectRef idx="0">
+              <a:schemeClr val="accent1"/>
+            </a:effectRef>
+            <a:fontRef idx="minor">
+              <a:schemeClr val="lt1"/>
+            </a:fontRef>
+          </p:style>
+          <p:txBody>
+            <a:bodyPr rtlCol="0" anchor="ctr"/>
+            <a:lstStyle/>
+            <a:p>
+              <a:pPr algn="ctr"/>
+              <a:endParaRPr lang="en-US"/>
+            </a:p>
+          </p:txBody>
+        </p:sp>
+        <p:cxnSp>
+          <p:nvCxnSpPr>
+            <p:cNvPr id="19" name="Straight Connector 18">
+              <a:extLst>
+                <a:ext uri="{FF2B5EF4-FFF2-40B4-BE49-F238E27FC236}">
+                  <a16:creationId xmlns:a16="http://schemas.microsoft.com/office/drawing/2014/main" id="{AB48C5C3-BB0E-A617-CD7B-B1CF08D78D5B}"/>
+                </a:ext>
+              </a:extLst>
+            </p:cNvPr>
+            <p:cNvCxnSpPr>
+              <a:cxnSpLocks/>
+              <a:stCxn id="5" idx="2"/>
+              <a:endCxn id="16" idx="7"/>
+            </p:cNvCxnSpPr>
+            <p:nvPr/>
+          </p:nvCxnSpPr>
+          <p:spPr>
+            <a:xfrm flipH="1">
+              <a:off x="8088280" y="1973345"/>
+              <a:ext cx="1205135" cy="1300233"/>
+            </a:xfrm>
+            <a:prstGeom prst="line">
+              <a:avLst/>
+            </a:prstGeom>
+            <a:ln w="15875">
+              <a:solidFill>
+                <a:schemeClr val="bg1">
+                  <a:lumMod val="50000"/>
+                </a:schemeClr>
+              </a:solidFill>
+              <a:prstDash val="sysDash"/>
+            </a:ln>
+          </p:spPr>
+          <p:style>
+            <a:lnRef idx="1">
+              <a:schemeClr val="accent1"/>
+            </a:lnRef>
+            <a:fillRef idx="0">
+              <a:schemeClr val="accent1"/>
+            </a:fillRef>
+            <a:effectRef idx="0">
+              <a:schemeClr val="accent1"/>
+            </a:effectRef>
+            <a:fontRef idx="minor">
+              <a:schemeClr val="tx1"/>
+            </a:fontRef>
+          </p:style>
+        </p:cxnSp>
+        <p:sp>
+          <p:nvSpPr>
+            <p:cNvPr id="22" name="Oval 21">
+              <a:extLst>
+                <a:ext uri="{FF2B5EF4-FFF2-40B4-BE49-F238E27FC236}">
+                  <a16:creationId xmlns:a16="http://schemas.microsoft.com/office/drawing/2014/main" id="{F95D3CB7-ED10-596C-E0E1-AC2C870194E5}"/>
+                </a:ext>
+              </a:extLst>
+            </p:cNvPr>
+            <p:cNvSpPr/>
+            <p:nvPr/>
+          </p:nvSpPr>
+          <p:spPr>
+            <a:xfrm>
+              <a:off x="7954000" y="3737738"/>
+              <a:ext cx="219434" cy="219434"/>
+            </a:xfrm>
+            <a:prstGeom prst="ellipse">
+              <a:avLst/>
+            </a:prstGeom>
+            <a:solidFill>
+              <a:schemeClr val="accent6">
+                <a:lumMod val="75000"/>
+              </a:schemeClr>
+            </a:solidFill>
+            <a:ln w="19050"/>
+          </p:spPr>
+          <p:style>
+            <a:lnRef idx="2">
+              <a:schemeClr val="accent1">
+                <a:shade val="50000"/>
+              </a:schemeClr>
+            </a:lnRef>
+            <a:fillRef idx="1">
+              <a:schemeClr val="accent1"/>
+            </a:fillRef>
+            <a:effectRef idx="0">
+              <a:schemeClr val="accent1"/>
+            </a:effectRef>
+            <a:fontRef idx="minor">
+              <a:schemeClr val="lt1"/>
+            </a:fontRef>
+          </p:style>
+          <p:txBody>
+            <a:bodyPr rtlCol="0" anchor="ctr"/>
+            <a:lstStyle/>
+            <a:p>
+              <a:pPr algn="ctr"/>
+              <a:endParaRPr lang="en-US"/>
+            </a:p>
+          </p:txBody>
+        </p:sp>
+        <p:cxnSp>
+          <p:nvCxnSpPr>
+            <p:cNvPr id="23" name="Straight Connector 22">
+              <a:extLst>
+                <a:ext uri="{FF2B5EF4-FFF2-40B4-BE49-F238E27FC236}">
+                  <a16:creationId xmlns:a16="http://schemas.microsoft.com/office/drawing/2014/main" id="{5E80036A-110C-74A9-55AF-6A94A8D56F91}"/>
+                </a:ext>
+              </a:extLst>
+            </p:cNvPr>
+            <p:cNvCxnSpPr>
+              <a:cxnSpLocks/>
+              <a:stCxn id="16" idx="4"/>
+              <a:endCxn id="22" idx="0"/>
+            </p:cNvCxnSpPr>
+            <p:nvPr/>
+          </p:nvCxnSpPr>
+          <p:spPr>
+            <a:xfrm>
+              <a:off x="8010698" y="3460877"/>
+              <a:ext cx="53019" cy="276861"/>
+            </a:xfrm>
+            <a:prstGeom prst="line">
+              <a:avLst/>
+            </a:prstGeom>
+            <a:ln w="15875">
+              <a:solidFill>
+                <a:schemeClr val="bg1">
+                  <a:lumMod val="50000"/>
+                </a:schemeClr>
+              </a:solidFill>
+              <a:prstDash val="sysDash"/>
+            </a:ln>
+          </p:spPr>
+          <p:style>
+            <a:lnRef idx="1">
+              <a:schemeClr val="accent1"/>
+            </a:lnRef>
+            <a:fillRef idx="0">
+              <a:schemeClr val="accent1"/>
+            </a:fillRef>
+            <a:effectRef idx="0">
+              <a:schemeClr val="accent1"/>
+            </a:effectRef>
+            <a:fontRef idx="minor">
+              <a:schemeClr val="tx1"/>
+            </a:fontRef>
+          </p:style>
+        </p:cxnSp>
+        <p:sp>
+          <p:nvSpPr>
+            <p:cNvPr id="24" name="Oval 23">
+              <a:extLst>
+                <a:ext uri="{FF2B5EF4-FFF2-40B4-BE49-F238E27FC236}">
+                  <a16:creationId xmlns:a16="http://schemas.microsoft.com/office/drawing/2014/main" id="{5BDDC828-0A0D-0510-4067-70DB697E0D6A}"/>
+                </a:ext>
+              </a:extLst>
+            </p:cNvPr>
+            <p:cNvSpPr/>
+            <p:nvPr/>
+          </p:nvSpPr>
+          <p:spPr>
+            <a:xfrm>
+              <a:off x="8353842" y="3847455"/>
+              <a:ext cx="219434" cy="219434"/>
+            </a:xfrm>
+            <a:prstGeom prst="ellipse">
+              <a:avLst/>
+            </a:prstGeom>
+            <a:solidFill>
+              <a:schemeClr val="accent6">
+                <a:lumMod val="75000"/>
+              </a:schemeClr>
+            </a:solidFill>
+            <a:ln w="19050"/>
+          </p:spPr>
+          <p:style>
+            <a:lnRef idx="2">
+              <a:schemeClr val="accent1">
+                <a:shade val="50000"/>
+              </a:schemeClr>
+            </a:lnRef>
+            <a:fillRef idx="1">
+              <a:schemeClr val="accent1"/>
+            </a:fillRef>
+            <a:effectRef idx="0">
+              <a:schemeClr val="accent1"/>
+            </a:effectRef>
+            <a:fontRef idx="minor">
+              <a:schemeClr val="lt1"/>
+            </a:fontRef>
+          </p:style>
+          <p:txBody>
+            <a:bodyPr rtlCol="0" anchor="ctr"/>
+            <a:lstStyle/>
+            <a:p>
+              <a:pPr algn="ctr"/>
+              <a:endParaRPr lang="en-US"/>
+            </a:p>
+          </p:txBody>
+        </p:sp>
+        <p:cxnSp>
+          <p:nvCxnSpPr>
+            <p:cNvPr id="25" name="Straight Connector 24">
+              <a:extLst>
+                <a:ext uri="{FF2B5EF4-FFF2-40B4-BE49-F238E27FC236}">
+                  <a16:creationId xmlns:a16="http://schemas.microsoft.com/office/drawing/2014/main" id="{A98BA76A-9943-3364-E915-0E76BA41DDF3}"/>
+                </a:ext>
+              </a:extLst>
+            </p:cNvPr>
+            <p:cNvCxnSpPr>
+              <a:cxnSpLocks/>
+              <a:stCxn id="16" idx="4"/>
+              <a:endCxn id="24" idx="1"/>
+            </p:cNvCxnSpPr>
+            <p:nvPr/>
+          </p:nvCxnSpPr>
+          <p:spPr>
+            <a:xfrm>
+              <a:off x="8010698" y="3460877"/>
+              <a:ext cx="375279" cy="418713"/>
+            </a:xfrm>
+            <a:prstGeom prst="line">
+              <a:avLst/>
+            </a:prstGeom>
+            <a:ln w="15875">
+              <a:solidFill>
+                <a:schemeClr val="bg1">
+                  <a:lumMod val="50000"/>
+                </a:schemeClr>
+              </a:solidFill>
+              <a:prstDash val="sysDash"/>
+            </a:ln>
+          </p:spPr>
+          <p:style>
+            <a:lnRef idx="1">
+              <a:schemeClr val="accent1"/>
+            </a:lnRef>
+            <a:fillRef idx="0">
+              <a:schemeClr val="accent1"/>
+            </a:fillRef>
+            <a:effectRef idx="0">
+              <a:schemeClr val="accent1"/>
+            </a:effectRef>
+            <a:fontRef idx="minor">
+              <a:schemeClr val="tx1"/>
+            </a:fontRef>
+          </p:style>
+        </p:cxnSp>
+        <p:sp>
+          <p:nvSpPr>
+            <p:cNvPr id="26" name="Oval 25">
+              <a:extLst>
+                <a:ext uri="{FF2B5EF4-FFF2-40B4-BE49-F238E27FC236}">
+                  <a16:creationId xmlns:a16="http://schemas.microsoft.com/office/drawing/2014/main" id="{D25C78AC-5484-CE0B-8A7D-279E7717BAAF}"/>
+                </a:ext>
+              </a:extLst>
+            </p:cNvPr>
+            <p:cNvSpPr/>
+            <p:nvPr/>
+          </p:nvSpPr>
+          <p:spPr>
+            <a:xfrm>
+              <a:off x="7186869" y="3660803"/>
+              <a:ext cx="219434" cy="219434"/>
+            </a:xfrm>
+            <a:prstGeom prst="ellipse">
+              <a:avLst/>
+            </a:prstGeom>
+            <a:solidFill>
+              <a:schemeClr val="accent6">
+                <a:lumMod val="75000"/>
+              </a:schemeClr>
+            </a:solidFill>
+            <a:ln w="19050"/>
+          </p:spPr>
+          <p:style>
+            <a:lnRef idx="2">
+              <a:schemeClr val="accent1">
+                <a:shade val="50000"/>
+              </a:schemeClr>
+            </a:lnRef>
+            <a:fillRef idx="1">
+              <a:schemeClr val="accent1"/>
+            </a:fillRef>
+            <a:effectRef idx="0">
+              <a:schemeClr val="accent1"/>
+            </a:effectRef>
+            <a:fontRef idx="minor">
+              <a:schemeClr val="lt1"/>
+            </a:fontRef>
+          </p:style>
+          <p:txBody>
+            <a:bodyPr rtlCol="0" anchor="ctr"/>
+            <a:lstStyle/>
+            <a:p>
+              <a:pPr algn="ctr"/>
+              <a:endParaRPr lang="en-US"/>
+            </a:p>
+          </p:txBody>
+        </p:sp>
+        <p:cxnSp>
+          <p:nvCxnSpPr>
+            <p:cNvPr id="27" name="Straight Connector 26">
+              <a:extLst>
+                <a:ext uri="{FF2B5EF4-FFF2-40B4-BE49-F238E27FC236}">
+                  <a16:creationId xmlns:a16="http://schemas.microsoft.com/office/drawing/2014/main" id="{6AAE95D6-9F13-80C8-1896-C7785B12B5CB}"/>
+                </a:ext>
+              </a:extLst>
+            </p:cNvPr>
+            <p:cNvCxnSpPr>
+              <a:cxnSpLocks/>
+              <a:stCxn id="16" idx="4"/>
+              <a:endCxn id="26" idx="7"/>
+            </p:cNvCxnSpPr>
+            <p:nvPr/>
+          </p:nvCxnSpPr>
+          <p:spPr>
+            <a:xfrm flipH="1">
+              <a:off x="7374168" y="3460877"/>
+              <a:ext cx="636530" cy="232061"/>
+            </a:xfrm>
+            <a:prstGeom prst="line">
+              <a:avLst/>
+            </a:prstGeom>
+            <a:ln w="15875">
+              <a:solidFill>
+                <a:schemeClr val="bg1">
+                  <a:lumMod val="50000"/>
+                </a:schemeClr>
+              </a:solidFill>
+              <a:prstDash val="sysDash"/>
+            </a:ln>
+          </p:spPr>
+          <p:style>
+            <a:lnRef idx="1">
+              <a:schemeClr val="accent1"/>
+            </a:lnRef>
+            <a:fillRef idx="0">
+              <a:schemeClr val="accent1"/>
+            </a:fillRef>
+            <a:effectRef idx="0">
+              <a:schemeClr val="accent1"/>
+            </a:effectRef>
+            <a:fontRef idx="minor">
+              <a:schemeClr val="tx1"/>
+            </a:fontRef>
+          </p:style>
+        </p:cxnSp>
+        <p:cxnSp>
+          <p:nvCxnSpPr>
+            <p:cNvPr id="28" name="Straight Connector 27">
+              <a:extLst>
+                <a:ext uri="{FF2B5EF4-FFF2-40B4-BE49-F238E27FC236}">
+                  <a16:creationId xmlns:a16="http://schemas.microsoft.com/office/drawing/2014/main" id="{E8B7C519-D9D3-C34F-94AF-A0BA71166144}"/>
+                </a:ext>
+              </a:extLst>
+            </p:cNvPr>
+            <p:cNvCxnSpPr>
+              <a:cxnSpLocks/>
+              <a:stCxn id="5" idx="2"/>
+              <a:endCxn id="88" idx="1"/>
+            </p:cNvCxnSpPr>
+            <p:nvPr/>
+          </p:nvCxnSpPr>
+          <p:spPr>
+            <a:xfrm>
+              <a:off x="9293415" y="1973345"/>
+              <a:ext cx="1403646" cy="1034600"/>
+            </a:xfrm>
+            <a:prstGeom prst="line">
+              <a:avLst/>
+            </a:prstGeom>
+            <a:ln w="15875">
+              <a:solidFill>
+                <a:schemeClr val="bg1">
+                  <a:lumMod val="50000"/>
+                </a:schemeClr>
+              </a:solidFill>
+              <a:prstDash val="sysDash"/>
+            </a:ln>
+          </p:spPr>
+          <p:style>
+            <a:lnRef idx="1">
+              <a:schemeClr val="accent1"/>
+            </a:lnRef>
+            <a:fillRef idx="0">
+              <a:schemeClr val="accent1"/>
+            </a:fillRef>
+            <a:effectRef idx="0">
+              <a:schemeClr val="accent1"/>
+            </a:effectRef>
+            <a:fontRef idx="minor">
+              <a:schemeClr val="tx1"/>
+            </a:fontRef>
+          </p:style>
+        </p:cxnSp>
+        <p:sp>
+          <p:nvSpPr>
+            <p:cNvPr id="29" name="TextBox 28">
+              <a:extLst>
+                <a:ext uri="{FF2B5EF4-FFF2-40B4-BE49-F238E27FC236}">
+                  <a16:creationId xmlns:a16="http://schemas.microsoft.com/office/drawing/2014/main" id="{1A3B7182-D457-EEB5-B50B-C8E15E73E303}"/>
+                </a:ext>
+              </a:extLst>
+            </p:cNvPr>
+            <p:cNvSpPr txBox="1"/>
+            <p:nvPr/>
+          </p:nvSpPr>
+          <p:spPr>
+            <a:xfrm>
+              <a:off x="6674729" y="120109"/>
+              <a:ext cx="1087157" cy="307777"/>
+            </a:xfrm>
+            <a:prstGeom prst="rect">
+              <a:avLst/>
+            </a:prstGeom>
+            <a:noFill/>
+          </p:spPr>
+          <p:txBody>
+            <a:bodyPr wrap="none" rtlCol="0">
+              <a:spAutoFit/>
+            </a:bodyPr>
+            <a:lstStyle/>
+            <a:p>
+              <a:r>
+                <a:rPr lang="en-US" altLang="zh-CN" sz="1400" dirty="0">
+                  <a:solidFill>
+                    <a:schemeClr val="bg2">
+                      <a:lumMod val="50000"/>
+                    </a:schemeClr>
+                  </a:solidFill>
+                </a:rPr>
+                <a:t>Public Cloud</a:t>
+              </a:r>
+              <a:endParaRPr lang="en-US" sz="1400" dirty="0">
+                <a:solidFill>
+                  <a:schemeClr val="bg2">
+                    <a:lumMod val="50000"/>
+                  </a:schemeClr>
+                </a:solidFill>
+              </a:endParaRPr>
+            </a:p>
+          </p:txBody>
+        </p:sp>
+        <p:sp>
+          <p:nvSpPr>
+            <p:cNvPr id="45" name="Can 44">
+              <a:extLst>
+                <a:ext uri="{FF2B5EF4-FFF2-40B4-BE49-F238E27FC236}">
+                  <a16:creationId xmlns:a16="http://schemas.microsoft.com/office/drawing/2014/main" id="{666A4AC2-921F-41B8-0A5D-4244979D7047}"/>
+                </a:ext>
+              </a:extLst>
+            </p:cNvPr>
+            <p:cNvSpPr/>
+            <p:nvPr/>
+          </p:nvSpPr>
+          <p:spPr>
+            <a:xfrm>
+              <a:off x="9493888" y="997886"/>
+              <a:ext cx="1395059" cy="492574"/>
+            </a:xfrm>
+            <a:prstGeom prst="can">
+              <a:avLst/>
+            </a:prstGeom>
+            <a:solidFill>
+              <a:schemeClr val="tx1">
+                <a:lumMod val="50000"/>
+                <a:lumOff val="50000"/>
+              </a:schemeClr>
+            </a:solidFill>
+            <a:ln>
+              <a:solidFill>
+                <a:schemeClr val="bg2">
+                  <a:lumMod val="25000"/>
+                </a:schemeClr>
+              </a:solidFill>
+            </a:ln>
+          </p:spPr>
+          <p:style>
+            <a:lnRef idx="2">
+              <a:schemeClr val="accent1">
+                <a:shade val="50000"/>
+              </a:schemeClr>
+            </a:lnRef>
+            <a:fillRef idx="1">
+              <a:schemeClr val="accent1"/>
+            </a:fillRef>
+            <a:effectRef idx="0">
+              <a:schemeClr val="accent1"/>
+            </a:effectRef>
+            <a:fontRef idx="minor">
+              <a:schemeClr val="lt1"/>
+            </a:fontRef>
+          </p:style>
+          <p:txBody>
+            <a:bodyPr rtlCol="0" anchor="ctr"/>
+            <a:lstStyle/>
+            <a:p>
+              <a:pPr algn="ctr"/>
+              <a:r>
+                <a:rPr lang="en-US" sz="1400" dirty="0"/>
+                <a:t>Cloud Storage</a:t>
+              </a:r>
+            </a:p>
+          </p:txBody>
+        </p:sp>
+        <p:sp>
+          <p:nvSpPr>
+            <p:cNvPr id="47" name="TextBox 46">
+              <a:extLst>
+                <a:ext uri="{FF2B5EF4-FFF2-40B4-BE49-F238E27FC236}">
+                  <a16:creationId xmlns:a16="http://schemas.microsoft.com/office/drawing/2014/main" id="{B1B01132-62DF-D987-9BEA-1BCF97D7AF7F}"/>
+                </a:ext>
+              </a:extLst>
+            </p:cNvPr>
+            <p:cNvSpPr txBox="1"/>
+            <p:nvPr/>
+          </p:nvSpPr>
+          <p:spPr>
+            <a:xfrm rot="5400000">
+              <a:off x="6770068" y="4207633"/>
+              <a:ext cx="880369" cy="261610"/>
+            </a:xfrm>
+            <a:prstGeom prst="rect">
+              <a:avLst/>
+            </a:prstGeom>
+            <a:noFill/>
+          </p:spPr>
+          <p:txBody>
+            <a:bodyPr wrap="none" rtlCol="0">
+              <a:spAutoFit/>
+            </a:bodyPr>
+            <a:lstStyle/>
+            <a:p>
+              <a:r>
+                <a:rPr lang="en-US" altLang="zh-CN" sz="1050" dirty="0"/>
+                <a:t>Base</a:t>
+              </a:r>
+              <a:r>
+                <a:rPr lang="zh-CN" altLang="en-US" sz="1050" dirty="0"/>
+                <a:t> </a:t>
+              </a:r>
+              <a:r>
+                <a:rPr lang="en-US" altLang="zh-CN" sz="1050" dirty="0"/>
+                <a:t>station</a:t>
+              </a:r>
+              <a:endParaRPr lang="en-US" sz="1050" dirty="0"/>
+            </a:p>
+          </p:txBody>
+        </p:sp>
+        <p:sp>
+          <p:nvSpPr>
+            <p:cNvPr id="48" name="TextBox 47">
+              <a:extLst>
+                <a:ext uri="{FF2B5EF4-FFF2-40B4-BE49-F238E27FC236}">
+                  <a16:creationId xmlns:a16="http://schemas.microsoft.com/office/drawing/2014/main" id="{C663BAF3-E5EF-B4E1-7DC0-7E34D3120F8E}"/>
+                </a:ext>
+              </a:extLst>
+            </p:cNvPr>
+            <p:cNvSpPr txBox="1"/>
+            <p:nvPr/>
+          </p:nvSpPr>
+          <p:spPr>
+            <a:xfrm rot="5400000">
+              <a:off x="7355958" y="4609908"/>
+              <a:ext cx="1523174" cy="253916"/>
+            </a:xfrm>
+            <a:prstGeom prst="rect">
+              <a:avLst/>
+            </a:prstGeom>
+            <a:noFill/>
+          </p:spPr>
+          <p:txBody>
+            <a:bodyPr wrap="none" rtlCol="0">
+              <a:spAutoFit/>
+            </a:bodyPr>
+            <a:lstStyle/>
+            <a:p>
+              <a:r>
+                <a:rPr lang="en-US" altLang="zh-CN" sz="1050" dirty="0"/>
+                <a:t>Eye</a:t>
+              </a:r>
+              <a:r>
+                <a:rPr lang="zh-CN" altLang="en-US" sz="1050" dirty="0"/>
+                <a:t> </a:t>
+              </a:r>
+              <a:r>
+                <a:rPr lang="en-US" altLang="zh-CN" sz="1050" dirty="0"/>
+                <a:t>tracing</a:t>
+              </a:r>
+              <a:r>
+                <a:rPr lang="zh-CN" altLang="en-US" sz="1050" dirty="0"/>
+                <a:t> </a:t>
+              </a:r>
+              <a:r>
+                <a:rPr lang="en-US" altLang="zh-CN" sz="1050" dirty="0"/>
+                <a:t>&amp;</a:t>
+              </a:r>
+              <a:r>
+                <a:rPr lang="zh-CN" altLang="en-US" sz="1050" dirty="0"/>
+                <a:t> </a:t>
+              </a:r>
+              <a:r>
+                <a:rPr lang="en-US" altLang="zh-CN" sz="1050" dirty="0"/>
+                <a:t>processing</a:t>
+              </a:r>
+              <a:endParaRPr lang="en-US" sz="1050" dirty="0"/>
+            </a:p>
+          </p:txBody>
+        </p:sp>
+        <p:sp>
+          <p:nvSpPr>
+            <p:cNvPr id="49" name="TextBox 48">
+              <a:extLst>
+                <a:ext uri="{FF2B5EF4-FFF2-40B4-BE49-F238E27FC236}">
+                  <a16:creationId xmlns:a16="http://schemas.microsoft.com/office/drawing/2014/main" id="{F2F8ACA5-A456-FA05-0528-92C1EAAD1755}"/>
+                </a:ext>
+              </a:extLst>
+            </p:cNvPr>
+            <p:cNvSpPr txBox="1"/>
+            <p:nvPr/>
+          </p:nvSpPr>
+          <p:spPr>
+            <a:xfrm rot="5400000">
+              <a:off x="8313707" y="4133849"/>
+              <a:ext cx="420308" cy="253916"/>
+            </a:xfrm>
+            <a:prstGeom prst="rect">
+              <a:avLst/>
+            </a:prstGeom>
+            <a:noFill/>
+          </p:spPr>
+          <p:txBody>
+            <a:bodyPr wrap="none" rtlCol="0">
+              <a:spAutoFit/>
+            </a:bodyPr>
+            <a:lstStyle/>
+            <a:p>
+              <a:pPr algn="ctr"/>
+              <a:r>
+                <a:rPr lang="en-US" altLang="zh-CN" sz="1050" dirty="0"/>
+                <a:t>EGG</a:t>
+              </a:r>
+              <a:endParaRPr lang="en-US" sz="1050" dirty="0"/>
+            </a:p>
+          </p:txBody>
+        </p:sp>
+        <p:sp>
+          <p:nvSpPr>
+            <p:cNvPr id="50" name="Oval 49">
+              <a:extLst>
+                <a:ext uri="{FF2B5EF4-FFF2-40B4-BE49-F238E27FC236}">
+                  <a16:creationId xmlns:a16="http://schemas.microsoft.com/office/drawing/2014/main" id="{D9D6EB62-E726-C6C7-5C2B-27ABBE35C21C}"/>
+                </a:ext>
+              </a:extLst>
+            </p:cNvPr>
+            <p:cNvSpPr/>
+            <p:nvPr/>
+          </p:nvSpPr>
+          <p:spPr>
+            <a:xfrm>
+              <a:off x="7649274" y="3813203"/>
+              <a:ext cx="219434" cy="219434"/>
+            </a:xfrm>
+            <a:prstGeom prst="ellipse">
+              <a:avLst/>
+            </a:prstGeom>
+            <a:solidFill>
+              <a:schemeClr val="accent6">
+                <a:lumMod val="75000"/>
+              </a:schemeClr>
+            </a:solidFill>
+            <a:ln w="19050"/>
+          </p:spPr>
+          <p:style>
+            <a:lnRef idx="2">
+              <a:schemeClr val="accent1">
+                <a:shade val="50000"/>
+              </a:schemeClr>
+            </a:lnRef>
+            <a:fillRef idx="1">
+              <a:schemeClr val="accent1"/>
+            </a:fillRef>
+            <a:effectRef idx="0">
+              <a:schemeClr val="accent1"/>
+            </a:effectRef>
+            <a:fontRef idx="minor">
+              <a:schemeClr val="lt1"/>
+            </a:fontRef>
+          </p:style>
+          <p:txBody>
+            <a:bodyPr rtlCol="0" anchor="ctr"/>
+            <a:lstStyle/>
+            <a:p>
+              <a:pPr algn="ctr"/>
+              <a:endParaRPr lang="en-US"/>
+            </a:p>
+          </p:txBody>
+        </p:sp>
+        <p:cxnSp>
+          <p:nvCxnSpPr>
+            <p:cNvPr id="51" name="Straight Connector 50">
+              <a:extLst>
+                <a:ext uri="{FF2B5EF4-FFF2-40B4-BE49-F238E27FC236}">
+                  <a16:creationId xmlns:a16="http://schemas.microsoft.com/office/drawing/2014/main" id="{32DB5BC0-18E2-219F-537C-465D01873E70}"/>
+                </a:ext>
+              </a:extLst>
+            </p:cNvPr>
+            <p:cNvCxnSpPr>
+              <a:cxnSpLocks/>
+              <a:stCxn id="16" idx="4"/>
+              <a:endCxn id="50" idx="7"/>
+            </p:cNvCxnSpPr>
+            <p:nvPr/>
+          </p:nvCxnSpPr>
+          <p:spPr>
+            <a:xfrm flipH="1">
+              <a:off x="7836573" y="3460877"/>
+              <a:ext cx="174125" cy="384461"/>
+            </a:xfrm>
+            <a:prstGeom prst="line">
+              <a:avLst/>
+            </a:prstGeom>
+            <a:ln w="15875">
+              <a:solidFill>
+                <a:schemeClr val="bg1">
+                  <a:lumMod val="50000"/>
+                </a:schemeClr>
+              </a:solidFill>
+              <a:prstDash val="sysDash"/>
+            </a:ln>
+          </p:spPr>
+          <p:style>
+            <a:lnRef idx="1">
+              <a:schemeClr val="accent1"/>
+            </a:lnRef>
+            <a:fillRef idx="0">
+              <a:schemeClr val="accent1"/>
+            </a:fillRef>
+            <a:effectRef idx="0">
+              <a:schemeClr val="accent1"/>
+            </a:effectRef>
+            <a:fontRef idx="minor">
+              <a:schemeClr val="tx1"/>
+            </a:fontRef>
+          </p:style>
+        </p:cxnSp>
+        <p:sp>
+          <p:nvSpPr>
+            <p:cNvPr id="52" name="TextBox 51">
+              <a:extLst>
+                <a:ext uri="{FF2B5EF4-FFF2-40B4-BE49-F238E27FC236}">
+                  <a16:creationId xmlns:a16="http://schemas.microsoft.com/office/drawing/2014/main" id="{2A7E4B0F-E44D-F3B1-E47D-DF17D5A8740B}"/>
+                </a:ext>
+              </a:extLst>
+            </p:cNvPr>
+            <p:cNvSpPr txBox="1"/>
+            <p:nvPr/>
+          </p:nvSpPr>
+          <p:spPr>
+            <a:xfrm rot="5400000">
+              <a:off x="7407200" y="4189152"/>
+              <a:ext cx="530915" cy="253916"/>
+            </a:xfrm>
+            <a:prstGeom prst="rect">
+              <a:avLst/>
+            </a:prstGeom>
+            <a:noFill/>
+          </p:spPr>
+          <p:txBody>
+            <a:bodyPr wrap="none" rtlCol="0">
+              <a:spAutoFit/>
+            </a:bodyPr>
+            <a:lstStyle/>
+            <a:p>
+              <a:r>
+                <a:rPr lang="en-US" altLang="zh-CN" sz="1050" dirty="0"/>
+                <a:t>Gismo</a:t>
+              </a:r>
+              <a:endParaRPr lang="en-US" sz="1050" dirty="0"/>
+            </a:p>
+          </p:txBody>
+        </p:sp>
+        <p:pic>
+          <p:nvPicPr>
+            <p:cNvPr id="55" name="Picture 2" descr="Hospital Free Icon of 780 Free Vector Emoji">
+              <a:extLst>
+                <a:ext uri="{FF2B5EF4-FFF2-40B4-BE49-F238E27FC236}">
+                  <a16:creationId xmlns:a16="http://schemas.microsoft.com/office/drawing/2014/main" id="{B23F434D-586C-1329-7EE9-EDB171CE96ED}"/>
+                </a:ext>
+              </a:extLst>
+            </p:cNvPr>
+            <p:cNvPicPr>
+              <a:picLocks noChangeAspect="1" noChangeArrowheads="1"/>
+            </p:cNvPicPr>
+            <p:nvPr/>
+          </p:nvPicPr>
+          <p:blipFill rotWithShape="1">
+            <a:blip r:embed="rId4">
+              <a:extLst>
+                <a:ext uri="{28A0092B-C50C-407E-A947-70E740481C1C}">
+                  <a14:useLocalDpi xmlns:a14="http://schemas.microsoft.com/office/drawing/2010/main" val="0"/>
+                </a:ext>
+              </a:extLst>
+            </a:blip>
+            <a:srcRect t="12762"/>
+            <a:stretch/>
+          </p:blipFill>
+          <p:spPr bwMode="auto">
+            <a:xfrm>
+              <a:off x="7504327" y="2418920"/>
+              <a:ext cx="616088" cy="537462"/>
+            </a:xfrm>
+            <a:prstGeom prst="rect">
+              <a:avLst/>
+            </a:prstGeom>
+            <a:noFill/>
+            <a:extLst>
+              <a:ext uri="{909E8E84-426E-40DD-AFC4-6F175D3DCCD1}">
+                <a14:hiddenFill xmlns:a14="http://schemas.microsoft.com/office/drawing/2010/main">
+                  <a:solidFill>
+                    <a:srgbClr val="FFFFFF"/>
+                  </a:solidFill>
+                </a14:hiddenFill>
+              </a:ext>
+            </a:extLst>
+          </p:spPr>
+        </p:pic>
+        <p:grpSp>
+          <p:nvGrpSpPr>
+            <p:cNvPr id="99" name="Group 98">
+              <a:extLst>
+                <a:ext uri="{FF2B5EF4-FFF2-40B4-BE49-F238E27FC236}">
+                  <a16:creationId xmlns:a16="http://schemas.microsoft.com/office/drawing/2014/main" id="{344FAB61-AAC1-1D63-B697-BCFC96CC63EF}"/>
+                </a:ext>
+              </a:extLst>
+            </p:cNvPr>
+            <p:cNvGrpSpPr/>
+            <p:nvPr/>
+          </p:nvGrpSpPr>
+          <p:grpSpPr>
+            <a:xfrm>
+              <a:off x="9752814" y="5071030"/>
+              <a:ext cx="2106287" cy="1578167"/>
+              <a:chOff x="9747070" y="4501582"/>
+              <a:chExt cx="2106287" cy="1578167"/>
+            </a:xfrm>
+          </p:grpSpPr>
+          <p:sp>
+            <p:nvSpPr>
+              <p:cNvPr id="32" name="Oval 31">
+                <a:extLst>
+                  <a:ext uri="{FF2B5EF4-FFF2-40B4-BE49-F238E27FC236}">
+                    <a16:creationId xmlns:a16="http://schemas.microsoft.com/office/drawing/2014/main" id="{84F5AD1F-A2C0-BF83-6BA7-7004EE63B4EF}"/>
+                  </a:ext>
+                </a:extLst>
+              </p:cNvPr>
+              <p:cNvSpPr/>
+              <p:nvPr/>
+            </p:nvSpPr>
+            <p:spPr>
+              <a:xfrm>
+                <a:off x="10523933" y="5169063"/>
+                <a:ext cx="219434" cy="219434"/>
+              </a:xfrm>
+              <a:prstGeom prst="ellipse">
+                <a:avLst/>
+              </a:prstGeom>
+              <a:solidFill>
+                <a:schemeClr val="accent6">
+                  <a:lumMod val="75000"/>
+                </a:schemeClr>
+              </a:solidFill>
+              <a:ln w="25400">
+                <a:solidFill>
+                  <a:srgbClr val="FF0000"/>
+                </a:solidFill>
+              </a:ln>
+            </p:spPr>
+            <p:style>
+              <a:lnRef idx="2">
+                <a:schemeClr val="accent1">
+                  <a:shade val="50000"/>
+                </a:schemeClr>
+              </a:lnRef>
+              <a:fillRef idx="1">
+                <a:schemeClr val="accent1"/>
+              </a:fillRef>
+              <a:effectRef idx="0">
+                <a:schemeClr val="accent1"/>
+              </a:effectRef>
+              <a:fontRef idx="minor">
+                <a:schemeClr val="lt1"/>
+              </a:fontRef>
+            </p:style>
+            <p:txBody>
+              <a:bodyPr rtlCol="0" anchor="ctr"/>
+              <a:lstStyle/>
+              <a:p>
+                <a:pPr algn="ctr"/>
+                <a:endParaRPr lang="en-US"/>
+              </a:p>
+            </p:txBody>
+          </p:sp>
+          <p:sp>
+            <p:nvSpPr>
+              <p:cNvPr id="33" name="Oval 32">
+                <a:extLst>
+                  <a:ext uri="{FF2B5EF4-FFF2-40B4-BE49-F238E27FC236}">
+                    <a16:creationId xmlns:a16="http://schemas.microsoft.com/office/drawing/2014/main" id="{59F17F64-FAB8-EC83-7745-F2341C00CCCA}"/>
+                  </a:ext>
+                </a:extLst>
+              </p:cNvPr>
+              <p:cNvSpPr/>
+              <p:nvPr/>
+            </p:nvSpPr>
+            <p:spPr>
+              <a:xfrm>
+                <a:off x="10576952" y="5665358"/>
+                <a:ext cx="219434" cy="219434"/>
+              </a:xfrm>
+              <a:prstGeom prst="ellipse">
+                <a:avLst/>
+              </a:prstGeom>
+              <a:solidFill>
+                <a:schemeClr val="accent6">
+                  <a:lumMod val="75000"/>
+                </a:schemeClr>
+              </a:solidFill>
+              <a:ln w="19050"/>
+            </p:spPr>
+            <p:style>
+              <a:lnRef idx="2">
+                <a:schemeClr val="accent1">
+                  <a:shade val="50000"/>
+                </a:schemeClr>
+              </a:lnRef>
+              <a:fillRef idx="1">
+                <a:schemeClr val="accent1"/>
+              </a:fillRef>
+              <a:effectRef idx="0">
+                <a:schemeClr val="accent1"/>
+              </a:effectRef>
+              <a:fontRef idx="minor">
+                <a:schemeClr val="lt1"/>
+              </a:fontRef>
+            </p:style>
+            <p:txBody>
+              <a:bodyPr rtlCol="0" anchor="ctr"/>
+              <a:lstStyle/>
+              <a:p>
+                <a:pPr algn="ctr"/>
+                <a:endParaRPr lang="en-US"/>
+              </a:p>
+            </p:txBody>
+          </p:sp>
+          <p:cxnSp>
+            <p:nvCxnSpPr>
+              <p:cNvPr id="34" name="Straight Connector 33">
+                <a:extLst>
+                  <a:ext uri="{FF2B5EF4-FFF2-40B4-BE49-F238E27FC236}">
+                    <a16:creationId xmlns:a16="http://schemas.microsoft.com/office/drawing/2014/main" id="{94885672-88B0-3508-5E7E-C2C9EE94F8E1}"/>
+                  </a:ext>
+                </a:extLst>
+              </p:cNvPr>
+              <p:cNvCxnSpPr>
+                <a:cxnSpLocks/>
+                <a:stCxn id="32" idx="4"/>
+                <a:endCxn id="33" idx="0"/>
+              </p:cNvCxnSpPr>
+              <p:nvPr/>
+            </p:nvCxnSpPr>
+            <p:spPr>
+              <a:xfrm>
+                <a:off x="10633650" y="5388497"/>
+                <a:ext cx="53019" cy="276861"/>
+              </a:xfrm>
+              <a:prstGeom prst="line">
+                <a:avLst/>
+              </a:prstGeom>
+              <a:ln w="15875">
+                <a:solidFill>
+                  <a:schemeClr val="bg1">
+                    <a:lumMod val="50000"/>
+                  </a:schemeClr>
+                </a:solidFill>
+                <a:prstDash val="sysDash"/>
+              </a:ln>
+            </p:spPr>
+            <p:style>
+              <a:lnRef idx="1">
+                <a:schemeClr val="accent1"/>
+              </a:lnRef>
+              <a:fillRef idx="0">
+                <a:schemeClr val="accent1"/>
+              </a:fillRef>
+              <a:effectRef idx="0">
+                <a:schemeClr val="accent1"/>
+              </a:effectRef>
+              <a:fontRef idx="minor">
+                <a:schemeClr val="tx1"/>
+              </a:fontRef>
+            </p:style>
+          </p:cxnSp>
+          <p:sp>
+            <p:nvSpPr>
+              <p:cNvPr id="35" name="Oval 34">
+                <a:extLst>
+                  <a:ext uri="{FF2B5EF4-FFF2-40B4-BE49-F238E27FC236}">
+                    <a16:creationId xmlns:a16="http://schemas.microsoft.com/office/drawing/2014/main" id="{9BBC74BA-E746-97EA-E742-26A66B224211}"/>
+                  </a:ext>
+                </a:extLst>
+              </p:cNvPr>
+              <p:cNvSpPr/>
+              <p:nvPr/>
+            </p:nvSpPr>
+            <p:spPr>
+              <a:xfrm>
+                <a:off x="10955456" y="5656774"/>
+                <a:ext cx="219434" cy="219434"/>
+              </a:xfrm>
+              <a:prstGeom prst="ellipse">
+                <a:avLst/>
+              </a:prstGeom>
+              <a:solidFill>
+                <a:schemeClr val="accent6">
+                  <a:lumMod val="75000"/>
+                </a:schemeClr>
+              </a:solidFill>
+              <a:ln w="19050"/>
+            </p:spPr>
+            <p:style>
+              <a:lnRef idx="2">
+                <a:schemeClr val="accent1">
+                  <a:shade val="50000"/>
+                </a:schemeClr>
+              </a:lnRef>
+              <a:fillRef idx="1">
+                <a:schemeClr val="accent1"/>
+              </a:fillRef>
+              <a:effectRef idx="0">
+                <a:schemeClr val="accent1"/>
+              </a:effectRef>
+              <a:fontRef idx="minor">
+                <a:schemeClr val="lt1"/>
+              </a:fontRef>
+            </p:style>
+            <p:txBody>
+              <a:bodyPr rtlCol="0" anchor="ctr"/>
+              <a:lstStyle/>
+              <a:p>
+                <a:pPr algn="ctr"/>
+                <a:endParaRPr lang="en-US"/>
+              </a:p>
+            </p:txBody>
+          </p:sp>
+          <p:cxnSp>
+            <p:nvCxnSpPr>
+              <p:cNvPr id="36" name="Straight Connector 35">
+                <a:extLst>
+                  <a:ext uri="{FF2B5EF4-FFF2-40B4-BE49-F238E27FC236}">
+                    <a16:creationId xmlns:a16="http://schemas.microsoft.com/office/drawing/2014/main" id="{B1294B28-9A9A-92B2-886B-C358D40C199A}"/>
+                  </a:ext>
+                </a:extLst>
+              </p:cNvPr>
+              <p:cNvCxnSpPr>
+                <a:cxnSpLocks/>
+                <a:stCxn id="32" idx="4"/>
+                <a:endCxn id="35" idx="1"/>
+              </p:cNvCxnSpPr>
+              <p:nvPr/>
+            </p:nvCxnSpPr>
+            <p:spPr>
+              <a:xfrm>
+                <a:off x="10633650" y="5388497"/>
+                <a:ext cx="353941" cy="300412"/>
+              </a:xfrm>
+              <a:prstGeom prst="line">
+                <a:avLst/>
+              </a:prstGeom>
+              <a:ln w="15875">
+                <a:solidFill>
+                  <a:schemeClr val="bg1">
+                    <a:lumMod val="50000"/>
+                  </a:schemeClr>
+                </a:solidFill>
+                <a:prstDash val="sysDash"/>
+              </a:ln>
+            </p:spPr>
+            <p:style>
+              <a:lnRef idx="1">
+                <a:schemeClr val="accent1"/>
+              </a:lnRef>
+              <a:fillRef idx="0">
+                <a:schemeClr val="accent1"/>
+              </a:fillRef>
+              <a:effectRef idx="0">
+                <a:schemeClr val="accent1"/>
+              </a:effectRef>
+              <a:fontRef idx="minor">
+                <a:schemeClr val="tx1"/>
+              </a:fontRef>
+            </p:style>
+          </p:cxnSp>
+          <p:sp>
+            <p:nvSpPr>
+              <p:cNvPr id="37" name="Oval 36">
+                <a:extLst>
+                  <a:ext uri="{FF2B5EF4-FFF2-40B4-BE49-F238E27FC236}">
+                    <a16:creationId xmlns:a16="http://schemas.microsoft.com/office/drawing/2014/main" id="{A72B4FB3-FDC4-4A41-DCC5-ABC0D1A0DDAF}"/>
+                  </a:ext>
+                </a:extLst>
+              </p:cNvPr>
+              <p:cNvSpPr/>
+              <p:nvPr/>
+            </p:nvSpPr>
+            <p:spPr>
+              <a:xfrm>
+                <a:off x="10177110" y="5588423"/>
+                <a:ext cx="219434" cy="219434"/>
+              </a:xfrm>
+              <a:prstGeom prst="ellipse">
+                <a:avLst/>
+              </a:prstGeom>
+              <a:solidFill>
+                <a:schemeClr val="accent6">
+                  <a:lumMod val="75000"/>
+                </a:schemeClr>
+              </a:solidFill>
+              <a:ln w="19050"/>
+            </p:spPr>
+            <p:style>
+              <a:lnRef idx="2">
+                <a:schemeClr val="accent1">
+                  <a:shade val="50000"/>
+                </a:schemeClr>
+              </a:lnRef>
+              <a:fillRef idx="1">
+                <a:schemeClr val="accent1"/>
+              </a:fillRef>
+              <a:effectRef idx="0">
+                <a:schemeClr val="accent1"/>
+              </a:effectRef>
+              <a:fontRef idx="minor">
+                <a:schemeClr val="lt1"/>
+              </a:fontRef>
+            </p:style>
+            <p:txBody>
+              <a:bodyPr rtlCol="0" anchor="ctr"/>
+              <a:lstStyle/>
+              <a:p>
+                <a:pPr algn="ctr"/>
+                <a:endParaRPr lang="en-US"/>
+              </a:p>
+            </p:txBody>
+          </p:sp>
+          <p:cxnSp>
+            <p:nvCxnSpPr>
+              <p:cNvPr id="38" name="Straight Connector 37">
+                <a:extLst>
+                  <a:ext uri="{FF2B5EF4-FFF2-40B4-BE49-F238E27FC236}">
+                    <a16:creationId xmlns:a16="http://schemas.microsoft.com/office/drawing/2014/main" id="{692515B8-DBB7-786C-63E7-1612F5FAA0F0}"/>
+                  </a:ext>
+                </a:extLst>
+              </p:cNvPr>
+              <p:cNvCxnSpPr>
+                <a:cxnSpLocks/>
+                <a:stCxn id="32" idx="4"/>
+                <a:endCxn id="37" idx="7"/>
+              </p:cNvCxnSpPr>
+              <p:nvPr/>
+            </p:nvCxnSpPr>
+            <p:spPr>
+              <a:xfrm flipH="1">
+                <a:off x="10364409" y="5388497"/>
+                <a:ext cx="269241" cy="232061"/>
+              </a:xfrm>
+              <a:prstGeom prst="line">
+                <a:avLst/>
+              </a:prstGeom>
+              <a:ln w="15875">
+                <a:solidFill>
+                  <a:schemeClr val="bg1">
+                    <a:lumMod val="50000"/>
+                  </a:schemeClr>
+                </a:solidFill>
+                <a:prstDash val="sysDash"/>
+              </a:ln>
+            </p:spPr>
+            <p:style>
+              <a:lnRef idx="1">
+                <a:schemeClr val="accent1"/>
+              </a:lnRef>
+              <a:fillRef idx="0">
+                <a:schemeClr val="accent1"/>
+              </a:fillRef>
+              <a:effectRef idx="0">
+                <a:schemeClr val="accent1"/>
+              </a:effectRef>
+              <a:fontRef idx="minor">
+                <a:schemeClr val="tx1"/>
+              </a:fontRef>
+            </p:style>
+          </p:cxnSp>
+          <p:sp>
+            <p:nvSpPr>
+              <p:cNvPr id="39" name="Rounded Rectangle 38">
+                <a:extLst>
+                  <a:ext uri="{FF2B5EF4-FFF2-40B4-BE49-F238E27FC236}">
+                    <a16:creationId xmlns:a16="http://schemas.microsoft.com/office/drawing/2014/main" id="{CE579562-9C12-C3BD-85F3-28E629FB7861}"/>
+                  </a:ext>
+                </a:extLst>
+              </p:cNvPr>
+              <p:cNvSpPr/>
+              <p:nvPr/>
+            </p:nvSpPr>
+            <p:spPr>
+              <a:xfrm>
+                <a:off x="9917164" y="4741318"/>
+                <a:ext cx="1936193" cy="1338431"/>
+              </a:xfrm>
+              <a:prstGeom prst="roundRect">
+                <a:avLst/>
+              </a:prstGeom>
+              <a:noFill/>
+              <a:ln>
+                <a:solidFill>
+                  <a:schemeClr val="bg1">
+                    <a:lumMod val="50000"/>
+                  </a:schemeClr>
+                </a:solidFill>
+                <a:prstDash val="sysDot"/>
+              </a:ln>
+            </p:spPr>
+            <p:style>
+              <a:lnRef idx="2">
+                <a:schemeClr val="accent1">
+                  <a:shade val="50000"/>
+                </a:schemeClr>
+              </a:lnRef>
+              <a:fillRef idx="1">
+                <a:schemeClr val="accent1"/>
+              </a:fillRef>
+              <a:effectRef idx="0">
+                <a:schemeClr val="accent1"/>
+              </a:effectRef>
+              <a:fontRef idx="minor">
+                <a:schemeClr val="lt1"/>
+              </a:fontRef>
+            </p:style>
+            <p:txBody>
+              <a:bodyPr rtlCol="0" anchor="ctr"/>
+              <a:lstStyle/>
+              <a:p>
+                <a:pPr algn="ctr"/>
+                <a:endParaRPr lang="en-US" dirty="0"/>
+              </a:p>
+            </p:txBody>
+          </p:sp>
+          <p:sp>
+            <p:nvSpPr>
+              <p:cNvPr id="41" name="Oval 40">
+                <a:extLst>
+                  <a:ext uri="{FF2B5EF4-FFF2-40B4-BE49-F238E27FC236}">
+                    <a16:creationId xmlns:a16="http://schemas.microsoft.com/office/drawing/2014/main" id="{0DF26E5B-50D4-6566-2F08-2B49C549CBD2}"/>
+                  </a:ext>
+                </a:extLst>
+              </p:cNvPr>
+              <p:cNvSpPr/>
+              <p:nvPr/>
+            </p:nvSpPr>
+            <p:spPr>
+              <a:xfrm>
+                <a:off x="11295644" y="5594009"/>
+                <a:ext cx="219434" cy="219434"/>
+              </a:xfrm>
+              <a:prstGeom prst="ellipse">
+                <a:avLst/>
+              </a:prstGeom>
+              <a:solidFill>
+                <a:schemeClr val="accent6">
+                  <a:lumMod val="75000"/>
+                </a:schemeClr>
+              </a:solidFill>
+              <a:ln w="19050"/>
+            </p:spPr>
+            <p:style>
+              <a:lnRef idx="2">
+                <a:schemeClr val="accent1">
+                  <a:shade val="50000"/>
+                </a:schemeClr>
+              </a:lnRef>
+              <a:fillRef idx="1">
+                <a:schemeClr val="accent1"/>
+              </a:fillRef>
+              <a:effectRef idx="0">
+                <a:schemeClr val="accent1"/>
+              </a:effectRef>
+              <a:fontRef idx="minor">
+                <a:schemeClr val="lt1"/>
+              </a:fontRef>
+            </p:style>
+            <p:txBody>
+              <a:bodyPr rtlCol="0" anchor="ctr"/>
+              <a:lstStyle/>
+              <a:p>
+                <a:pPr algn="ctr"/>
+                <a:endParaRPr lang="en-US"/>
+              </a:p>
+            </p:txBody>
+          </p:sp>
+          <p:cxnSp>
+            <p:nvCxnSpPr>
+              <p:cNvPr id="42" name="Straight Connector 41">
+                <a:extLst>
+                  <a:ext uri="{FF2B5EF4-FFF2-40B4-BE49-F238E27FC236}">
+                    <a16:creationId xmlns:a16="http://schemas.microsoft.com/office/drawing/2014/main" id="{99302028-457D-DDAE-BF70-71A17D408E6C}"/>
+                  </a:ext>
+                </a:extLst>
+              </p:cNvPr>
+              <p:cNvCxnSpPr>
+                <a:cxnSpLocks/>
+                <a:stCxn id="32" idx="4"/>
+                <a:endCxn id="41" idx="1"/>
+              </p:cNvCxnSpPr>
+              <p:nvPr/>
+            </p:nvCxnSpPr>
+            <p:spPr>
+              <a:xfrm>
+                <a:off x="10633650" y="5388497"/>
+                <a:ext cx="694129" cy="237647"/>
+              </a:xfrm>
+              <a:prstGeom prst="line">
+                <a:avLst/>
+              </a:prstGeom>
+              <a:ln w="15875">
+                <a:solidFill>
+                  <a:schemeClr val="bg1">
+                    <a:lumMod val="50000"/>
+                  </a:schemeClr>
+                </a:solidFill>
+                <a:prstDash val="sysDash"/>
+              </a:ln>
+            </p:spPr>
+            <p:style>
+              <a:lnRef idx="1">
+                <a:schemeClr val="accent1"/>
+              </a:lnRef>
+              <a:fillRef idx="0">
+                <a:schemeClr val="accent1"/>
+              </a:fillRef>
+              <a:effectRef idx="0">
+                <a:schemeClr val="accent1"/>
+              </a:effectRef>
+              <a:fontRef idx="minor">
+                <a:schemeClr val="tx1"/>
+              </a:fontRef>
+            </p:style>
+          </p:cxnSp>
+          <p:pic>
+            <p:nvPicPr>
+              <p:cNvPr id="56" name="Picture 2" descr="Hospital Free Icon of 780 Free Vector Emoji">
+                <a:extLst>
+                  <a:ext uri="{FF2B5EF4-FFF2-40B4-BE49-F238E27FC236}">
+                    <a16:creationId xmlns:a16="http://schemas.microsoft.com/office/drawing/2014/main" id="{0EB3F47A-860B-51C7-E0F8-B83E7EF9A275}"/>
+                  </a:ext>
+                </a:extLst>
+              </p:cNvPr>
+              <p:cNvPicPr>
+                <a:picLocks noChangeAspect="1" noChangeArrowheads="1"/>
+              </p:cNvPicPr>
+              <p:nvPr/>
+            </p:nvPicPr>
+            <p:blipFill rotWithShape="1">
+              <a:blip r:embed="rId4">
+                <a:extLst>
+                  <a:ext uri="{28A0092B-C50C-407E-A947-70E740481C1C}">
+                    <a14:useLocalDpi xmlns:a14="http://schemas.microsoft.com/office/drawing/2010/main" val="0"/>
+                  </a:ext>
+                </a:extLst>
+              </a:blip>
+              <a:srcRect t="12762"/>
+              <a:stretch/>
+            </p:blipFill>
+            <p:spPr bwMode="auto">
+              <a:xfrm>
+                <a:off x="9747070" y="4501582"/>
+                <a:ext cx="616088" cy="537462"/>
+              </a:xfrm>
+              <a:prstGeom prst="rect">
+                <a:avLst/>
+              </a:prstGeom>
+              <a:noFill/>
+              <a:extLst>
+                <a:ext uri="{909E8E84-426E-40DD-AFC4-6F175D3DCCD1}">
+                  <a14:hiddenFill xmlns:a14="http://schemas.microsoft.com/office/drawing/2010/main">
+                    <a:solidFill>
+                      <a:srgbClr val="FFFFFF"/>
+                    </a:solidFill>
+                  </a14:hiddenFill>
+                </a:ext>
+              </a:extLst>
+            </p:spPr>
+          </p:pic>
+        </p:grpSp>
+        <p:pic>
+          <p:nvPicPr>
+            <p:cNvPr id="57" name="Picture 8" descr="House icon - Free download on Iconfinder">
+              <a:extLst>
+                <a:ext uri="{FF2B5EF4-FFF2-40B4-BE49-F238E27FC236}">
+                  <a16:creationId xmlns:a16="http://schemas.microsoft.com/office/drawing/2014/main" id="{1B9B0392-D24E-80A9-8DC7-1B4A6411C545}"/>
+                </a:ext>
+              </a:extLst>
+            </p:cNvPr>
+            <p:cNvPicPr>
+              <a:picLocks noChangeAspect="1" noChangeArrowheads="1"/>
+            </p:cNvPicPr>
+            <p:nvPr/>
+          </p:nvPicPr>
+          <p:blipFill>
+            <a:blip r:embed="rId5">
+              <a:extLst>
+                <a:ext uri="{28A0092B-C50C-407E-A947-70E740481C1C}">
+                  <a14:useLocalDpi xmlns:a14="http://schemas.microsoft.com/office/drawing/2010/main" val="0"/>
+                </a:ext>
+              </a:extLst>
+            </a:blip>
+            <a:srcRect/>
+            <a:stretch>
+              <a:fillRect/>
+            </a:stretch>
+          </p:blipFill>
+          <p:spPr bwMode="auto">
+            <a:xfrm>
+              <a:off x="10838405" y="2248915"/>
+              <a:ext cx="676673" cy="676673"/>
+            </a:xfrm>
+            <a:prstGeom prst="rect">
+              <a:avLst/>
+            </a:prstGeom>
+            <a:noFill/>
+            <a:extLst>
+              <a:ext uri="{909E8E84-426E-40DD-AFC4-6F175D3DCCD1}">
+                <a14:hiddenFill xmlns:a14="http://schemas.microsoft.com/office/drawing/2010/main">
+                  <a:solidFill>
+                    <a:srgbClr val="FFFFFF"/>
+                  </a:solidFill>
+                </a14:hiddenFill>
+              </a:ext>
+            </a:extLst>
+          </p:spPr>
+        </p:pic>
+        <p:sp>
+          <p:nvSpPr>
+            <p:cNvPr id="60" name="Rounded Rectangle 59">
+              <a:extLst>
+                <a:ext uri="{FF2B5EF4-FFF2-40B4-BE49-F238E27FC236}">
+                  <a16:creationId xmlns:a16="http://schemas.microsoft.com/office/drawing/2014/main" id="{8295D6FF-8E88-61BA-C3A6-54255B54472D}"/>
+                </a:ext>
+              </a:extLst>
+            </p:cNvPr>
+            <p:cNvSpPr/>
+            <p:nvPr/>
+          </p:nvSpPr>
+          <p:spPr>
+            <a:xfrm>
+              <a:off x="7740942" y="891259"/>
+              <a:ext cx="1468615" cy="649566"/>
+            </a:xfrm>
+            <a:prstGeom prst="roundRect">
+              <a:avLst/>
+            </a:prstGeom>
+            <a:solidFill>
+              <a:schemeClr val="accent1">
+                <a:lumMod val="60000"/>
+                <a:lumOff val="40000"/>
+              </a:schemeClr>
+            </a:solidFill>
+            <a:ln>
+              <a:solidFill>
+                <a:schemeClr val="bg2">
+                  <a:lumMod val="50000"/>
+                </a:schemeClr>
+              </a:solidFill>
+            </a:ln>
+            <a:effectLst>
+              <a:outerShdw blurRad="50800" dist="38100" dir="2700000" algn="tl" rotWithShape="0">
+                <a:prstClr val="black">
+                  <a:alpha val="40000"/>
+                </a:prstClr>
+              </a:outerShdw>
+            </a:effectLst>
+          </p:spPr>
+          <p:style>
+            <a:lnRef idx="2">
+              <a:schemeClr val="accent1">
+                <a:shade val="50000"/>
+              </a:schemeClr>
+            </a:lnRef>
+            <a:fillRef idx="1">
+              <a:schemeClr val="accent1"/>
+            </a:fillRef>
+            <a:effectRef idx="0">
+              <a:schemeClr val="accent1"/>
+            </a:effectRef>
+            <a:fontRef idx="minor">
+              <a:schemeClr val="lt1"/>
+            </a:fontRef>
+          </p:style>
+          <p:txBody>
+            <a:bodyPr rtlCol="0" anchor="ctr"/>
+            <a:lstStyle/>
+            <a:p>
+              <a:pPr algn="ctr"/>
+              <a:r>
+                <a:rPr lang="en-US" sz="1400" dirty="0">
+                  <a:solidFill>
+                    <a:schemeClr val="bg1"/>
+                  </a:solidFill>
+                </a:rPr>
+                <a:t>Cloud Compute</a:t>
+              </a:r>
+            </a:p>
+          </p:txBody>
+        </p:sp>
+        <p:sp>
+          <p:nvSpPr>
+            <p:cNvPr id="88" name="Oval 87">
+              <a:extLst>
+                <a:ext uri="{FF2B5EF4-FFF2-40B4-BE49-F238E27FC236}">
+                  <a16:creationId xmlns:a16="http://schemas.microsoft.com/office/drawing/2014/main" id="{90AFE704-3A8A-D409-B49C-4FCA3A16F49E}"/>
+                </a:ext>
+              </a:extLst>
+            </p:cNvPr>
+            <p:cNvSpPr/>
+            <p:nvPr/>
+          </p:nvSpPr>
+          <p:spPr>
+            <a:xfrm>
+              <a:off x="10664926" y="2975810"/>
+              <a:ext cx="219434" cy="219434"/>
+            </a:xfrm>
+            <a:prstGeom prst="ellipse">
+              <a:avLst/>
+            </a:prstGeom>
+            <a:solidFill>
+              <a:schemeClr val="accent6">
+                <a:lumMod val="75000"/>
+              </a:schemeClr>
+            </a:solidFill>
+            <a:ln w="19050"/>
+          </p:spPr>
+          <p:style>
+            <a:lnRef idx="2">
+              <a:schemeClr val="accent1">
+                <a:shade val="50000"/>
+              </a:schemeClr>
+            </a:lnRef>
+            <a:fillRef idx="1">
+              <a:schemeClr val="accent1"/>
+            </a:fillRef>
+            <a:effectRef idx="0">
+              <a:schemeClr val="accent1"/>
+            </a:effectRef>
+            <a:fontRef idx="minor">
+              <a:schemeClr val="lt1"/>
+            </a:fontRef>
+          </p:style>
+          <p:txBody>
+            <a:bodyPr rtlCol="0" anchor="ctr"/>
+            <a:lstStyle/>
+            <a:p>
+              <a:pPr algn="ctr"/>
+              <a:endParaRPr lang="en-US"/>
+            </a:p>
+          </p:txBody>
+        </p:sp>
+        <p:sp>
+          <p:nvSpPr>
+            <p:cNvPr id="44" name="TextBox 43">
+              <a:extLst>
+                <a:ext uri="{FF2B5EF4-FFF2-40B4-BE49-F238E27FC236}">
+                  <a16:creationId xmlns:a16="http://schemas.microsoft.com/office/drawing/2014/main" id="{877B51DA-E3B3-FFE1-4A4D-CBD331BD8269}"/>
+                </a:ext>
+              </a:extLst>
+            </p:cNvPr>
+            <p:cNvSpPr txBox="1"/>
+            <p:nvPr/>
+          </p:nvSpPr>
+          <p:spPr>
+            <a:xfrm>
+              <a:off x="9970665" y="2168303"/>
+              <a:ext cx="1188980" cy="307777"/>
+            </a:xfrm>
+            <a:prstGeom prst="rect">
+              <a:avLst/>
+            </a:prstGeom>
+            <a:noFill/>
+          </p:spPr>
+          <p:txBody>
+            <a:bodyPr wrap="none" rtlCol="0">
+              <a:spAutoFit/>
+            </a:bodyPr>
+            <a:lstStyle>
+              <a:defPPr>
+                <a:defRPr lang="en-US"/>
+              </a:defPPr>
+              <a:lvl1pPr>
+                <a:defRPr sz="1400"/>
+              </a:lvl1pPr>
+            </a:lstStyle>
+            <a:p>
+              <a:r>
+                <a:rPr lang="en-US" altLang="zh-CN" dirty="0"/>
+                <a:t>Patient</a:t>
+              </a:r>
+              <a:r>
+                <a:rPr lang="zh-CN" altLang="en-US" dirty="0"/>
+                <a:t> </a:t>
+              </a:r>
+              <a:r>
+                <a:rPr lang="en-US" altLang="zh-CN" dirty="0"/>
+                <a:t>house</a:t>
+              </a:r>
+              <a:endParaRPr lang="en-US" dirty="0"/>
+            </a:p>
+          </p:txBody>
+        </p:sp>
+        <p:sp>
+          <p:nvSpPr>
+            <p:cNvPr id="31" name="TextBox 30">
+              <a:extLst>
+                <a:ext uri="{FF2B5EF4-FFF2-40B4-BE49-F238E27FC236}">
+                  <a16:creationId xmlns:a16="http://schemas.microsoft.com/office/drawing/2014/main" id="{13EB4E81-5E98-E55A-A486-51B6F82F772D}"/>
+                </a:ext>
+              </a:extLst>
+            </p:cNvPr>
+            <p:cNvSpPr txBox="1"/>
+            <p:nvPr/>
+          </p:nvSpPr>
+          <p:spPr>
+            <a:xfrm>
+              <a:off x="6785467" y="2468398"/>
+              <a:ext cx="767582" cy="307777"/>
+            </a:xfrm>
+            <a:prstGeom prst="rect">
+              <a:avLst/>
+            </a:prstGeom>
+            <a:noFill/>
+          </p:spPr>
+          <p:txBody>
+            <a:bodyPr wrap="none" rtlCol="0">
+              <a:spAutoFit/>
+            </a:bodyPr>
+            <a:lstStyle/>
+            <a:p>
+              <a:r>
+                <a:rPr lang="en-US" altLang="zh-CN" sz="1400" dirty="0"/>
+                <a:t>hospital</a:t>
+              </a:r>
+              <a:endParaRPr lang="en-US" sz="1400" dirty="0"/>
+            </a:p>
+          </p:txBody>
+        </p:sp>
+        <p:cxnSp>
+          <p:nvCxnSpPr>
+            <p:cNvPr id="91" name="Straight Connector 90">
+              <a:extLst>
+                <a:ext uri="{FF2B5EF4-FFF2-40B4-BE49-F238E27FC236}">
+                  <a16:creationId xmlns:a16="http://schemas.microsoft.com/office/drawing/2014/main" id="{F280ED18-C892-A343-097A-7C78AD9630F3}"/>
+                </a:ext>
+              </a:extLst>
+            </p:cNvPr>
+            <p:cNvCxnSpPr>
+              <a:cxnSpLocks/>
+              <a:stCxn id="5" idx="2"/>
+              <a:endCxn id="95" idx="1"/>
+            </p:cNvCxnSpPr>
+            <p:nvPr/>
+          </p:nvCxnSpPr>
+          <p:spPr>
+            <a:xfrm>
+              <a:off x="9293415" y="1973345"/>
+              <a:ext cx="1696372" cy="2480415"/>
+            </a:xfrm>
+            <a:prstGeom prst="line">
+              <a:avLst/>
+            </a:prstGeom>
+            <a:ln w="15875">
+              <a:solidFill>
+                <a:schemeClr val="bg1">
+                  <a:lumMod val="50000"/>
+                </a:schemeClr>
+              </a:solidFill>
+              <a:prstDash val="sysDash"/>
+            </a:ln>
+          </p:spPr>
+          <p:style>
+            <a:lnRef idx="1">
+              <a:schemeClr val="accent1"/>
+            </a:lnRef>
+            <a:fillRef idx="0">
+              <a:schemeClr val="accent1"/>
+            </a:fillRef>
+            <a:effectRef idx="0">
+              <a:schemeClr val="accent1"/>
+            </a:effectRef>
+            <a:fontRef idx="minor">
+              <a:schemeClr val="tx1"/>
+            </a:fontRef>
+          </p:style>
+        </p:cxnSp>
+        <p:pic>
+          <p:nvPicPr>
+            <p:cNvPr id="92" name="Picture 2" descr="Hospital Free Icon of 780 Free Vector Emoji">
+              <a:extLst>
+                <a:ext uri="{FF2B5EF4-FFF2-40B4-BE49-F238E27FC236}">
+                  <a16:creationId xmlns:a16="http://schemas.microsoft.com/office/drawing/2014/main" id="{4B327D1C-18E6-52C0-B050-8712B6CD9651}"/>
+                </a:ext>
+              </a:extLst>
+            </p:cNvPr>
+            <p:cNvPicPr>
+              <a:picLocks noChangeAspect="1" noChangeArrowheads="1"/>
+            </p:cNvPicPr>
+            <p:nvPr/>
+          </p:nvPicPr>
+          <p:blipFill rotWithShape="1">
+            <a:blip r:embed="rId4">
+              <a:extLst>
+                <a:ext uri="{28A0092B-C50C-407E-A947-70E740481C1C}">
+                  <a14:useLocalDpi xmlns:a14="http://schemas.microsoft.com/office/drawing/2010/main" val="0"/>
+                </a:ext>
+              </a:extLst>
+            </a:blip>
+            <a:srcRect t="12762"/>
+            <a:stretch/>
+          </p:blipFill>
+          <p:spPr bwMode="auto">
+            <a:xfrm>
+              <a:off x="11204180" y="3831472"/>
+              <a:ext cx="616088" cy="537462"/>
+            </a:xfrm>
+            <a:prstGeom prst="rect">
+              <a:avLst/>
+            </a:prstGeom>
+            <a:noFill/>
+            <a:extLst>
+              <a:ext uri="{909E8E84-426E-40DD-AFC4-6F175D3DCCD1}">
+                <a14:hiddenFill xmlns:a14="http://schemas.microsoft.com/office/drawing/2010/main">
+                  <a:solidFill>
+                    <a:srgbClr val="FFFFFF"/>
+                  </a:solidFill>
+                </a14:hiddenFill>
+              </a:ext>
+            </a:extLst>
+          </p:spPr>
+        </p:pic>
+        <p:sp>
+          <p:nvSpPr>
+            <p:cNvPr id="95" name="Oval 94">
+              <a:extLst>
+                <a:ext uri="{FF2B5EF4-FFF2-40B4-BE49-F238E27FC236}">
+                  <a16:creationId xmlns:a16="http://schemas.microsoft.com/office/drawing/2014/main" id="{C5A19F23-71B8-CEB2-7FBA-7F3029ADC5D1}"/>
+                </a:ext>
+              </a:extLst>
+            </p:cNvPr>
+            <p:cNvSpPr/>
+            <p:nvPr/>
+          </p:nvSpPr>
+          <p:spPr>
+            <a:xfrm>
+              <a:off x="10957652" y="4421625"/>
+              <a:ext cx="219434" cy="219434"/>
+            </a:xfrm>
+            <a:prstGeom prst="ellipse">
+              <a:avLst/>
+            </a:prstGeom>
+            <a:solidFill>
+              <a:schemeClr val="accent6">
+                <a:lumMod val="75000"/>
+              </a:schemeClr>
+            </a:solidFill>
+            <a:ln w="19050"/>
+          </p:spPr>
+          <p:style>
+            <a:lnRef idx="2">
+              <a:schemeClr val="accent1">
+                <a:shade val="50000"/>
+              </a:schemeClr>
+            </a:lnRef>
+            <a:fillRef idx="1">
+              <a:schemeClr val="accent1"/>
+            </a:fillRef>
+            <a:effectRef idx="0">
+              <a:schemeClr val="accent1"/>
+            </a:effectRef>
+            <a:fontRef idx="minor">
+              <a:schemeClr val="lt1"/>
+            </a:fontRef>
+          </p:style>
+          <p:txBody>
+            <a:bodyPr rtlCol="0" anchor="ctr"/>
+            <a:lstStyle/>
+            <a:p>
+              <a:pPr algn="ctr"/>
+              <a:endParaRPr lang="en-US"/>
+            </a:p>
+          </p:txBody>
+        </p:sp>
+        <p:grpSp>
+          <p:nvGrpSpPr>
+            <p:cNvPr id="117" name="Group 116">
+              <a:extLst>
+                <a:ext uri="{FF2B5EF4-FFF2-40B4-BE49-F238E27FC236}">
+                  <a16:creationId xmlns:a16="http://schemas.microsoft.com/office/drawing/2014/main" id="{CD9D0438-EA47-2B21-D1F2-4999FDD50DD6}"/>
+                </a:ext>
+              </a:extLst>
+            </p:cNvPr>
+            <p:cNvGrpSpPr/>
+            <p:nvPr/>
+          </p:nvGrpSpPr>
+          <p:grpSpPr>
+            <a:xfrm>
+              <a:off x="7036556" y="6055499"/>
+              <a:ext cx="2215537" cy="658779"/>
+              <a:chOff x="7411333" y="5859713"/>
+              <a:chExt cx="2215537" cy="658779"/>
+            </a:xfrm>
+          </p:grpSpPr>
+          <p:sp>
+            <p:nvSpPr>
+              <p:cNvPr id="101" name="Oval 100">
+                <a:extLst>
+                  <a:ext uri="{FF2B5EF4-FFF2-40B4-BE49-F238E27FC236}">
+                    <a16:creationId xmlns:a16="http://schemas.microsoft.com/office/drawing/2014/main" id="{2E83C08C-F19E-6F1B-BECB-ECD6E9D7C312}"/>
+                  </a:ext>
+                </a:extLst>
+              </p:cNvPr>
+              <p:cNvSpPr/>
+              <p:nvPr/>
+            </p:nvSpPr>
+            <p:spPr>
+              <a:xfrm>
+                <a:off x="7411333" y="5888717"/>
+                <a:ext cx="219434" cy="219434"/>
+              </a:xfrm>
+              <a:prstGeom prst="ellipse">
+                <a:avLst/>
+              </a:prstGeom>
+              <a:solidFill>
+                <a:schemeClr val="accent6">
+                  <a:lumMod val="75000"/>
+                </a:schemeClr>
+              </a:solidFill>
+              <a:ln w="19050"/>
+            </p:spPr>
+            <p:style>
+              <a:lnRef idx="2">
+                <a:schemeClr val="accent1">
+                  <a:shade val="50000"/>
+                </a:schemeClr>
+              </a:lnRef>
+              <a:fillRef idx="1">
+                <a:schemeClr val="accent1"/>
+              </a:fillRef>
+              <a:effectRef idx="0">
+                <a:schemeClr val="accent1"/>
+              </a:effectRef>
+              <a:fontRef idx="minor">
+                <a:schemeClr val="lt1"/>
+              </a:fontRef>
+            </p:style>
+            <p:txBody>
+              <a:bodyPr rtlCol="0" anchor="ctr"/>
+              <a:lstStyle/>
+              <a:p>
+                <a:pPr algn="ctr"/>
+                <a:endParaRPr lang="en-US"/>
+              </a:p>
+            </p:txBody>
+          </p:sp>
+          <p:sp>
+            <p:nvSpPr>
+              <p:cNvPr id="102" name="TextBox 101">
+                <a:extLst>
+                  <a:ext uri="{FF2B5EF4-FFF2-40B4-BE49-F238E27FC236}">
+                    <a16:creationId xmlns:a16="http://schemas.microsoft.com/office/drawing/2014/main" id="{CF6E4D02-8EA1-4FFE-C669-40E23C7D2650}"/>
+                  </a:ext>
+                </a:extLst>
+              </p:cNvPr>
+              <p:cNvSpPr txBox="1"/>
+              <p:nvPr/>
+            </p:nvSpPr>
+            <p:spPr>
+              <a:xfrm>
+                <a:off x="7654342" y="5859713"/>
+                <a:ext cx="1094787" cy="276999"/>
+              </a:xfrm>
+              <a:prstGeom prst="rect">
+                <a:avLst/>
+              </a:prstGeom>
+              <a:noFill/>
+            </p:spPr>
+            <p:txBody>
+              <a:bodyPr wrap="none" rtlCol="0">
+                <a:spAutoFit/>
+              </a:bodyPr>
+              <a:lstStyle/>
+              <a:p>
+                <a:r>
+                  <a:rPr lang="en-US" sz="1200" dirty="0"/>
+                  <a:t>Edge Compute</a:t>
+                </a:r>
+              </a:p>
+            </p:txBody>
+          </p:sp>
+          <p:sp>
+            <p:nvSpPr>
+              <p:cNvPr id="103" name="Oval 102">
+                <a:extLst>
+                  <a:ext uri="{FF2B5EF4-FFF2-40B4-BE49-F238E27FC236}">
+                    <a16:creationId xmlns:a16="http://schemas.microsoft.com/office/drawing/2014/main" id="{46E81FC7-5571-325B-11B5-59F4F5BBA2A7}"/>
+                  </a:ext>
+                </a:extLst>
+              </p:cNvPr>
+              <p:cNvSpPr/>
+              <p:nvPr/>
+            </p:nvSpPr>
+            <p:spPr>
+              <a:xfrm>
+                <a:off x="7411333" y="6270497"/>
+                <a:ext cx="219434" cy="219434"/>
+              </a:xfrm>
+              <a:prstGeom prst="ellipse">
+                <a:avLst/>
+              </a:prstGeom>
+              <a:solidFill>
+                <a:schemeClr val="accent6">
+                  <a:lumMod val="75000"/>
+                </a:schemeClr>
+              </a:solidFill>
+              <a:ln w="25400">
+                <a:solidFill>
+                  <a:srgbClr val="FF0000"/>
+                </a:solidFill>
+              </a:ln>
+            </p:spPr>
+            <p:style>
+              <a:lnRef idx="2">
+                <a:schemeClr val="accent1">
+                  <a:shade val="50000"/>
+                </a:schemeClr>
+              </a:lnRef>
+              <a:fillRef idx="1">
+                <a:schemeClr val="accent1"/>
+              </a:fillRef>
+              <a:effectRef idx="0">
+                <a:schemeClr val="accent1"/>
+              </a:effectRef>
+              <a:fontRef idx="minor">
+                <a:schemeClr val="lt1"/>
+              </a:fontRef>
+            </p:style>
+            <p:txBody>
+              <a:bodyPr rtlCol="0" anchor="ctr"/>
+              <a:lstStyle/>
+              <a:p>
+                <a:pPr algn="ctr"/>
+                <a:endParaRPr lang="en-US"/>
+              </a:p>
+            </p:txBody>
+          </p:sp>
+          <p:sp>
+            <p:nvSpPr>
+              <p:cNvPr id="104" name="TextBox 103">
+                <a:extLst>
+                  <a:ext uri="{FF2B5EF4-FFF2-40B4-BE49-F238E27FC236}">
+                    <a16:creationId xmlns:a16="http://schemas.microsoft.com/office/drawing/2014/main" id="{61CB0B57-0F61-2E0A-53B6-C39106F666A5}"/>
+                  </a:ext>
+                </a:extLst>
+              </p:cNvPr>
+              <p:cNvSpPr txBox="1"/>
+              <p:nvPr/>
+            </p:nvSpPr>
+            <p:spPr>
+              <a:xfrm>
+                <a:off x="7654342" y="6241493"/>
+                <a:ext cx="1972528" cy="276999"/>
+              </a:xfrm>
+              <a:prstGeom prst="rect">
+                <a:avLst/>
+              </a:prstGeom>
+              <a:noFill/>
+            </p:spPr>
+            <p:txBody>
+              <a:bodyPr wrap="none" rtlCol="0">
+                <a:spAutoFit/>
+              </a:bodyPr>
+              <a:lstStyle/>
+              <a:p>
+                <a:r>
+                  <a:rPr lang="en-US" sz="1200" dirty="0"/>
+                  <a:t>Edge Compute Control Plane</a:t>
+                </a:r>
+              </a:p>
+            </p:txBody>
+          </p:sp>
+        </p:grpSp>
+        <p:cxnSp>
+          <p:nvCxnSpPr>
+            <p:cNvPr id="112" name="Elbow Connector 111">
+              <a:extLst>
+                <a:ext uri="{FF2B5EF4-FFF2-40B4-BE49-F238E27FC236}">
+                  <a16:creationId xmlns:a16="http://schemas.microsoft.com/office/drawing/2014/main" id="{27E85D25-21DF-9897-FBBD-4D9360CFC228}"/>
+                </a:ext>
+              </a:extLst>
+            </p:cNvPr>
+            <p:cNvCxnSpPr>
+              <a:cxnSpLocks/>
+              <a:stCxn id="16" idx="6"/>
+              <a:endCxn id="32" idx="2"/>
+            </p:cNvCxnSpPr>
+            <p:nvPr/>
+          </p:nvCxnSpPr>
+          <p:spPr>
+            <a:xfrm>
+              <a:off x="8120415" y="3351160"/>
+              <a:ext cx="2409262" cy="2497068"/>
+            </a:xfrm>
+            <a:prstGeom prst="bentConnector3">
+              <a:avLst>
+                <a:gd name="adj1" fmla="val 50000"/>
+              </a:avLst>
+            </a:prstGeom>
+            <a:ln w="15875">
+              <a:solidFill>
+                <a:schemeClr val="bg1">
+                  <a:lumMod val="50000"/>
+                </a:schemeClr>
+              </a:solidFill>
+              <a:prstDash val="sysDash"/>
+            </a:ln>
+          </p:spPr>
+          <p:style>
+            <a:lnRef idx="1">
+              <a:schemeClr val="accent1"/>
+            </a:lnRef>
+            <a:fillRef idx="0">
+              <a:schemeClr val="accent1"/>
+            </a:fillRef>
+            <a:effectRef idx="0">
+              <a:schemeClr val="accent1"/>
+            </a:effectRef>
+            <a:fontRef idx="minor">
+              <a:schemeClr val="tx1"/>
+            </a:fontRef>
+          </p:style>
+        </p:cxnSp>
+      </p:grpSp>
+    </p:spTree>
+    <p:extLst>
+      <p:ext uri="{BB962C8B-B14F-4D97-AF65-F5344CB8AC3E}">
+        <p14:creationId xmlns:p14="http://schemas.microsoft.com/office/powerpoint/2010/main" val="1446777827"/>
+      </p:ext>
+    </p:extLst>
+  </p:cSld>
+  <p:clrMapOvr>
+    <a:masterClrMapping/>
+  </p:clrMapOvr>
+  <p:timing>
+    <p:tnLst>
+      <p:par>
+        <p:cTn id="1" dur="indefinite" restart="never" nodeType="tmRoot">
+          <p:childTnLst>
+            <p:seq concurrent="1" nextAc="seek">
+              <p:cTn id="2" dur="indefinite" nodeType="mainSeq">
+                <p:childTnLst>
+                  <p:par>
+                    <p:cTn id="3" fill="hold">
+                      <p:stCondLst>
+                        <p:cond delay="indefinite"/>
+                      </p:stCondLst>
+                      <p:childTnLst>
+                        <p:par>
+                          <p:cTn id="4" fill="hold">
+                            <p:stCondLst>
+                              <p:cond delay="0"/>
+                            </p:stCondLst>
+                            <p:childTnLst>
+                              <p:par>
+                                <p:cTn id="5" presetID="1" presetClass="entr" presetSubtype="0" fill="hold" nodeType="clickEffect">
+                                  <p:stCondLst>
+                                    <p:cond delay="0"/>
+                                  </p:stCondLst>
+                                  <p:childTnLst>
+                                    <p:set>
+                                      <p:cBhvr>
+                                        <p:cTn id="6" dur="1" fill="hold">
+                                          <p:stCondLst>
+                                            <p:cond delay="0"/>
+                                          </p:stCondLst>
+                                        </p:cTn>
+                                        <p:tgtEl>
+                                          <p:spTgt spid="126"/>
+                                        </p:tgtEl>
+                                        <p:attrNameLst>
+                                          <p:attrName>style.visibility</p:attrName>
+                                        </p:attrNameLst>
+                                      </p:cBhvr>
+                                      <p:to>
+                                        <p:strVal val="visible"/>
+                                      </p:to>
+                                    </p:set>
+                                  </p:childTnLst>
+                                </p:cTn>
+                              </p:par>
+                            </p:childTnLst>
+                          </p:cTn>
+                        </p:par>
+                      </p:childTnLst>
+                    </p:cTn>
+                  </p:par>
+                  <p:par>
+                    <p:cTn id="7" fill="hold">
+                      <p:stCondLst>
+                        <p:cond delay="indefinite"/>
+                      </p:stCondLst>
+                      <p:childTnLst>
+                        <p:par>
+                          <p:cTn id="8" fill="hold">
+                            <p:stCondLst>
+                              <p:cond delay="0"/>
+                            </p:stCondLst>
+                            <p:childTnLst>
+                              <p:par>
+                                <p:cTn id="9" presetID="1" presetClass="entr" presetSubtype="0" fill="hold" nodeType="clickEffect">
+                                  <p:stCondLst>
+                                    <p:cond delay="0"/>
+                                  </p:stCondLst>
+                                  <p:childTnLst>
+                                    <p:set>
+                                      <p:cBhvr>
+                                        <p:cTn id="10" dur="1" fill="hold">
+                                          <p:stCondLst>
+                                            <p:cond delay="0"/>
+                                          </p:stCondLst>
+                                        </p:cTn>
+                                        <p:tgtEl>
+                                          <p:spTgt spid="118"/>
+                                        </p:tgtEl>
+                                        <p:attrNameLst>
+                                          <p:attrName>style.visibility</p:attrName>
+                                        </p:attrNameLst>
+                                      </p:cBhvr>
+                                      <p:to>
+                                        <p:strVal val="visible"/>
+                                      </p:to>
+                                    </p:set>
+                                  </p:childTnLst>
+                                </p:cTn>
+                              </p:par>
+                            </p:childTnLst>
+                          </p:cTn>
+                        </p:par>
+                      </p:childTnLst>
+                    </p:cTn>
+                  </p:par>
+                </p:childTnLst>
+              </p:cTn>
+              <p:prevCondLst>
+                <p:cond evt="onPrev" delay="0">
+                  <p:tgtEl>
+                    <p:sldTgt/>
+                  </p:tgtEl>
+                </p:cond>
+              </p:prevCondLst>
+              <p:nextCondLst>
+                <p:cond evt="onNext" delay="0">
+                  <p:tgtEl>
+                    <p:sldTgt/>
+                  </p:tgtEl>
+                </p:cond>
+              </p:nextCondLst>
+            </p:seq>
+          </p:childTnLst>
+        </p:cTn>
+      </p:par>
+    </p:tnLst>
+  </p:timing>
+</p:sld>
+</file>
+
+<file path=ppt/slides/slide4.xml><?xml version="1.0" encoding="utf-8"?>
+<p:sld xmlns:a="http://schemas.openxmlformats.org/drawingml/2006/main" xmlns:r="http://schemas.openxmlformats.org/officeDocument/2006/relationships" xmlns:p="http://schemas.openxmlformats.org/presentationml/2006/main">
+  <p:cSld>
+    <p:spTree>
+      <p:nvGrpSpPr>
+        <p:cNvPr id="1" name=""/>
+        <p:cNvGrpSpPr/>
+        <p:nvPr/>
+      </p:nvGrpSpPr>
+      <p:grpSpPr>
+        <a:xfrm>
+          <a:off x="0" y="0"/>
+          <a:ext cx="0" cy="0"/>
+          <a:chOff x="0" y="0"/>
+          <a:chExt cx="0" cy="0"/>
+        </a:xfrm>
+      </p:grpSpPr>
+      <p:grpSp>
+        <p:nvGrpSpPr>
+          <p:cNvPr id="55" name="Group 54">
+            <a:extLst>
+              <a:ext uri="{FF2B5EF4-FFF2-40B4-BE49-F238E27FC236}">
+                <a16:creationId xmlns:a16="http://schemas.microsoft.com/office/drawing/2014/main" id="{163F052B-071E-038A-29AF-93B11BC7B155}"/>
+              </a:ext>
+            </a:extLst>
+          </p:cNvPr>
+          <p:cNvGrpSpPr/>
+          <p:nvPr/>
+        </p:nvGrpSpPr>
+        <p:grpSpPr>
+          <a:xfrm>
+            <a:off x="7820564" y="2919235"/>
+            <a:ext cx="4238968" cy="3569904"/>
+            <a:chOff x="7820565" y="2955588"/>
+            <a:chExt cx="4238968" cy="3569904"/>
+          </a:xfrm>
+        </p:grpSpPr>
+        <p:sp>
+          <p:nvSpPr>
+            <p:cNvPr id="20" name="Rounded Rectangle 19">
+              <a:extLst>
+                <a:ext uri="{FF2B5EF4-FFF2-40B4-BE49-F238E27FC236}">
+                  <a16:creationId xmlns:a16="http://schemas.microsoft.com/office/drawing/2014/main" id="{1EE2DFF8-27D7-6E57-B309-61640AE0AF7E}"/>
+                </a:ext>
+              </a:extLst>
+            </p:cNvPr>
+            <p:cNvSpPr/>
+            <p:nvPr/>
+          </p:nvSpPr>
+          <p:spPr>
+            <a:xfrm>
+              <a:off x="7820565" y="3347440"/>
+              <a:ext cx="4238968" cy="3178052"/>
+            </a:xfrm>
+            <a:prstGeom prst="roundRect">
+              <a:avLst/>
+            </a:prstGeom>
+            <a:solidFill>
+              <a:schemeClr val="accent1">
+                <a:lumMod val="20000"/>
+                <a:lumOff val="80000"/>
+                <a:alpha val="46000"/>
+              </a:schemeClr>
+            </a:solidFill>
+          </p:spPr>
+          <p:style>
+            <a:lnRef idx="2">
+              <a:schemeClr val="accent1">
+                <a:shade val="50000"/>
+              </a:schemeClr>
+            </a:lnRef>
+            <a:fillRef idx="1">
+              <a:schemeClr val="accent1"/>
+            </a:fillRef>
+            <a:effectRef idx="0">
+              <a:schemeClr val="accent1"/>
+            </a:effectRef>
+            <a:fontRef idx="minor">
+              <a:schemeClr val="lt1"/>
+            </a:fontRef>
+          </p:style>
+          <p:txBody>
+            <a:bodyPr rtlCol="0" anchor="ctr"/>
+            <a:lstStyle/>
+            <a:p>
+              <a:pPr algn="ctr"/>
+              <a:endParaRPr lang="en-US" dirty="0"/>
+            </a:p>
+          </p:txBody>
+        </p:sp>
+        <p:sp>
+          <p:nvSpPr>
+            <p:cNvPr id="22" name="Rounded Rectangle 21">
+              <a:extLst>
+                <a:ext uri="{FF2B5EF4-FFF2-40B4-BE49-F238E27FC236}">
+                  <a16:creationId xmlns:a16="http://schemas.microsoft.com/office/drawing/2014/main" id="{992F8193-3C08-BC54-22F2-2D88020E856D}"/>
+                </a:ext>
+              </a:extLst>
+            </p:cNvPr>
+            <p:cNvSpPr/>
+            <p:nvPr/>
+          </p:nvSpPr>
+          <p:spPr>
+            <a:xfrm>
+              <a:off x="9126507" y="3816300"/>
+              <a:ext cx="2277283" cy="888641"/>
+            </a:xfrm>
+            <a:prstGeom prst="roundRect">
+              <a:avLst/>
+            </a:prstGeom>
+            <a:solidFill>
+              <a:schemeClr val="accent1">
+                <a:lumMod val="60000"/>
+                <a:lumOff val="40000"/>
+              </a:schemeClr>
+            </a:solidFill>
+            <a:ln>
+              <a:solidFill>
+                <a:schemeClr val="bg2">
+                  <a:lumMod val="50000"/>
+                </a:schemeClr>
+              </a:solidFill>
+            </a:ln>
+            <a:effectLst>
+              <a:outerShdw blurRad="50800" dist="38100" dir="2700000" algn="tl" rotWithShape="0">
+                <a:prstClr val="black">
+                  <a:alpha val="40000"/>
+                </a:prstClr>
+              </a:outerShdw>
+            </a:effectLst>
+          </p:spPr>
+          <p:style>
+            <a:lnRef idx="2">
+              <a:schemeClr val="accent1">
+                <a:shade val="50000"/>
+              </a:schemeClr>
+            </a:lnRef>
+            <a:fillRef idx="1">
+              <a:schemeClr val="accent1"/>
+            </a:fillRef>
+            <a:effectRef idx="0">
+              <a:schemeClr val="accent1"/>
+            </a:effectRef>
+            <a:fontRef idx="minor">
+              <a:schemeClr val="lt1"/>
+            </a:fontRef>
+          </p:style>
+          <p:txBody>
+            <a:bodyPr rtlCol="0" anchor="ctr"/>
+            <a:lstStyle/>
+            <a:p>
+              <a:pPr algn="ctr"/>
+              <a:r>
+                <a:rPr lang="en-US" sz="1400" dirty="0">
+                  <a:solidFill>
+                    <a:schemeClr val="bg1"/>
+                  </a:solidFill>
+                </a:rPr>
+                <a:t>Cloud Compute</a:t>
+              </a:r>
+            </a:p>
+          </p:txBody>
+        </p:sp>
+        <p:sp>
+          <p:nvSpPr>
+            <p:cNvPr id="21" name="Can 20">
+              <a:extLst>
+                <a:ext uri="{FF2B5EF4-FFF2-40B4-BE49-F238E27FC236}">
+                  <a16:creationId xmlns:a16="http://schemas.microsoft.com/office/drawing/2014/main" id="{46A7815E-422D-E272-EAF0-490DB82D4B4A}"/>
+                </a:ext>
+              </a:extLst>
+            </p:cNvPr>
+            <p:cNvSpPr/>
+            <p:nvPr/>
+          </p:nvSpPr>
+          <p:spPr>
+            <a:xfrm>
+              <a:off x="9126507" y="5173583"/>
+              <a:ext cx="1395059" cy="649566"/>
+            </a:xfrm>
+            <a:prstGeom prst="can">
+              <a:avLst/>
+            </a:prstGeom>
+            <a:solidFill>
+              <a:schemeClr val="tx1">
+                <a:lumMod val="50000"/>
+                <a:lumOff val="50000"/>
+              </a:schemeClr>
+            </a:solidFill>
+            <a:ln>
+              <a:solidFill>
+                <a:schemeClr val="bg2">
+                  <a:lumMod val="25000"/>
+                </a:schemeClr>
+              </a:solidFill>
+            </a:ln>
+          </p:spPr>
+          <p:style>
+            <a:lnRef idx="2">
+              <a:schemeClr val="accent1">
+                <a:shade val="50000"/>
+              </a:schemeClr>
+            </a:lnRef>
+            <a:fillRef idx="1">
+              <a:schemeClr val="accent1"/>
+            </a:fillRef>
+            <a:effectRef idx="0">
+              <a:schemeClr val="accent1"/>
+            </a:effectRef>
+            <a:fontRef idx="minor">
+              <a:schemeClr val="lt1"/>
+            </a:fontRef>
+          </p:style>
+          <p:txBody>
+            <a:bodyPr rtlCol="0" anchor="ctr"/>
+            <a:lstStyle/>
+            <a:p>
+              <a:pPr algn="ctr"/>
+              <a:r>
+                <a:rPr lang="en-US" sz="1400" dirty="0"/>
+                <a:t>Cloud Storage</a:t>
+              </a:r>
+            </a:p>
+          </p:txBody>
+        </p:sp>
+        <p:sp>
+          <p:nvSpPr>
+            <p:cNvPr id="48" name="TextBox 47">
+              <a:extLst>
+                <a:ext uri="{FF2B5EF4-FFF2-40B4-BE49-F238E27FC236}">
+                  <a16:creationId xmlns:a16="http://schemas.microsoft.com/office/drawing/2014/main" id="{C28C1FA4-833B-9413-F24A-48FAE6204251}"/>
+                </a:ext>
+              </a:extLst>
+            </p:cNvPr>
+            <p:cNvSpPr txBox="1"/>
+            <p:nvPr/>
+          </p:nvSpPr>
+          <p:spPr>
+            <a:xfrm>
+              <a:off x="10369454" y="2955588"/>
+              <a:ext cx="1345240" cy="369332"/>
+            </a:xfrm>
+            <a:prstGeom prst="rect">
+              <a:avLst/>
+            </a:prstGeom>
+            <a:noFill/>
+          </p:spPr>
+          <p:txBody>
+            <a:bodyPr wrap="none" rtlCol="0">
+              <a:spAutoFit/>
+            </a:bodyPr>
+            <a:lstStyle/>
+            <a:p>
+              <a:r>
+                <a:rPr lang="en-US" dirty="0"/>
+                <a:t>Public Cloud</a:t>
+              </a:r>
+            </a:p>
+          </p:txBody>
+        </p:sp>
+      </p:grpSp>
+      <p:grpSp>
+        <p:nvGrpSpPr>
+          <p:cNvPr id="49" name="Group 48">
+            <a:extLst>
+              <a:ext uri="{FF2B5EF4-FFF2-40B4-BE49-F238E27FC236}">
+                <a16:creationId xmlns:a16="http://schemas.microsoft.com/office/drawing/2014/main" id="{061EF37F-5811-68AC-3962-13602611B92B}"/>
+              </a:ext>
+            </a:extLst>
+          </p:cNvPr>
+          <p:cNvGrpSpPr/>
+          <p:nvPr/>
+        </p:nvGrpSpPr>
+        <p:grpSpPr>
+          <a:xfrm>
+            <a:off x="6334276" y="3347439"/>
+            <a:ext cx="924332" cy="623017"/>
+            <a:chOff x="6334276" y="3347439"/>
+            <a:chExt cx="924332" cy="623017"/>
+          </a:xfrm>
+        </p:grpSpPr>
+        <p:pic>
+          <p:nvPicPr>
+            <p:cNvPr id="36" name="Picture 2" descr="Hospital Free Icon of 780 Free Vector Emoji">
+              <a:extLst>
+                <a:ext uri="{FF2B5EF4-FFF2-40B4-BE49-F238E27FC236}">
+                  <a16:creationId xmlns:a16="http://schemas.microsoft.com/office/drawing/2014/main" id="{252AAF60-4921-2030-EFFF-345270E2E667}"/>
+                </a:ext>
+              </a:extLst>
+            </p:cNvPr>
+            <p:cNvPicPr>
+              <a:picLocks noChangeAspect="1" noChangeArrowheads="1"/>
+            </p:cNvPicPr>
+            <p:nvPr/>
+          </p:nvPicPr>
+          <p:blipFill rotWithShape="1">
+            <a:blip r:embed="rId2">
+              <a:extLst>
+                <a:ext uri="{28A0092B-C50C-407E-A947-70E740481C1C}">
+                  <a14:useLocalDpi xmlns:a14="http://schemas.microsoft.com/office/drawing/2010/main" val="0"/>
+                </a:ext>
+              </a:extLst>
+            </a:blip>
+            <a:srcRect t="12762"/>
+            <a:stretch/>
+          </p:blipFill>
+          <p:spPr bwMode="auto">
+            <a:xfrm>
+              <a:off x="6713817" y="3347439"/>
+              <a:ext cx="544791" cy="475264"/>
+            </a:xfrm>
+            <a:prstGeom prst="rect">
+              <a:avLst/>
+            </a:prstGeom>
+            <a:noFill/>
+            <a:extLst>
+              <a:ext uri="{909E8E84-426E-40DD-AFC4-6F175D3DCCD1}">
+                <a14:hiddenFill xmlns:a14="http://schemas.microsoft.com/office/drawing/2010/main">
+                  <a:solidFill>
+                    <a:srgbClr val="FFFFFF"/>
+                  </a:solidFill>
+                </a14:hiddenFill>
+              </a:ext>
+            </a:extLst>
+          </p:spPr>
+        </p:pic>
+        <p:pic>
+          <p:nvPicPr>
+            <p:cNvPr id="35" name="Picture 2" descr="Hospital Free Icon of 780 Free Vector Emoji">
+              <a:extLst>
+                <a:ext uri="{FF2B5EF4-FFF2-40B4-BE49-F238E27FC236}">
+                  <a16:creationId xmlns:a16="http://schemas.microsoft.com/office/drawing/2014/main" id="{6F9E05AC-BDEB-1D7C-3FE6-42D6C560DAB0}"/>
+                </a:ext>
+              </a:extLst>
+            </p:cNvPr>
+            <p:cNvPicPr>
+              <a:picLocks noChangeAspect="1" noChangeArrowheads="1"/>
+            </p:cNvPicPr>
+            <p:nvPr/>
+          </p:nvPicPr>
+          <p:blipFill rotWithShape="1">
+            <a:blip r:embed="rId2">
+              <a:extLst>
+                <a:ext uri="{28A0092B-C50C-407E-A947-70E740481C1C}">
+                  <a14:useLocalDpi xmlns:a14="http://schemas.microsoft.com/office/drawing/2010/main" val="0"/>
+                </a:ext>
+              </a:extLst>
+            </a:blip>
+            <a:srcRect t="12762"/>
+            <a:stretch/>
+          </p:blipFill>
+          <p:spPr bwMode="auto">
+            <a:xfrm>
+              <a:off x="6334276" y="3495192"/>
+              <a:ext cx="544791" cy="475264"/>
+            </a:xfrm>
+            <a:prstGeom prst="rect">
+              <a:avLst/>
+            </a:prstGeom>
+            <a:noFill/>
+            <a:extLst>
+              <a:ext uri="{909E8E84-426E-40DD-AFC4-6F175D3DCCD1}">
+                <a14:hiddenFill xmlns:a14="http://schemas.microsoft.com/office/drawing/2010/main">
+                  <a:solidFill>
+                    <a:srgbClr val="FFFFFF"/>
+                  </a:solidFill>
+                </a14:hiddenFill>
+              </a:ext>
+            </a:extLst>
+          </p:spPr>
+        </p:pic>
+      </p:grpSp>
+      <p:sp>
+        <p:nvSpPr>
+          <p:cNvPr id="2" name="Title 1">
+            <a:extLst>
+              <a:ext uri="{FF2B5EF4-FFF2-40B4-BE49-F238E27FC236}">
+                <a16:creationId xmlns:a16="http://schemas.microsoft.com/office/drawing/2014/main" id="{6E0A8DDD-EFAE-A968-F04E-7C1DD38C8A09}"/>
+              </a:ext>
+            </a:extLst>
+          </p:cNvPr>
+          <p:cNvSpPr>
+            <a:spLocks noGrp="1"/>
+          </p:cNvSpPr>
+          <p:nvPr>
+            <p:ph type="title"/>
+          </p:nvPr>
+        </p:nvSpPr>
+        <p:spPr>
+          <a:xfrm>
+            <a:off x="218210" y="209262"/>
+            <a:ext cx="10515600" cy="1325563"/>
+          </a:xfrm>
+        </p:spPr>
+        <p:txBody>
+          <a:bodyPr/>
+          <a:lstStyle/>
+          <a:p>
+            <a:r>
+              <a:rPr lang="en-US" u="sng" dirty="0"/>
+              <a:t>Internship Period</a:t>
+            </a:r>
+            <a:r>
+              <a:rPr lang="en-US" dirty="0"/>
+              <a:t>:  </a:t>
+            </a:r>
+            <a:r>
+              <a:rPr lang="en-US" b="1" dirty="0"/>
+              <a:t>7</a:t>
+            </a:r>
+            <a:r>
+              <a:rPr lang="en-US" dirty="0"/>
+              <a:t> weeks </a:t>
+            </a:r>
+            <a:r>
+              <a:rPr lang="en-US" sz="1400" dirty="0"/>
+              <a:t>(1.75 months)</a:t>
+            </a:r>
+            <a:endParaRPr lang="en-US" dirty="0"/>
+          </a:p>
+        </p:txBody>
+      </p:sp>
+      <p:sp>
+        <p:nvSpPr>
+          <p:cNvPr id="6" name="Title 1">
+            <a:extLst>
+              <a:ext uri="{FF2B5EF4-FFF2-40B4-BE49-F238E27FC236}">
+                <a16:creationId xmlns:a16="http://schemas.microsoft.com/office/drawing/2014/main" id="{2D2A47C3-D359-8E34-77DF-31E27259D220}"/>
+              </a:ext>
+            </a:extLst>
+          </p:cNvPr>
+          <p:cNvSpPr txBox="1">
+            <a:spLocks/>
+          </p:cNvSpPr>
+          <p:nvPr/>
+        </p:nvSpPr>
+        <p:spPr>
+          <a:xfrm>
+            <a:off x="218210" y="1672936"/>
+            <a:ext cx="10823864" cy="1156854"/>
+          </a:xfrm>
+          <a:prstGeom prst="rect">
+            <a:avLst/>
+          </a:prstGeom>
+        </p:spPr>
+        <p:txBody>
+          <a:bodyPr vert="horz" lIns="91440" tIns="45720" rIns="91440" bIns="45720" rtlCol="0" anchor="ctr">
+            <a:normAutofit/>
+          </a:bodyPr>
+          <a:lstStyle>
+            <a:lvl1pPr algn="l" defTabSz="914400" rtl="0" eaLnBrk="1" latinLnBrk="0" hangingPunct="1">
+              <a:lnSpc>
+                <a:spcPct val="90000"/>
+              </a:lnSpc>
+              <a:spcBef>
+                <a:spcPct val="0"/>
+              </a:spcBef>
+              <a:buNone/>
+              <a:defRPr sz="4400" kern="1200">
+                <a:solidFill>
+                  <a:schemeClr val="tx1"/>
+                </a:solidFill>
+                <a:latin typeface="+mj-lt"/>
+                <a:ea typeface="+mj-ea"/>
+                <a:cs typeface="+mj-cs"/>
+              </a:defRPr>
+            </a:lvl1pPr>
+          </a:lstStyle>
+          <a:p>
+            <a:r>
+              <a:rPr lang="en-US" u="sng" dirty="0"/>
+              <a:t>Goal</a:t>
+            </a:r>
+            <a:r>
+              <a:rPr lang="en-US" dirty="0"/>
+              <a:t>: End-to-end setup following the data flow</a:t>
+            </a:r>
+          </a:p>
+        </p:txBody>
+      </p:sp>
+      <p:pic>
+        <p:nvPicPr>
+          <p:cNvPr id="16" name="Picture 15">
+            <a:extLst>
+              <a:ext uri="{FF2B5EF4-FFF2-40B4-BE49-F238E27FC236}">
+                <a16:creationId xmlns:a16="http://schemas.microsoft.com/office/drawing/2014/main" id="{C9DAD666-7D8B-A7DA-BD92-B5D01B0A68CC}"/>
+              </a:ext>
+            </a:extLst>
+          </p:cNvPr>
+          <p:cNvPicPr>
+            <a:picLocks noChangeAspect="1"/>
+          </p:cNvPicPr>
+          <p:nvPr/>
+        </p:nvPicPr>
+        <p:blipFill>
+          <a:blip r:embed="rId3"/>
+          <a:stretch>
+            <a:fillRect/>
+          </a:stretch>
+        </p:blipFill>
+        <p:spPr>
+          <a:xfrm>
+            <a:off x="940585" y="3758415"/>
+            <a:ext cx="924333" cy="1549320"/>
+          </a:xfrm>
+          <a:prstGeom prst="rect">
+            <a:avLst/>
+          </a:prstGeom>
+        </p:spPr>
+      </p:pic>
+      <p:grpSp>
+        <p:nvGrpSpPr>
+          <p:cNvPr id="46" name="Group 45">
+            <a:extLst>
+              <a:ext uri="{FF2B5EF4-FFF2-40B4-BE49-F238E27FC236}">
+                <a16:creationId xmlns:a16="http://schemas.microsoft.com/office/drawing/2014/main" id="{4D359AEC-218E-6324-9A51-37C88CD66DD8}"/>
+              </a:ext>
+            </a:extLst>
+          </p:cNvPr>
+          <p:cNvGrpSpPr/>
+          <p:nvPr/>
+        </p:nvGrpSpPr>
+        <p:grpSpPr>
+          <a:xfrm>
+            <a:off x="3672379" y="3732824"/>
+            <a:ext cx="2839274" cy="2069411"/>
+            <a:chOff x="3672379" y="3732824"/>
+            <a:chExt cx="2839274" cy="2069411"/>
+          </a:xfrm>
+        </p:grpSpPr>
+        <p:sp>
+          <p:nvSpPr>
+            <p:cNvPr id="17" name="Rounded Rectangle 16">
+              <a:extLst>
+                <a:ext uri="{FF2B5EF4-FFF2-40B4-BE49-F238E27FC236}">
+                  <a16:creationId xmlns:a16="http://schemas.microsoft.com/office/drawing/2014/main" id="{FA7353B0-DAE2-6684-45E6-FBD0ED0B7A56}"/>
+                </a:ext>
+              </a:extLst>
+            </p:cNvPr>
+            <p:cNvSpPr/>
+            <p:nvPr/>
+          </p:nvSpPr>
+          <p:spPr>
+            <a:xfrm>
+              <a:off x="3672379" y="4282041"/>
+              <a:ext cx="2340724" cy="1520194"/>
+            </a:xfrm>
+            <a:prstGeom prst="roundRect">
+              <a:avLst/>
+            </a:prstGeom>
+            <a:solidFill>
+              <a:schemeClr val="bg1">
+                <a:lumMod val="95000"/>
+              </a:schemeClr>
+            </a:solidFill>
+            <a:ln>
+              <a:solidFill>
+                <a:schemeClr val="bg1">
+                  <a:lumMod val="50000"/>
+                </a:schemeClr>
+              </a:solidFill>
+              <a:prstDash val="sysDot"/>
+            </a:ln>
+          </p:spPr>
+          <p:style>
+            <a:lnRef idx="2">
+              <a:schemeClr val="accent1">
+                <a:shade val="50000"/>
+              </a:schemeClr>
+            </a:lnRef>
+            <a:fillRef idx="1">
+              <a:schemeClr val="accent1"/>
+            </a:fillRef>
+            <a:effectRef idx="0">
+              <a:schemeClr val="accent1"/>
+            </a:effectRef>
+            <a:fontRef idx="minor">
+              <a:schemeClr val="lt1"/>
+            </a:fontRef>
+          </p:style>
+          <p:txBody>
+            <a:bodyPr rtlCol="0" anchor="ctr"/>
+            <a:lstStyle/>
+            <a:p>
+              <a:pPr algn="ctr"/>
+              <a:endParaRPr lang="en-US" dirty="0"/>
+            </a:p>
+          </p:txBody>
+        </p:sp>
+        <p:pic>
+          <p:nvPicPr>
+            <p:cNvPr id="18" name="Picture 2" descr="Hospital Free Icon of 780 Free Vector Emoji">
+              <a:extLst>
+                <a:ext uri="{FF2B5EF4-FFF2-40B4-BE49-F238E27FC236}">
+                  <a16:creationId xmlns:a16="http://schemas.microsoft.com/office/drawing/2014/main" id="{12A4B133-D665-6E01-B080-F12573FE8383}"/>
+                </a:ext>
+              </a:extLst>
+            </p:cNvPr>
+            <p:cNvPicPr>
+              <a:picLocks noChangeAspect="1" noChangeArrowheads="1"/>
+            </p:cNvPicPr>
+            <p:nvPr/>
+          </p:nvPicPr>
+          <p:blipFill rotWithShape="1">
+            <a:blip r:embed="rId4">
+              <a:extLst>
+                <a:ext uri="{28A0092B-C50C-407E-A947-70E740481C1C}">
+                  <a14:useLocalDpi xmlns:a14="http://schemas.microsoft.com/office/drawing/2010/main" val="0"/>
+                </a:ext>
+              </a:extLst>
+            </a:blip>
+            <a:srcRect t="12762"/>
+            <a:stretch/>
+          </p:blipFill>
+          <p:spPr bwMode="auto">
+            <a:xfrm>
+              <a:off x="5587321" y="3732824"/>
+              <a:ext cx="924332" cy="806367"/>
+            </a:xfrm>
+            <a:prstGeom prst="rect">
+              <a:avLst/>
+            </a:prstGeom>
+            <a:noFill/>
+            <a:extLst>
+              <a:ext uri="{909E8E84-426E-40DD-AFC4-6F175D3DCCD1}">
+                <a14:hiddenFill xmlns:a14="http://schemas.microsoft.com/office/drawing/2010/main">
+                  <a:solidFill>
+                    <a:srgbClr val="FFFFFF"/>
+                  </a:solidFill>
+                </a14:hiddenFill>
+              </a:ext>
+            </a:extLst>
+          </p:spPr>
+        </p:pic>
+        <p:sp>
+          <p:nvSpPr>
+            <p:cNvPr id="19" name="TextBox 18">
+              <a:extLst>
+                <a:ext uri="{FF2B5EF4-FFF2-40B4-BE49-F238E27FC236}">
+                  <a16:creationId xmlns:a16="http://schemas.microsoft.com/office/drawing/2014/main" id="{0B1B3598-5F5F-4FC6-6CF2-F9CBF6CB36B8}"/>
+                </a:ext>
+              </a:extLst>
+            </p:cNvPr>
+            <p:cNvSpPr txBox="1"/>
+            <p:nvPr/>
+          </p:nvSpPr>
+          <p:spPr>
+            <a:xfrm>
+              <a:off x="3998211" y="3923787"/>
+              <a:ext cx="1576522" cy="307777"/>
+            </a:xfrm>
+            <a:prstGeom prst="rect">
+              <a:avLst/>
+            </a:prstGeom>
+            <a:noFill/>
+          </p:spPr>
+          <p:txBody>
+            <a:bodyPr wrap="none" rtlCol="0">
+              <a:spAutoFit/>
+            </a:bodyPr>
+            <a:lstStyle/>
+            <a:p>
+              <a:r>
+                <a:rPr lang="en-US" altLang="zh-CN" sz="1400" dirty="0"/>
+                <a:t>Edge (e.g.) hospital</a:t>
+              </a:r>
+              <a:endParaRPr lang="en-US" sz="1400" dirty="0"/>
+            </a:p>
+          </p:txBody>
+        </p:sp>
+      </p:grpSp>
+      <p:sp>
+        <p:nvSpPr>
+          <p:cNvPr id="26" name="Regular Pentagon 25">
+            <a:extLst>
+              <a:ext uri="{FF2B5EF4-FFF2-40B4-BE49-F238E27FC236}">
+                <a16:creationId xmlns:a16="http://schemas.microsoft.com/office/drawing/2014/main" id="{551779FE-2EC6-95E9-4810-1ACC2C0AF130}"/>
+              </a:ext>
+            </a:extLst>
+          </p:cNvPr>
+          <p:cNvSpPr/>
+          <p:nvPr/>
+        </p:nvSpPr>
+        <p:spPr>
+          <a:xfrm>
+            <a:off x="3846086" y="4704187"/>
+            <a:ext cx="960120" cy="914400"/>
+          </a:xfrm>
+          <a:prstGeom prst="pentagon">
+            <a:avLst/>
+          </a:prstGeom>
+          <a:solidFill>
+            <a:schemeClr val="accent1">
+              <a:lumMod val="20000"/>
+              <a:lumOff val="80000"/>
+            </a:schemeClr>
+          </a:solidFill>
+        </p:spPr>
+        <p:style>
+          <a:lnRef idx="2">
+            <a:schemeClr val="accent1">
+              <a:shade val="50000"/>
+            </a:schemeClr>
+          </a:lnRef>
+          <a:fillRef idx="1">
+            <a:schemeClr val="accent1"/>
+          </a:fillRef>
+          <a:effectRef idx="0">
+            <a:schemeClr val="accent1"/>
+          </a:effectRef>
+          <a:fontRef idx="minor">
+            <a:schemeClr val="lt1"/>
+          </a:fontRef>
+        </p:style>
+        <p:txBody>
+          <a:bodyPr rtlCol="0" anchor="ctr"/>
+          <a:lstStyle/>
+          <a:p>
+            <a:pPr algn="ctr"/>
+            <a:endParaRPr lang="en-US" dirty="0"/>
+          </a:p>
+        </p:txBody>
+      </p:sp>
+      <p:grpSp>
+        <p:nvGrpSpPr>
+          <p:cNvPr id="45" name="Group 44">
+            <a:extLst>
+              <a:ext uri="{FF2B5EF4-FFF2-40B4-BE49-F238E27FC236}">
+                <a16:creationId xmlns:a16="http://schemas.microsoft.com/office/drawing/2014/main" id="{931B7BD6-DB35-AD33-37C4-BEF7C838A031}"/>
+              </a:ext>
+            </a:extLst>
+          </p:cNvPr>
+          <p:cNvGrpSpPr/>
+          <p:nvPr/>
+        </p:nvGrpSpPr>
+        <p:grpSpPr>
+          <a:xfrm>
+            <a:off x="3975729" y="4893986"/>
+            <a:ext cx="2070221" cy="644236"/>
+            <a:chOff x="3975729" y="4893986"/>
+            <a:chExt cx="2070221" cy="644236"/>
+          </a:xfrm>
+        </p:grpSpPr>
+        <p:sp>
+          <p:nvSpPr>
+            <p:cNvPr id="27" name="Oval 26">
+              <a:extLst>
+                <a:ext uri="{FF2B5EF4-FFF2-40B4-BE49-F238E27FC236}">
+                  <a16:creationId xmlns:a16="http://schemas.microsoft.com/office/drawing/2014/main" id="{7523C3F9-FA21-059B-BC03-F2993A2E51CF}"/>
+                </a:ext>
+              </a:extLst>
+            </p:cNvPr>
+            <p:cNvSpPr/>
+            <p:nvPr/>
+          </p:nvSpPr>
+          <p:spPr>
+            <a:xfrm>
+              <a:off x="3975729" y="4893986"/>
+              <a:ext cx="700834" cy="644236"/>
+            </a:xfrm>
+            <a:prstGeom prst="ellipse">
+              <a:avLst/>
+            </a:prstGeom>
+            <a:solidFill>
+              <a:schemeClr val="accent4">
+                <a:lumMod val="20000"/>
+                <a:lumOff val="80000"/>
+              </a:schemeClr>
+            </a:solidFill>
+            <a:ln>
+              <a:solidFill>
+                <a:schemeClr val="tx1">
+                  <a:lumMod val="75000"/>
+                  <a:lumOff val="25000"/>
+                </a:schemeClr>
+              </a:solidFill>
+            </a:ln>
+          </p:spPr>
+          <p:style>
+            <a:lnRef idx="2">
+              <a:schemeClr val="accent1">
+                <a:shade val="50000"/>
+              </a:schemeClr>
+            </a:lnRef>
+            <a:fillRef idx="1">
+              <a:schemeClr val="accent1"/>
+            </a:fillRef>
+            <a:effectRef idx="0">
+              <a:schemeClr val="accent1"/>
+            </a:effectRef>
+            <a:fontRef idx="minor">
+              <a:schemeClr val="lt1"/>
+            </a:fontRef>
+          </p:style>
+          <p:txBody>
+            <a:bodyPr rtlCol="0" anchor="ctr"/>
+            <a:lstStyle/>
+            <a:p>
+              <a:pPr algn="ctr"/>
+              <a:r>
+                <a:rPr lang="en-US" sz="1200" dirty="0">
+                  <a:solidFill>
+                    <a:schemeClr val="tx1"/>
+                  </a:solidFill>
+                </a:rPr>
+                <a:t>Edge APP</a:t>
+              </a:r>
+            </a:p>
+          </p:txBody>
+        </p:sp>
+        <p:sp>
+          <p:nvSpPr>
+            <p:cNvPr id="29" name="TextBox 28">
+              <a:extLst>
+                <a:ext uri="{FF2B5EF4-FFF2-40B4-BE49-F238E27FC236}">
+                  <a16:creationId xmlns:a16="http://schemas.microsoft.com/office/drawing/2014/main" id="{A6D83111-C9BC-7EC1-2D1A-AD1F9A34B43E}"/>
+                </a:ext>
+              </a:extLst>
+            </p:cNvPr>
+            <p:cNvSpPr txBox="1"/>
+            <p:nvPr/>
+          </p:nvSpPr>
+          <p:spPr>
+            <a:xfrm>
+              <a:off x="4729564" y="5013094"/>
+              <a:ext cx="1316386" cy="430887"/>
+            </a:xfrm>
+            <a:prstGeom prst="rect">
+              <a:avLst/>
+            </a:prstGeom>
+            <a:noFill/>
+          </p:spPr>
+          <p:txBody>
+            <a:bodyPr wrap="none" rtlCol="0">
+              <a:spAutoFit/>
+            </a:bodyPr>
+            <a:lstStyle/>
+            <a:p>
+              <a:pPr marL="285750" indent="-285750">
+                <a:buFont typeface="Arial" panose="020B0604020202020204" pitchFamily="34" charset="0"/>
+                <a:buChar char="•"/>
+              </a:pPr>
+              <a:r>
+                <a:rPr lang="en-US" sz="1100" dirty="0"/>
+                <a:t>Cleansing</a:t>
+              </a:r>
+            </a:p>
+            <a:p>
+              <a:pPr marL="285750" indent="-285750">
+                <a:buFont typeface="Arial" panose="020B0604020202020204" pitchFamily="34" charset="0"/>
+                <a:buChar char="•"/>
+              </a:pPr>
+              <a:r>
+                <a:rPr lang="en-US" sz="1100" dirty="0"/>
+                <a:t>Pre-processing</a:t>
+              </a:r>
+            </a:p>
+          </p:txBody>
+        </p:sp>
+      </p:grpSp>
+      <p:grpSp>
+        <p:nvGrpSpPr>
+          <p:cNvPr id="52" name="Group 51">
+            <a:extLst>
+              <a:ext uri="{FF2B5EF4-FFF2-40B4-BE49-F238E27FC236}">
+                <a16:creationId xmlns:a16="http://schemas.microsoft.com/office/drawing/2014/main" id="{E1E1887C-A51C-0BB5-AEB2-3D0FA315696A}"/>
+              </a:ext>
+            </a:extLst>
+          </p:cNvPr>
+          <p:cNvGrpSpPr/>
+          <p:nvPr/>
+        </p:nvGrpSpPr>
+        <p:grpSpPr>
+          <a:xfrm>
+            <a:off x="1949702" y="4992960"/>
+            <a:ext cx="750616" cy="939851"/>
+            <a:chOff x="1949702" y="4992960"/>
+            <a:chExt cx="750616" cy="939851"/>
+          </a:xfrm>
+        </p:grpSpPr>
+        <p:pic>
+          <p:nvPicPr>
+            <p:cNvPr id="11" name="Graphic 10" descr="Document outline">
+              <a:extLst>
+                <a:ext uri="{FF2B5EF4-FFF2-40B4-BE49-F238E27FC236}">
+                  <a16:creationId xmlns:a16="http://schemas.microsoft.com/office/drawing/2014/main" id="{23135770-9F84-E49E-CFB3-B656CA124319}"/>
+                </a:ext>
+              </a:extLst>
+            </p:cNvPr>
+            <p:cNvPicPr>
+              <a:picLocks noChangeAspect="1"/>
+            </p:cNvPicPr>
+            <p:nvPr/>
+          </p:nvPicPr>
+          <p:blipFill>
+            <a:blip r:embed="rId5">
+              <a:extLst>
+                <a:ext uri="{96DAC541-7B7A-43D3-8B79-37D633B846F1}">
+                  <asvg:svgBlip xmlns:asvg="http://schemas.microsoft.com/office/drawing/2016/SVG/main" r:embed="rId6"/>
+                </a:ext>
+              </a:extLst>
+            </a:blip>
+            <a:stretch>
+              <a:fillRect/>
+            </a:stretch>
+          </p:blipFill>
+          <p:spPr>
+            <a:xfrm>
+              <a:off x="1949702" y="4992960"/>
+              <a:ext cx="750616" cy="750616"/>
+            </a:xfrm>
+            <a:prstGeom prst="rect">
+              <a:avLst/>
+            </a:prstGeom>
+          </p:spPr>
+        </p:pic>
+        <p:sp>
+          <p:nvSpPr>
+            <p:cNvPr id="38" name="Oval 37">
+              <a:extLst>
+                <a:ext uri="{FF2B5EF4-FFF2-40B4-BE49-F238E27FC236}">
+                  <a16:creationId xmlns:a16="http://schemas.microsoft.com/office/drawing/2014/main" id="{B9C1019B-5F51-D962-7457-D715D14170E3}"/>
+                </a:ext>
+              </a:extLst>
+            </p:cNvPr>
+            <p:cNvSpPr/>
+            <p:nvPr/>
+          </p:nvSpPr>
+          <p:spPr>
+            <a:xfrm>
+              <a:off x="2220142" y="5723075"/>
+              <a:ext cx="209736" cy="209736"/>
+            </a:xfrm>
+            <a:prstGeom prst="ellipse">
+              <a:avLst/>
+            </a:prstGeom>
+            <a:solidFill>
+              <a:srgbClr val="FFFF00"/>
+            </a:solidFill>
+          </p:spPr>
+          <p:style>
+            <a:lnRef idx="2">
+              <a:schemeClr val="accent1">
+                <a:shade val="50000"/>
+              </a:schemeClr>
+            </a:lnRef>
+            <a:fillRef idx="1">
+              <a:schemeClr val="accent1"/>
+            </a:fillRef>
+            <a:effectRef idx="0">
+              <a:schemeClr val="accent1"/>
+            </a:effectRef>
+            <a:fontRef idx="minor">
+              <a:schemeClr val="lt1"/>
+            </a:fontRef>
+          </p:style>
+          <p:txBody>
+            <a:bodyPr rtlCol="0" anchor="ctr"/>
+            <a:lstStyle/>
+            <a:p>
+              <a:pPr algn="ctr"/>
+              <a:r>
+                <a:rPr lang="en-US" sz="1100" dirty="0">
+                  <a:solidFill>
+                    <a:schemeClr val="tx1"/>
+                  </a:solidFill>
+                </a:rPr>
+                <a:t>1</a:t>
+              </a:r>
+            </a:p>
+          </p:txBody>
+        </p:sp>
+      </p:grpSp>
+      <p:grpSp>
+        <p:nvGrpSpPr>
+          <p:cNvPr id="53" name="Group 52">
+            <a:extLst>
+              <a:ext uri="{FF2B5EF4-FFF2-40B4-BE49-F238E27FC236}">
+                <a16:creationId xmlns:a16="http://schemas.microsoft.com/office/drawing/2014/main" id="{9CD7F3AA-5151-D92E-759A-88B40163F980}"/>
+              </a:ext>
+            </a:extLst>
+          </p:cNvPr>
+          <p:cNvGrpSpPr/>
+          <p:nvPr/>
+        </p:nvGrpSpPr>
+        <p:grpSpPr>
+          <a:xfrm>
+            <a:off x="6050284" y="5319964"/>
+            <a:ext cx="597920" cy="816850"/>
+            <a:chOff x="6050284" y="5319964"/>
+            <a:chExt cx="597920" cy="816850"/>
+          </a:xfrm>
+        </p:grpSpPr>
+        <p:pic>
+          <p:nvPicPr>
+            <p:cNvPr id="32" name="Graphic 31" descr="Document outline">
+              <a:extLst>
+                <a:ext uri="{FF2B5EF4-FFF2-40B4-BE49-F238E27FC236}">
+                  <a16:creationId xmlns:a16="http://schemas.microsoft.com/office/drawing/2014/main" id="{53A41CAE-DA83-7514-ACF8-44FA671FB229}"/>
+                </a:ext>
+              </a:extLst>
+            </p:cNvPr>
+            <p:cNvPicPr>
+              <a:picLocks noChangeAspect="1"/>
+            </p:cNvPicPr>
+            <p:nvPr/>
+          </p:nvPicPr>
+          <p:blipFill>
+            <a:blip r:embed="rId5">
+              <a:extLst>
+                <a:ext uri="{96DAC541-7B7A-43D3-8B79-37D633B846F1}">
+                  <asvg:svgBlip xmlns:asvg="http://schemas.microsoft.com/office/drawing/2016/SVG/main" r:embed="rId6"/>
+                </a:ext>
+              </a:extLst>
+            </a:blip>
+            <a:stretch>
+              <a:fillRect/>
+            </a:stretch>
+          </p:blipFill>
+          <p:spPr>
+            <a:xfrm>
+              <a:off x="6050284" y="5319964"/>
+              <a:ext cx="597920" cy="597920"/>
+            </a:xfrm>
+            <a:prstGeom prst="rect">
+              <a:avLst/>
+            </a:prstGeom>
+          </p:spPr>
+        </p:pic>
+        <p:sp>
+          <p:nvSpPr>
+            <p:cNvPr id="39" name="Oval 38">
+              <a:extLst>
+                <a:ext uri="{FF2B5EF4-FFF2-40B4-BE49-F238E27FC236}">
+                  <a16:creationId xmlns:a16="http://schemas.microsoft.com/office/drawing/2014/main" id="{B4932259-8FCB-5CB1-D0D7-4B44F5250FB8}"/>
+                </a:ext>
+              </a:extLst>
+            </p:cNvPr>
+            <p:cNvSpPr/>
+            <p:nvPr/>
+          </p:nvSpPr>
+          <p:spPr>
+            <a:xfrm>
+              <a:off x="6244376" y="5927078"/>
+              <a:ext cx="209736" cy="209736"/>
+            </a:xfrm>
+            <a:prstGeom prst="ellipse">
+              <a:avLst/>
+            </a:prstGeom>
+            <a:solidFill>
+              <a:srgbClr val="FFFF00"/>
+            </a:solidFill>
+          </p:spPr>
+          <p:style>
+            <a:lnRef idx="2">
+              <a:schemeClr val="accent1">
+                <a:shade val="50000"/>
+              </a:schemeClr>
+            </a:lnRef>
+            <a:fillRef idx="1">
+              <a:schemeClr val="accent1"/>
+            </a:fillRef>
+            <a:effectRef idx="0">
+              <a:schemeClr val="accent1"/>
+            </a:effectRef>
+            <a:fontRef idx="minor">
+              <a:schemeClr val="lt1"/>
+            </a:fontRef>
+          </p:style>
+          <p:txBody>
+            <a:bodyPr rtlCol="0" anchor="ctr"/>
+            <a:lstStyle/>
+            <a:p>
+              <a:pPr algn="ctr"/>
+              <a:r>
+                <a:rPr lang="en-US" sz="1100" dirty="0">
+                  <a:solidFill>
+                    <a:schemeClr val="tx1"/>
+                  </a:solidFill>
+                </a:rPr>
+                <a:t>2</a:t>
+              </a:r>
+            </a:p>
+          </p:txBody>
+        </p:sp>
+      </p:grpSp>
+      <p:grpSp>
+        <p:nvGrpSpPr>
+          <p:cNvPr id="51" name="Group 50">
+            <a:extLst>
+              <a:ext uri="{FF2B5EF4-FFF2-40B4-BE49-F238E27FC236}">
+                <a16:creationId xmlns:a16="http://schemas.microsoft.com/office/drawing/2014/main" id="{D7E9D900-62E5-04BC-996E-7A188371101C}"/>
+              </a:ext>
+            </a:extLst>
+          </p:cNvPr>
+          <p:cNvGrpSpPr/>
+          <p:nvPr/>
+        </p:nvGrpSpPr>
+        <p:grpSpPr>
+          <a:xfrm>
+            <a:off x="8564954" y="5143412"/>
+            <a:ext cx="3396885" cy="1030112"/>
+            <a:chOff x="8564954" y="5143412"/>
+            <a:chExt cx="3396885" cy="1030112"/>
+          </a:xfrm>
+        </p:grpSpPr>
+        <p:sp>
+          <p:nvSpPr>
+            <p:cNvPr id="34" name="TextBox 33">
+              <a:extLst>
+                <a:ext uri="{FF2B5EF4-FFF2-40B4-BE49-F238E27FC236}">
+                  <a16:creationId xmlns:a16="http://schemas.microsoft.com/office/drawing/2014/main" id="{77CBC034-B69A-BD67-89A4-DA2F10C7711C}"/>
+                </a:ext>
+              </a:extLst>
+            </p:cNvPr>
+            <p:cNvSpPr txBox="1"/>
+            <p:nvPr/>
+          </p:nvSpPr>
+          <p:spPr>
+            <a:xfrm>
+              <a:off x="10590951" y="5143412"/>
+              <a:ext cx="1370888" cy="600164"/>
+            </a:xfrm>
+            <a:prstGeom prst="rect">
+              <a:avLst/>
+            </a:prstGeom>
+            <a:noFill/>
+          </p:spPr>
+          <p:txBody>
+            <a:bodyPr wrap="none" rtlCol="0">
+              <a:spAutoFit/>
+            </a:bodyPr>
+            <a:lstStyle/>
+            <a:p>
+              <a:pPr marL="285750" indent="-285750">
+                <a:buFont typeface="Arial" panose="020B0604020202020204" pitchFamily="34" charset="0"/>
+                <a:buChar char="•"/>
+              </a:pPr>
+              <a:r>
+                <a:rPr lang="en-US" sz="1100" dirty="0"/>
+                <a:t>Backup</a:t>
+              </a:r>
+            </a:p>
+            <a:p>
+              <a:pPr marL="285750" indent="-285750">
+                <a:buFont typeface="Arial" panose="020B0604020202020204" pitchFamily="34" charset="0"/>
+                <a:buChar char="•"/>
+              </a:pPr>
+              <a:r>
+                <a:rPr lang="en-US" sz="1100" dirty="0"/>
+                <a:t>Post-processing</a:t>
+              </a:r>
+            </a:p>
+            <a:p>
+              <a:pPr marL="285750" indent="-285750">
+                <a:buFont typeface="Arial" panose="020B0604020202020204" pitchFamily="34" charset="0"/>
+                <a:buChar char="•"/>
+              </a:pPr>
+              <a:r>
+                <a:rPr lang="en-US" sz="1100" dirty="0"/>
+                <a:t>Training DB</a:t>
+              </a:r>
+            </a:p>
+          </p:txBody>
+        </p:sp>
+        <p:pic>
+          <p:nvPicPr>
+            <p:cNvPr id="42" name="Graphic 41" descr="Document outline">
+              <a:extLst>
+                <a:ext uri="{FF2B5EF4-FFF2-40B4-BE49-F238E27FC236}">
+                  <a16:creationId xmlns:a16="http://schemas.microsoft.com/office/drawing/2014/main" id="{3C27B91B-3536-60B8-0559-2E3E97338804}"/>
+                </a:ext>
+              </a:extLst>
+            </p:cNvPr>
+            <p:cNvPicPr>
+              <a:picLocks noChangeAspect="1"/>
+            </p:cNvPicPr>
+            <p:nvPr/>
+          </p:nvPicPr>
+          <p:blipFill>
+            <a:blip r:embed="rId5">
+              <a:extLst>
+                <a:ext uri="{96DAC541-7B7A-43D3-8B79-37D633B846F1}">
+                  <asvg:svgBlip xmlns:asvg="http://schemas.microsoft.com/office/drawing/2016/SVG/main" r:embed="rId6"/>
+                </a:ext>
+              </a:extLst>
+            </a:blip>
+            <a:stretch>
+              <a:fillRect/>
+            </a:stretch>
+          </p:blipFill>
+          <p:spPr>
+            <a:xfrm>
+              <a:off x="8564954" y="5356674"/>
+              <a:ext cx="597920" cy="597920"/>
+            </a:xfrm>
+            <a:prstGeom prst="rect">
+              <a:avLst/>
+            </a:prstGeom>
+          </p:spPr>
+        </p:pic>
+        <p:sp>
+          <p:nvSpPr>
+            <p:cNvPr id="43" name="Oval 42">
+              <a:extLst>
+                <a:ext uri="{FF2B5EF4-FFF2-40B4-BE49-F238E27FC236}">
+                  <a16:creationId xmlns:a16="http://schemas.microsoft.com/office/drawing/2014/main" id="{B38FBEE0-576C-2EE2-6687-66197764D28F}"/>
+                </a:ext>
+              </a:extLst>
+            </p:cNvPr>
+            <p:cNvSpPr/>
+            <p:nvPr/>
+          </p:nvSpPr>
+          <p:spPr>
+            <a:xfrm>
+              <a:off x="8759046" y="5963788"/>
+              <a:ext cx="209736" cy="209736"/>
+            </a:xfrm>
+            <a:prstGeom prst="ellipse">
+              <a:avLst/>
+            </a:prstGeom>
+            <a:solidFill>
+              <a:srgbClr val="FFFF00"/>
+            </a:solidFill>
+          </p:spPr>
+          <p:style>
+            <a:lnRef idx="2">
+              <a:schemeClr val="accent1">
+                <a:shade val="50000"/>
+              </a:schemeClr>
+            </a:lnRef>
+            <a:fillRef idx="1">
+              <a:schemeClr val="accent1"/>
+            </a:fillRef>
+            <a:effectRef idx="0">
+              <a:schemeClr val="accent1"/>
+            </a:effectRef>
+            <a:fontRef idx="minor">
+              <a:schemeClr val="lt1"/>
+            </a:fontRef>
+          </p:style>
+          <p:txBody>
+            <a:bodyPr rtlCol="0" anchor="ctr"/>
+            <a:lstStyle/>
+            <a:p>
+              <a:pPr algn="ctr"/>
+              <a:r>
+                <a:rPr lang="en-US" sz="1100" dirty="0">
+                  <a:solidFill>
+                    <a:schemeClr val="tx1"/>
+                  </a:solidFill>
+                </a:rPr>
+                <a:t>3</a:t>
+              </a:r>
+            </a:p>
+          </p:txBody>
+        </p:sp>
+      </p:grpSp>
+      <p:sp>
+        <p:nvSpPr>
+          <p:cNvPr id="44" name="Regular Pentagon 43">
+            <a:extLst>
+              <a:ext uri="{FF2B5EF4-FFF2-40B4-BE49-F238E27FC236}">
+                <a16:creationId xmlns:a16="http://schemas.microsoft.com/office/drawing/2014/main" id="{DDC85355-00FF-46F6-23B6-2853F7F9BE1E}"/>
+              </a:ext>
+            </a:extLst>
+          </p:cNvPr>
+          <p:cNvSpPr/>
+          <p:nvPr/>
+        </p:nvSpPr>
+        <p:spPr>
+          <a:xfrm>
+            <a:off x="8129357" y="4028211"/>
+            <a:ext cx="1259378" cy="1113850"/>
+          </a:xfrm>
+          <a:prstGeom prst="pentagon">
+            <a:avLst/>
+          </a:prstGeom>
+          <a:solidFill>
+            <a:schemeClr val="accent1">
+              <a:lumMod val="20000"/>
+              <a:lumOff val="80000"/>
+            </a:schemeClr>
+          </a:solidFill>
+        </p:spPr>
+        <p:style>
+          <a:lnRef idx="2">
+            <a:schemeClr val="accent1">
+              <a:shade val="50000"/>
+            </a:schemeClr>
+          </a:lnRef>
+          <a:fillRef idx="1">
+            <a:schemeClr val="accent1"/>
+          </a:fillRef>
+          <a:effectRef idx="0">
+            <a:schemeClr val="accent1"/>
+          </a:effectRef>
+          <a:fontRef idx="minor">
+            <a:schemeClr val="lt1"/>
+          </a:fontRef>
+        </p:style>
+        <p:txBody>
+          <a:bodyPr rtlCol="0" anchor="ctr"/>
+          <a:lstStyle/>
+          <a:p>
+            <a:pPr algn="ctr"/>
+            <a:endParaRPr lang="en-US"/>
+          </a:p>
+        </p:txBody>
+      </p:sp>
+      <p:sp>
+        <p:nvSpPr>
+          <p:cNvPr id="30" name="Oval 29">
+            <a:extLst>
+              <a:ext uri="{FF2B5EF4-FFF2-40B4-BE49-F238E27FC236}">
+                <a16:creationId xmlns:a16="http://schemas.microsoft.com/office/drawing/2014/main" id="{960D1709-10A1-4493-937F-07F03B30AB79}"/>
+              </a:ext>
+            </a:extLst>
+          </p:cNvPr>
+          <p:cNvSpPr/>
+          <p:nvPr/>
+        </p:nvSpPr>
+        <p:spPr>
+          <a:xfrm>
+            <a:off x="8325511" y="4217753"/>
+            <a:ext cx="896810" cy="824385"/>
+          </a:xfrm>
+          <a:prstGeom prst="ellipse">
+            <a:avLst/>
+          </a:prstGeom>
+          <a:solidFill>
+            <a:schemeClr val="accent4">
+              <a:lumMod val="20000"/>
+              <a:lumOff val="80000"/>
+            </a:schemeClr>
+          </a:solidFill>
+          <a:ln>
+            <a:solidFill>
+              <a:schemeClr val="tx1">
+                <a:lumMod val="75000"/>
+                <a:lumOff val="25000"/>
+              </a:schemeClr>
+            </a:solidFill>
+          </a:ln>
+        </p:spPr>
+        <p:style>
+          <a:lnRef idx="2">
+            <a:schemeClr val="accent1">
+              <a:shade val="50000"/>
+            </a:schemeClr>
+          </a:lnRef>
+          <a:fillRef idx="1">
+            <a:schemeClr val="accent1"/>
+          </a:fillRef>
+          <a:effectRef idx="0">
+            <a:schemeClr val="accent1"/>
+          </a:effectRef>
+          <a:fontRef idx="minor">
+            <a:schemeClr val="lt1"/>
+          </a:fontRef>
+        </p:style>
+        <p:txBody>
+          <a:bodyPr rtlCol="0" anchor="ctr"/>
+          <a:lstStyle/>
+          <a:p>
+            <a:pPr algn="ctr"/>
+            <a:r>
+              <a:rPr lang="en-US" sz="1200" dirty="0">
+                <a:solidFill>
+                  <a:schemeClr val="tx1"/>
+                </a:solidFill>
+              </a:rPr>
+              <a:t>Cloud APP</a:t>
+            </a:r>
+          </a:p>
+        </p:txBody>
+      </p:sp>
+    </p:spTree>
+    <p:extLst>
+      <p:ext uri="{BB962C8B-B14F-4D97-AF65-F5344CB8AC3E}">
+        <p14:creationId xmlns:p14="http://schemas.microsoft.com/office/powerpoint/2010/main" val="293931830"/>
+      </p:ext>
+    </p:extLst>
+  </p:cSld>
+  <p:clrMapOvr>
+    <a:masterClrMapping/>
+  </p:clrMapOvr>
+  <p:timing>
+    <p:tnLst>
+      <p:par>
+        <p:cTn id="1" dur="indefinite" restart="never" nodeType="tmRoot">
+          <p:childTnLst>
+            <p:seq concurrent="1" nextAc="seek">
+              <p:cTn id="2" dur="indefinite" nodeType="mainSeq">
+                <p:childTnLst>
+                  <p:par>
+                    <p:cTn id="3" fill="hold">
+                      <p:stCondLst>
+                        <p:cond delay="indefinite"/>
+                      </p:stCondLst>
+                      <p:childTnLst>
+                        <p:par>
+                          <p:cTn id="4" fill="hold">
+                            <p:stCondLst>
+                              <p:cond delay="0"/>
+                            </p:stCondLst>
+                            <p:childTnLst>
+                              <p:par>
+                                <p:cTn id="5" presetID="1" presetClass="entr" presetSubtype="0" fill="hold" grpId="0" nodeType="clickEffect">
+                                  <p:stCondLst>
+                                    <p:cond delay="0"/>
+                                  </p:stCondLst>
+                                  <p:childTnLst>
+                                    <p:set>
+                                      <p:cBhvr>
+                                        <p:cTn id="6" dur="1" fill="hold">
+                                          <p:stCondLst>
+                                            <p:cond delay="0"/>
+                                          </p:stCondLst>
+                                        </p:cTn>
+                                        <p:tgtEl>
+                                          <p:spTgt spid="6"/>
+                                        </p:tgtEl>
+                                        <p:attrNameLst>
+                                          <p:attrName>style.visibility</p:attrName>
+                                        </p:attrNameLst>
+                                      </p:cBhvr>
+                                      <p:to>
+                                        <p:strVal val="visible"/>
+                                      </p:to>
+                                    </p:set>
+                                  </p:childTnLst>
+                                </p:cTn>
+                              </p:par>
+                            </p:childTnLst>
+                          </p:cTn>
+                        </p:par>
+                      </p:childTnLst>
+                    </p:cTn>
+                  </p:par>
+                  <p:par>
+                    <p:cTn id="7" fill="hold">
+                      <p:stCondLst>
+                        <p:cond delay="indefinite"/>
+                      </p:stCondLst>
+                      <p:childTnLst>
+                        <p:par>
+                          <p:cTn id="8" fill="hold">
+                            <p:stCondLst>
+                              <p:cond delay="0"/>
+                            </p:stCondLst>
+                            <p:childTnLst>
+                              <p:par>
+                                <p:cTn id="9" presetID="1" presetClass="entr" presetSubtype="0" fill="hold" nodeType="clickEffect">
+                                  <p:stCondLst>
+                                    <p:cond delay="0"/>
+                                  </p:stCondLst>
+                                  <p:childTnLst>
+                                    <p:set>
+                                      <p:cBhvr>
+                                        <p:cTn id="10" dur="1" fill="hold">
+                                          <p:stCondLst>
+                                            <p:cond delay="0"/>
+                                          </p:stCondLst>
+                                        </p:cTn>
+                                        <p:tgtEl>
+                                          <p:spTgt spid="16"/>
+                                        </p:tgtEl>
+                                        <p:attrNameLst>
+                                          <p:attrName>style.visibility</p:attrName>
+                                        </p:attrNameLst>
+                                      </p:cBhvr>
+                                      <p:to>
+                                        <p:strVal val="visible"/>
+                                      </p:to>
+                                    </p:set>
+                                  </p:childTnLst>
+                                </p:cTn>
+                              </p:par>
+                            </p:childTnLst>
+                          </p:cTn>
+                        </p:par>
+                      </p:childTnLst>
+                    </p:cTn>
+                  </p:par>
+                  <p:par>
+                    <p:cTn id="11" fill="hold">
+                      <p:stCondLst>
+                        <p:cond delay="indefinite"/>
+                      </p:stCondLst>
+                      <p:childTnLst>
+                        <p:par>
+                          <p:cTn id="12" fill="hold">
+                            <p:stCondLst>
+                              <p:cond delay="0"/>
+                            </p:stCondLst>
+                            <p:childTnLst>
+                              <p:par>
+                                <p:cTn id="13" presetID="1" presetClass="entr" presetSubtype="0" fill="hold" nodeType="clickEffect">
+                                  <p:stCondLst>
+                                    <p:cond delay="0"/>
+                                  </p:stCondLst>
+                                  <p:childTnLst>
+                                    <p:set>
+                                      <p:cBhvr>
+                                        <p:cTn id="14" dur="1" fill="hold">
+                                          <p:stCondLst>
+                                            <p:cond delay="0"/>
+                                          </p:stCondLst>
+                                        </p:cTn>
+                                        <p:tgtEl>
+                                          <p:spTgt spid="46"/>
+                                        </p:tgtEl>
+                                        <p:attrNameLst>
+                                          <p:attrName>style.visibility</p:attrName>
+                                        </p:attrNameLst>
+                                      </p:cBhvr>
+                                      <p:to>
+                                        <p:strVal val="visible"/>
+                                      </p:to>
+                                    </p:set>
+                                  </p:childTnLst>
+                                </p:cTn>
+                              </p:par>
+                            </p:childTnLst>
+                          </p:cTn>
+                        </p:par>
+                      </p:childTnLst>
+                    </p:cTn>
+                  </p:par>
+                  <p:par>
+                    <p:cTn id="15" fill="hold">
+                      <p:stCondLst>
+                        <p:cond delay="indefinite"/>
+                      </p:stCondLst>
+                      <p:childTnLst>
+                        <p:par>
+                          <p:cTn id="16" fill="hold">
+                            <p:stCondLst>
+                              <p:cond delay="0"/>
+                            </p:stCondLst>
+                            <p:childTnLst>
+                              <p:par>
+                                <p:cTn id="17" presetID="1" presetClass="entr" presetSubtype="0" fill="hold" nodeType="clickEffect">
+                                  <p:stCondLst>
+                                    <p:cond delay="0"/>
+                                  </p:stCondLst>
+                                  <p:childTnLst>
+                                    <p:set>
+                                      <p:cBhvr>
+                                        <p:cTn id="18" dur="1" fill="hold">
+                                          <p:stCondLst>
+                                            <p:cond delay="0"/>
+                                          </p:stCondLst>
+                                        </p:cTn>
+                                        <p:tgtEl>
+                                          <p:spTgt spid="49"/>
+                                        </p:tgtEl>
+                                        <p:attrNameLst>
+                                          <p:attrName>style.visibility</p:attrName>
+                                        </p:attrNameLst>
+                                      </p:cBhvr>
+                                      <p:to>
+                                        <p:strVal val="visible"/>
+                                      </p:to>
+                                    </p:set>
+                                  </p:childTnLst>
+                                </p:cTn>
+                              </p:par>
+                            </p:childTnLst>
+                          </p:cTn>
+                        </p:par>
+                      </p:childTnLst>
+                    </p:cTn>
+                  </p:par>
+                  <p:par>
+                    <p:cTn id="19" fill="hold">
+                      <p:stCondLst>
+                        <p:cond delay="indefinite"/>
+                      </p:stCondLst>
+                      <p:childTnLst>
+                        <p:par>
+                          <p:cTn id="20" fill="hold">
+                            <p:stCondLst>
+                              <p:cond delay="0"/>
+                            </p:stCondLst>
+                            <p:childTnLst>
+                              <p:par>
+                                <p:cTn id="21" presetID="1" presetClass="entr" presetSubtype="0" fill="hold" nodeType="clickEffect">
+                                  <p:stCondLst>
+                                    <p:cond delay="0"/>
+                                  </p:stCondLst>
+                                  <p:childTnLst>
+                                    <p:set>
+                                      <p:cBhvr>
+                                        <p:cTn id="22" dur="1" fill="hold">
+                                          <p:stCondLst>
+                                            <p:cond delay="0"/>
+                                          </p:stCondLst>
+                                        </p:cTn>
+                                        <p:tgtEl>
+                                          <p:spTgt spid="55"/>
+                                        </p:tgtEl>
+                                        <p:attrNameLst>
+                                          <p:attrName>style.visibility</p:attrName>
+                                        </p:attrNameLst>
+                                      </p:cBhvr>
+                                      <p:to>
+                                        <p:strVal val="visible"/>
+                                      </p:to>
+                                    </p:set>
+                                  </p:childTnLst>
+                                </p:cTn>
+                              </p:par>
+                            </p:childTnLst>
+                          </p:cTn>
+                        </p:par>
+                      </p:childTnLst>
+                    </p:cTn>
+                  </p:par>
+                  <p:par>
+                    <p:cTn id="23" fill="hold">
+                      <p:stCondLst>
+                        <p:cond delay="indefinite"/>
+                      </p:stCondLst>
+                      <p:childTnLst>
+                        <p:par>
+                          <p:cTn id="24" fill="hold">
+                            <p:stCondLst>
+                              <p:cond delay="0"/>
+                            </p:stCondLst>
+                            <p:childTnLst>
+                              <p:par>
+                                <p:cTn id="25" presetID="1" presetClass="entr" presetSubtype="0" fill="hold" nodeType="clickEffect">
+                                  <p:stCondLst>
+                                    <p:cond delay="0"/>
+                                  </p:stCondLst>
+                                  <p:childTnLst>
+                                    <p:set>
+                                      <p:cBhvr>
+                                        <p:cTn id="26" dur="1" fill="hold">
+                                          <p:stCondLst>
+                                            <p:cond delay="0"/>
+                                          </p:stCondLst>
+                                        </p:cTn>
+                                        <p:tgtEl>
+                                          <p:spTgt spid="52"/>
+                                        </p:tgtEl>
+                                        <p:attrNameLst>
+                                          <p:attrName>style.visibility</p:attrName>
+                                        </p:attrNameLst>
+                                      </p:cBhvr>
+                                      <p:to>
+                                        <p:strVal val="visible"/>
+                                      </p:to>
+                                    </p:set>
+                                  </p:childTnLst>
+                                </p:cTn>
+                              </p:par>
+                            </p:childTnLst>
+                          </p:cTn>
+                        </p:par>
+                      </p:childTnLst>
+                    </p:cTn>
+                  </p:par>
+                  <p:par>
+                    <p:cTn id="27" fill="hold">
+                      <p:stCondLst>
+                        <p:cond delay="indefinite"/>
+                      </p:stCondLst>
+                      <p:childTnLst>
+                        <p:par>
+                          <p:cTn id="28" fill="hold">
+                            <p:stCondLst>
+                              <p:cond delay="0"/>
+                            </p:stCondLst>
+                            <p:childTnLst>
+                              <p:par>
+                                <p:cTn id="29" presetID="1" presetClass="entr" presetSubtype="0" fill="hold" nodeType="clickEffect">
+                                  <p:stCondLst>
+                                    <p:cond delay="0"/>
+                                  </p:stCondLst>
+                                  <p:childTnLst>
+                                    <p:set>
+                                      <p:cBhvr>
+                                        <p:cTn id="30" dur="1" fill="hold">
+                                          <p:stCondLst>
+                                            <p:cond delay="0"/>
+                                          </p:stCondLst>
+                                        </p:cTn>
+                                        <p:tgtEl>
+                                          <p:spTgt spid="53"/>
+                                        </p:tgtEl>
+                                        <p:attrNameLst>
+                                          <p:attrName>style.visibility</p:attrName>
+                                        </p:attrNameLst>
+                                      </p:cBhvr>
+                                      <p:to>
+                                        <p:strVal val="visible"/>
+                                      </p:to>
+                                    </p:set>
+                                  </p:childTnLst>
+                                </p:cTn>
+                              </p:par>
+                            </p:childTnLst>
+                          </p:cTn>
+                        </p:par>
+                      </p:childTnLst>
+                    </p:cTn>
+                  </p:par>
+                  <p:par>
+                    <p:cTn id="31" fill="hold">
+                      <p:stCondLst>
+                        <p:cond delay="indefinite"/>
+                      </p:stCondLst>
+                      <p:childTnLst>
+                        <p:par>
+                          <p:cTn id="32" fill="hold">
+                            <p:stCondLst>
+                              <p:cond delay="0"/>
+                            </p:stCondLst>
+                            <p:childTnLst>
+                              <p:par>
+                                <p:cTn id="33" presetID="1" presetClass="entr" presetSubtype="0" fill="hold" nodeType="clickEffect">
+                                  <p:stCondLst>
+                                    <p:cond delay="0"/>
+                                  </p:stCondLst>
+                                  <p:childTnLst>
+                                    <p:set>
+                                      <p:cBhvr>
+                                        <p:cTn id="34" dur="1" fill="hold">
+                                          <p:stCondLst>
+                                            <p:cond delay="0"/>
+                                          </p:stCondLst>
+                                        </p:cTn>
+                                        <p:tgtEl>
+                                          <p:spTgt spid="45"/>
+                                        </p:tgtEl>
+                                        <p:attrNameLst>
+                                          <p:attrName>style.visibility</p:attrName>
+                                        </p:attrNameLst>
+                                      </p:cBhvr>
+                                      <p:to>
+                                        <p:strVal val="visible"/>
+                                      </p:to>
+                                    </p:set>
+                                  </p:childTnLst>
+                                </p:cTn>
+                              </p:par>
+                            </p:childTnLst>
+                          </p:cTn>
+                        </p:par>
+                      </p:childTnLst>
+                    </p:cTn>
+                  </p:par>
+                  <p:par>
+                    <p:cTn id="35" fill="hold">
+                      <p:stCondLst>
+                        <p:cond delay="indefinite"/>
+                      </p:stCondLst>
+                      <p:childTnLst>
+                        <p:par>
+                          <p:cTn id="36" fill="hold">
+                            <p:stCondLst>
+                              <p:cond delay="0"/>
+                            </p:stCondLst>
+                            <p:childTnLst>
+                              <p:par>
+                                <p:cTn id="37" presetID="1" presetClass="entr" presetSubtype="0" fill="hold" nodeType="clickEffect">
+                                  <p:stCondLst>
+                                    <p:cond delay="0"/>
+                                  </p:stCondLst>
+                                  <p:childTnLst>
+                                    <p:set>
+                                      <p:cBhvr>
+                                        <p:cTn id="38" dur="1" fill="hold">
+                                          <p:stCondLst>
+                                            <p:cond delay="0"/>
+                                          </p:stCondLst>
+                                        </p:cTn>
+                                        <p:tgtEl>
+                                          <p:spTgt spid="51"/>
+                                        </p:tgtEl>
+                                        <p:attrNameLst>
+                                          <p:attrName>style.visibility</p:attrName>
+                                        </p:attrNameLst>
+                                      </p:cBhvr>
+                                      <p:to>
+                                        <p:strVal val="visible"/>
+                                      </p:to>
+                                    </p:set>
+                                  </p:childTnLst>
+                                </p:cTn>
+                              </p:par>
+                            </p:childTnLst>
+                          </p:cTn>
+                        </p:par>
+                      </p:childTnLst>
+                    </p:cTn>
+                  </p:par>
+                  <p:par>
+                    <p:cTn id="39" fill="hold">
+                      <p:stCondLst>
+                        <p:cond delay="indefinite"/>
+                      </p:stCondLst>
+                      <p:childTnLst>
+                        <p:par>
+                          <p:cTn id="40" fill="hold">
+                            <p:stCondLst>
+                              <p:cond delay="0"/>
+                            </p:stCondLst>
+                            <p:childTnLst>
+                              <p:par>
+                                <p:cTn id="41" presetID="1" presetClass="entr" presetSubtype="0" fill="hold" grpId="0" nodeType="clickEffect">
+                                  <p:stCondLst>
+                                    <p:cond delay="0"/>
+                                  </p:stCondLst>
+                                  <p:childTnLst>
+                                    <p:set>
+                                      <p:cBhvr>
+                                        <p:cTn id="42" dur="1" fill="hold">
+                                          <p:stCondLst>
+                                            <p:cond delay="0"/>
+                                          </p:stCondLst>
+                                        </p:cTn>
+                                        <p:tgtEl>
+                                          <p:spTgt spid="30"/>
+                                        </p:tgtEl>
+                                        <p:attrNameLst>
+                                          <p:attrName>style.visibility</p:attrName>
+                                        </p:attrNameLst>
+                                      </p:cBhvr>
+                                      <p:to>
+                                        <p:strVal val="visible"/>
+                                      </p:to>
+                                    </p:set>
+                                  </p:childTnLst>
+                                </p:cTn>
+                              </p:par>
+                            </p:childTnLst>
+                          </p:cTn>
+                        </p:par>
+                      </p:childTnLst>
+                    </p:cTn>
+                  </p:par>
+                  <p:par>
+                    <p:cTn id="43" fill="hold">
+                      <p:stCondLst>
+                        <p:cond delay="indefinite"/>
+                      </p:stCondLst>
+                      <p:childTnLst>
+                        <p:par>
+                          <p:cTn id="44" fill="hold">
+                            <p:stCondLst>
+                              <p:cond delay="0"/>
+                            </p:stCondLst>
+                            <p:childTnLst>
+                              <p:par>
+                                <p:cTn id="45" presetID="1" presetClass="entr" presetSubtype="0" fill="hold" grpId="0" nodeType="clickEffect">
+                                  <p:stCondLst>
+                                    <p:cond delay="0"/>
+                                  </p:stCondLst>
+                                  <p:childTnLst>
+                                    <p:set>
+                                      <p:cBhvr>
+                                        <p:cTn id="46" dur="1" fill="hold">
+                                          <p:stCondLst>
+                                            <p:cond delay="0"/>
+                                          </p:stCondLst>
+                                        </p:cTn>
+                                        <p:tgtEl>
+                                          <p:spTgt spid="26"/>
+                                        </p:tgtEl>
+                                        <p:attrNameLst>
+                                          <p:attrName>style.visibility</p:attrName>
+                                        </p:attrNameLst>
+                                      </p:cBhvr>
+                                      <p:to>
+                                        <p:strVal val="visible"/>
+                                      </p:to>
+                                    </p:set>
+                                  </p:childTnLst>
+                                </p:cTn>
+                              </p:par>
+                              <p:par>
+                                <p:cTn id="47" presetID="1" presetClass="entr" presetSubtype="0" fill="hold" grpId="0" nodeType="withEffect">
+                                  <p:stCondLst>
+                                    <p:cond delay="0"/>
+                                  </p:stCondLst>
+                                  <p:childTnLst>
+                                    <p:set>
+                                      <p:cBhvr>
+                                        <p:cTn id="48" dur="1" fill="hold">
+                                          <p:stCondLst>
+                                            <p:cond delay="0"/>
+                                          </p:stCondLst>
+                                        </p:cTn>
+                                        <p:tgtEl>
+                                          <p:spTgt spid="44"/>
+                                        </p:tgtEl>
+                                        <p:attrNameLst>
+                                          <p:attrName>style.visibility</p:attrName>
+                                        </p:attrNameLst>
+                                      </p:cBhvr>
+                                      <p:to>
+                                        <p:strVal val="visible"/>
+                                      </p:to>
+                                    </p:set>
+                                  </p:childTnLst>
+                                </p:cTn>
+                              </p:par>
+                            </p:childTnLst>
+                          </p:cTn>
+                        </p:par>
+                      </p:childTnLst>
+                    </p:cTn>
+                  </p:par>
+                </p:childTnLst>
+              </p:cTn>
+              <p:prevCondLst>
+                <p:cond evt="onPrev" delay="0">
+                  <p:tgtEl>
+                    <p:sldTgt/>
+                  </p:tgtEl>
+                </p:cond>
+              </p:prevCondLst>
+              <p:nextCondLst>
+                <p:cond evt="onNext" delay="0">
+                  <p:tgtEl>
+                    <p:sldTgt/>
+                  </p:tgtEl>
+                </p:cond>
+              </p:nextCondLst>
+            </p:seq>
+          </p:childTnLst>
+        </p:cTn>
+      </p:par>
+    </p:tnLst>
+    <p:bldLst>
+      <p:bldP spid="6" grpId="0"/>
+      <p:bldP spid="26" grpId="0" animBg="1"/>
+      <p:bldP spid="44" grpId="0" animBg="1"/>
+      <p:bldP spid="30" grpId="0" animBg="1"/>
+    </p:bldLst>
+  </p:timing>
+</p:sld>
+</file>
+
+<file path=ppt/slides/slide5.xml><?xml version="1.0" encoding="utf-8"?>
 <p:sld xmlns:a="http://schemas.openxmlformats.org/drawingml/2006/main" xmlns:r="http://schemas.openxmlformats.org/officeDocument/2006/relationships" xmlns:p="http://schemas.openxmlformats.org/presentationml/2006/main">
   <p:cSld>
     <p:spTree>
@@ -5694,17 +11531,19 @@
         </p:nvSpPr>
         <p:spPr>
           <a:xfrm>
-            <a:off x="71669" y="90208"/>
-            <a:ext cx="10515600" cy="1325563"/>
+            <a:off x="51245" y="83990"/>
+            <a:ext cx="3227262" cy="822159"/>
           </a:xfrm>
         </p:spPr>
         <p:txBody>
-          <a:bodyPr/>
+          <a:bodyPr>
+            <a:normAutofit fontScale="90000"/>
+          </a:bodyPr>
           <a:lstStyle/>
           <a:p>
             <a:r>
               <a:rPr lang="en-US" dirty="0"/>
-              <a:t>Architecture</a:t>
+              <a:t>Design &amp; Architecture</a:t>
             </a:r>
           </a:p>
         </p:txBody>
@@ -5722,7 +11561,7 @@
 </p:sld>
 </file>
 
-<file path=ppt/slides/slide4.xml><?xml version="1.0" encoding="utf-8"?>
+<file path=ppt/slides/slide6.xml><?xml version="1.0" encoding="utf-8"?>
 <p:sld xmlns:a="http://schemas.openxmlformats.org/drawingml/2006/main" xmlns:r="http://schemas.openxmlformats.org/officeDocument/2006/relationships" xmlns:p="http://schemas.openxmlformats.org/presentationml/2006/main">
   <p:cSld>
     <p:spTree>
@@ -5757,7 +11596,7 @@
         </p:nvSpPr>
         <p:spPr>
           <a:xfrm>
-            <a:off x="301304" y="349876"/>
+            <a:off x="446809" y="0"/>
             <a:ext cx="10515600" cy="760529"/>
           </a:xfrm>
         </p:spPr>
@@ -5767,121 +11606,577 @@
           <a:p>
             <a:r>
               <a:rPr lang="en-US" dirty="0"/>
-              <a:t>Environment</a:t>
+              <a:t>Dev Environment</a:t>
             </a:r>
           </a:p>
         </p:txBody>
       </p:sp>
-      <p:sp>
-        <p:nvSpPr>
-          <p:cNvPr id="3" name="Content Placeholder 2">
-            <a:extLst>
-              <a:ext uri="{FF2B5EF4-FFF2-40B4-BE49-F238E27FC236}">
-                <a16:creationId xmlns:a16="http://schemas.microsoft.com/office/drawing/2014/main" id="{5707FB07-C4BE-D15C-9342-4CAE69B0ECF5}"/>
-              </a:ext>
-            </a:extLst>
-          </p:cNvPr>
-          <p:cNvSpPr>
-            <a:spLocks noGrp="1"/>
-          </p:cNvSpPr>
-          <p:nvPr>
-            <p:ph idx="1"/>
-          </p:nvPr>
-        </p:nvSpPr>
-        <p:spPr>
+      <p:grpSp>
+        <p:nvGrpSpPr>
+          <p:cNvPr id="19" name="Group 18">
+            <a:extLst>
+              <a:ext uri="{FF2B5EF4-FFF2-40B4-BE49-F238E27FC236}">
+                <a16:creationId xmlns:a16="http://schemas.microsoft.com/office/drawing/2014/main" id="{B89AC24E-3756-D472-BA5E-8ED3316123C6}"/>
+              </a:ext>
+            </a:extLst>
+          </p:cNvPr>
+          <p:cNvGrpSpPr/>
+          <p:nvPr/>
+        </p:nvGrpSpPr>
+        <p:grpSpPr>
           <a:xfrm>
-            <a:off x="645252" y="1381008"/>
-            <a:ext cx="11040611" cy="5127116"/>
+            <a:off x="827484" y="948305"/>
+            <a:ext cx="4285114" cy="2247734"/>
+            <a:chOff x="754748" y="1181266"/>
+            <a:chExt cx="4285114" cy="2247734"/>
           </a:xfrm>
-        </p:spPr>
-        <p:txBody>
-          <a:bodyPr>
-            <a:normAutofit fontScale="92500" lnSpcReduction="10000"/>
-          </a:bodyPr>
-          <a:lstStyle/>
-          <a:p>
-            <a:r>
-              <a:rPr lang="en-US" dirty="0"/>
-              <a:t>Wearable devices</a:t>
-            </a:r>
-          </a:p>
-          <a:p>
-            <a:endParaRPr lang="en-US" dirty="0"/>
-          </a:p>
-          <a:p>
-            <a:r>
-              <a:rPr lang="en-US" dirty="0"/>
-              <a:t>KubeEdge</a:t>
-            </a:r>
-          </a:p>
-          <a:p>
-            <a:pPr lvl="1"/>
-            <a:r>
-              <a:rPr lang="en-US" dirty="0"/>
-              <a:t>Cloud</a:t>
-            </a:r>
-          </a:p>
-          <a:p>
-            <a:pPr lvl="2"/>
-            <a:r>
-              <a:rPr lang="en-US" dirty="0"/>
-              <a:t>Master</a:t>
-            </a:r>
-          </a:p>
-          <a:p>
-            <a:pPr lvl="2"/>
-            <a:r>
-              <a:rPr lang="en-US" dirty="0"/>
-              <a:t>Worker</a:t>
-            </a:r>
-          </a:p>
-          <a:p>
-            <a:pPr lvl="1"/>
-            <a:endParaRPr lang="en-US" dirty="0"/>
-          </a:p>
-          <a:p>
-            <a:pPr lvl="1"/>
-            <a:r>
-              <a:rPr lang="en-US" dirty="0"/>
-              <a:t>Edge</a:t>
-            </a:r>
-          </a:p>
-          <a:p>
-            <a:pPr lvl="1"/>
-            <a:endParaRPr lang="en-US" dirty="0"/>
-          </a:p>
-          <a:p>
-            <a:r>
-              <a:rPr lang="en-US" dirty="0"/>
-              <a:t>Cloud Storage</a:t>
-            </a:r>
-          </a:p>
-          <a:p>
-            <a:endParaRPr lang="en-US" dirty="0"/>
-          </a:p>
-          <a:p>
-            <a:r>
-              <a:rPr lang="en-US" dirty="0"/>
-              <a:t>Miscellaneous</a:t>
-            </a:r>
-          </a:p>
-          <a:p>
-            <a:pPr lvl="1"/>
-            <a:r>
-              <a:rPr lang="en-US" dirty="0" err="1"/>
-              <a:t>tmux</a:t>
-            </a:r>
-            <a:r>
-              <a:rPr lang="en-US" dirty="0"/>
-              <a:t> </a:t>
-            </a:r>
-          </a:p>
-          <a:p>
-            <a:pPr lvl="1"/>
-            <a:endParaRPr lang="en-US" dirty="0"/>
-          </a:p>
-        </p:txBody>
-      </p:sp>
+        </p:grpSpPr>
+        <p:pic>
+          <p:nvPicPr>
+            <p:cNvPr id="4" name="Picture 3">
+              <a:extLst>
+                <a:ext uri="{FF2B5EF4-FFF2-40B4-BE49-F238E27FC236}">
+                  <a16:creationId xmlns:a16="http://schemas.microsoft.com/office/drawing/2014/main" id="{861222A4-90DE-2C1E-5901-1D977CDC6CFC}"/>
+                </a:ext>
+              </a:extLst>
+            </p:cNvPr>
+            <p:cNvPicPr>
+              <a:picLocks noChangeAspect="1"/>
+            </p:cNvPicPr>
+            <p:nvPr/>
+          </p:nvPicPr>
+          <p:blipFill>
+            <a:blip r:embed="rId2"/>
+            <a:stretch>
+              <a:fillRect/>
+            </a:stretch>
+          </p:blipFill>
+          <p:spPr>
+            <a:xfrm>
+              <a:off x="1731717" y="1704486"/>
+              <a:ext cx="3308145" cy="1724514"/>
+            </a:xfrm>
+            <a:prstGeom prst="rect">
+              <a:avLst/>
+            </a:prstGeom>
+            <a:ln>
+              <a:noFill/>
+            </a:ln>
+            <a:effectLst>
+              <a:outerShdw blurRad="292100" dist="139700" dir="2700000" algn="tl" rotWithShape="0">
+                <a:srgbClr val="333333">
+                  <a:alpha val="65000"/>
+                </a:srgbClr>
+              </a:outerShdw>
+            </a:effectLst>
+          </p:spPr>
+        </p:pic>
+        <p:sp>
+          <p:nvSpPr>
+            <p:cNvPr id="7" name="TextBox 6">
+              <a:extLst>
+                <a:ext uri="{FF2B5EF4-FFF2-40B4-BE49-F238E27FC236}">
+                  <a16:creationId xmlns:a16="http://schemas.microsoft.com/office/drawing/2014/main" id="{70279759-A7F4-471D-2C76-6D294F17EB20}"/>
+                </a:ext>
+              </a:extLst>
+            </p:cNvPr>
+            <p:cNvSpPr txBox="1"/>
+            <p:nvPr/>
+          </p:nvSpPr>
+          <p:spPr>
+            <a:xfrm>
+              <a:off x="754748" y="1181266"/>
+              <a:ext cx="2631041" cy="523220"/>
+            </a:xfrm>
+            <a:prstGeom prst="rect">
+              <a:avLst/>
+            </a:prstGeom>
+            <a:noFill/>
+          </p:spPr>
+          <p:txBody>
+            <a:bodyPr wrap="none" rtlCol="0">
+              <a:spAutoFit/>
+            </a:bodyPr>
+            <a:lstStyle/>
+            <a:p>
+              <a:r>
+                <a:rPr lang="en-US" sz="2800" dirty="0"/>
+                <a:t>Wearable Device</a:t>
+              </a:r>
+            </a:p>
+          </p:txBody>
+        </p:sp>
+      </p:grpSp>
+      <p:grpSp>
+        <p:nvGrpSpPr>
+          <p:cNvPr id="12" name="Group 11">
+            <a:extLst>
+              <a:ext uri="{FF2B5EF4-FFF2-40B4-BE49-F238E27FC236}">
+                <a16:creationId xmlns:a16="http://schemas.microsoft.com/office/drawing/2014/main" id="{292883ED-8C50-1B73-1A68-131446B648AE}"/>
+              </a:ext>
+            </a:extLst>
+          </p:cNvPr>
+          <p:cNvGrpSpPr/>
+          <p:nvPr/>
+        </p:nvGrpSpPr>
+        <p:grpSpPr>
+          <a:xfrm>
+            <a:off x="827484" y="3687630"/>
+            <a:ext cx="4285114" cy="2731398"/>
+            <a:chOff x="1784288" y="3675752"/>
+            <a:chExt cx="4285114" cy="2731398"/>
+          </a:xfrm>
+        </p:grpSpPr>
+        <p:sp>
+          <p:nvSpPr>
+            <p:cNvPr id="8" name="TextBox 7">
+              <a:extLst>
+                <a:ext uri="{FF2B5EF4-FFF2-40B4-BE49-F238E27FC236}">
+                  <a16:creationId xmlns:a16="http://schemas.microsoft.com/office/drawing/2014/main" id="{1DC93D93-165C-4C77-F0C5-9B9A41984F91}"/>
+                </a:ext>
+              </a:extLst>
+            </p:cNvPr>
+            <p:cNvSpPr txBox="1"/>
+            <p:nvPr/>
+          </p:nvSpPr>
+          <p:spPr>
+            <a:xfrm>
+              <a:off x="1784288" y="3675752"/>
+              <a:ext cx="2572948" cy="523220"/>
+            </a:xfrm>
+            <a:prstGeom prst="rect">
+              <a:avLst/>
+            </a:prstGeom>
+            <a:noFill/>
+          </p:spPr>
+          <p:txBody>
+            <a:bodyPr wrap="none" rtlCol="0">
+              <a:spAutoFit/>
+            </a:bodyPr>
+            <a:lstStyle/>
+            <a:p>
+              <a:r>
+                <a:rPr lang="en-US" sz="2800" dirty="0"/>
+                <a:t>Edge Computing</a:t>
+              </a:r>
+            </a:p>
+          </p:txBody>
+        </p:sp>
+        <p:pic>
+          <p:nvPicPr>
+            <p:cNvPr id="9" name="Picture 8">
+              <a:extLst>
+                <a:ext uri="{FF2B5EF4-FFF2-40B4-BE49-F238E27FC236}">
+                  <a16:creationId xmlns:a16="http://schemas.microsoft.com/office/drawing/2014/main" id="{5F02E89D-794E-A205-F10D-1E6DF764A5E6}"/>
+                </a:ext>
+              </a:extLst>
+            </p:cNvPr>
+            <p:cNvPicPr>
+              <a:picLocks noChangeAspect="1"/>
+            </p:cNvPicPr>
+            <p:nvPr/>
+          </p:nvPicPr>
+          <p:blipFill>
+            <a:blip r:embed="rId3"/>
+            <a:stretch>
+              <a:fillRect/>
+            </a:stretch>
+          </p:blipFill>
+          <p:spPr>
+            <a:xfrm>
+              <a:off x="3831359" y="4198972"/>
+              <a:ext cx="1800514" cy="2208178"/>
+            </a:xfrm>
+            <a:prstGeom prst="rect">
+              <a:avLst/>
+            </a:prstGeom>
+            <a:ln>
+              <a:noFill/>
+            </a:ln>
+            <a:effectLst>
+              <a:outerShdw blurRad="292100" dist="139700" dir="2700000" algn="tl" rotWithShape="0">
+                <a:srgbClr val="333333">
+                  <a:alpha val="65000"/>
+                </a:srgbClr>
+              </a:outerShdw>
+            </a:effectLst>
+          </p:spPr>
+        </p:pic>
+        <p:pic>
+          <p:nvPicPr>
+            <p:cNvPr id="8194" name="Picture 2" descr="Amazon Web Services - YouTube">
+              <a:extLst>
+                <a:ext uri="{FF2B5EF4-FFF2-40B4-BE49-F238E27FC236}">
+                  <a16:creationId xmlns:a16="http://schemas.microsoft.com/office/drawing/2014/main" id="{B7533C32-8154-D2A4-4FBC-FB4199DD4266}"/>
+                </a:ext>
+              </a:extLst>
+            </p:cNvPr>
+            <p:cNvPicPr>
+              <a:picLocks noChangeAspect="1" noChangeArrowheads="1"/>
+            </p:cNvPicPr>
+            <p:nvPr/>
+          </p:nvPicPr>
+          <p:blipFill>
+            <a:blip r:embed="rId4">
+              <a:extLst>
+                <a:ext uri="{28A0092B-C50C-407E-A947-70E740481C1C}">
+                  <a14:useLocalDpi xmlns:a14="http://schemas.microsoft.com/office/drawing/2010/main" val="0"/>
+                </a:ext>
+              </a:extLst>
+            </a:blip>
+            <a:srcRect/>
+            <a:stretch>
+              <a:fillRect/>
+            </a:stretch>
+          </p:blipFill>
+          <p:spPr bwMode="auto">
+            <a:xfrm>
+              <a:off x="5410624" y="3953167"/>
+              <a:ext cx="658778" cy="658778"/>
+            </a:xfrm>
+            <a:prstGeom prst="rect">
+              <a:avLst/>
+            </a:prstGeom>
+            <a:ln>
+              <a:noFill/>
+            </a:ln>
+            <a:effectLst>
+              <a:outerShdw blurRad="292100" dist="139700" dir="2700000" algn="tl" rotWithShape="0">
+                <a:srgbClr val="333333">
+                  <a:alpha val="65000"/>
+                </a:srgbClr>
+              </a:outerShdw>
+            </a:effectLst>
+            <a:extLst>
+              <a:ext uri="{909E8E84-426E-40DD-AFC4-6F175D3DCCD1}">
+                <a14:hiddenFill xmlns:a14="http://schemas.microsoft.com/office/drawing/2010/main">
+                  <a:solidFill>
+                    <a:srgbClr val="FFFFFF"/>
+                  </a:solidFill>
+                </a14:hiddenFill>
+              </a:ext>
+            </a:extLst>
+          </p:spPr>
+        </p:pic>
+      </p:grpSp>
+      <p:grpSp>
+        <p:nvGrpSpPr>
+          <p:cNvPr id="15" name="Group 14">
+            <a:extLst>
+              <a:ext uri="{FF2B5EF4-FFF2-40B4-BE49-F238E27FC236}">
+                <a16:creationId xmlns:a16="http://schemas.microsoft.com/office/drawing/2014/main" id="{16E814F3-7E98-B768-E856-BBB467E69321}"/>
+              </a:ext>
+            </a:extLst>
+          </p:cNvPr>
+          <p:cNvGrpSpPr/>
+          <p:nvPr/>
+        </p:nvGrpSpPr>
+        <p:grpSpPr>
+          <a:xfrm>
+            <a:off x="6583329" y="950330"/>
+            <a:ext cx="4707425" cy="2596054"/>
+            <a:chOff x="6716787" y="2288463"/>
+            <a:chExt cx="4707425" cy="2596054"/>
+          </a:xfrm>
+        </p:grpSpPr>
+        <p:pic>
+          <p:nvPicPr>
+            <p:cNvPr id="8196" name="Picture 4" descr="Kubernetes 101: Understanding What is K8S (The Hardware Edition) – Eclipsys">
+              <a:extLst>
+                <a:ext uri="{FF2B5EF4-FFF2-40B4-BE49-F238E27FC236}">
+                  <a16:creationId xmlns:a16="http://schemas.microsoft.com/office/drawing/2014/main" id="{AA8ED912-7FB3-DAA0-1620-BA250B598B18}"/>
+                </a:ext>
+              </a:extLst>
+            </p:cNvPr>
+            <p:cNvPicPr>
+              <a:picLocks noChangeAspect="1" noChangeArrowheads="1"/>
+            </p:cNvPicPr>
+            <p:nvPr/>
+          </p:nvPicPr>
+          <p:blipFill>
+            <a:blip r:embed="rId5">
+              <a:extLst>
+                <a:ext uri="{28A0092B-C50C-407E-A947-70E740481C1C}">
+                  <a14:useLocalDpi xmlns:a14="http://schemas.microsoft.com/office/drawing/2010/main" val="0"/>
+                </a:ext>
+              </a:extLst>
+            </a:blip>
+            <a:srcRect/>
+            <a:stretch>
+              <a:fillRect/>
+            </a:stretch>
+          </p:blipFill>
+          <p:spPr bwMode="auto">
+            <a:xfrm>
+              <a:off x="7506496" y="2874818"/>
+              <a:ext cx="3588327" cy="1794164"/>
+            </a:xfrm>
+            <a:prstGeom prst="rect">
+              <a:avLst/>
+            </a:prstGeom>
+            <a:noFill/>
+            <a:extLst>
+              <a:ext uri="{909E8E84-426E-40DD-AFC4-6F175D3DCCD1}">
+                <a14:hiddenFill xmlns:a14="http://schemas.microsoft.com/office/drawing/2010/main">
+                  <a:solidFill>
+                    <a:srgbClr val="FFFFFF"/>
+                  </a:solidFill>
+                </a14:hiddenFill>
+              </a:ext>
+            </a:extLst>
+          </p:spPr>
+        </p:pic>
+        <p:pic>
+          <p:nvPicPr>
+            <p:cNvPr id="13" name="Picture 2" descr="Amazon Web Services - YouTube">
+              <a:extLst>
+                <a:ext uri="{FF2B5EF4-FFF2-40B4-BE49-F238E27FC236}">
+                  <a16:creationId xmlns:a16="http://schemas.microsoft.com/office/drawing/2014/main" id="{AE5687E0-546C-61B6-1950-5FA5DC2D7B99}"/>
+                </a:ext>
+              </a:extLst>
+            </p:cNvPr>
+            <p:cNvPicPr>
+              <a:picLocks noChangeAspect="1" noChangeArrowheads="1"/>
+            </p:cNvPicPr>
+            <p:nvPr/>
+          </p:nvPicPr>
+          <p:blipFill>
+            <a:blip r:embed="rId4">
+              <a:extLst>
+                <a:ext uri="{28A0092B-C50C-407E-A947-70E740481C1C}">
+                  <a14:useLocalDpi xmlns:a14="http://schemas.microsoft.com/office/drawing/2010/main" val="0"/>
+                </a:ext>
+              </a:extLst>
+            </a:blip>
+            <a:srcRect/>
+            <a:stretch>
+              <a:fillRect/>
+            </a:stretch>
+          </p:blipFill>
+          <p:spPr bwMode="auto">
+            <a:xfrm>
+              <a:off x="10765434" y="4225739"/>
+              <a:ext cx="658778" cy="658778"/>
+            </a:xfrm>
+            <a:prstGeom prst="rect">
+              <a:avLst/>
+            </a:prstGeom>
+            <a:ln>
+              <a:noFill/>
+            </a:ln>
+            <a:effectLst>
+              <a:outerShdw blurRad="292100" dist="139700" dir="2700000" algn="tl" rotWithShape="0">
+                <a:srgbClr val="333333">
+                  <a:alpha val="65000"/>
+                </a:srgbClr>
+              </a:outerShdw>
+            </a:effectLst>
+            <a:extLst>
+              <a:ext uri="{909E8E84-426E-40DD-AFC4-6F175D3DCCD1}">
+                <a14:hiddenFill xmlns:a14="http://schemas.microsoft.com/office/drawing/2010/main">
+                  <a:solidFill>
+                    <a:srgbClr val="FFFFFF"/>
+                  </a:solidFill>
+                </a14:hiddenFill>
+              </a:ext>
+            </a:extLst>
+          </p:spPr>
+        </p:pic>
+        <p:sp>
+          <p:nvSpPr>
+            <p:cNvPr id="14" name="TextBox 13">
+              <a:extLst>
+                <a:ext uri="{FF2B5EF4-FFF2-40B4-BE49-F238E27FC236}">
+                  <a16:creationId xmlns:a16="http://schemas.microsoft.com/office/drawing/2014/main" id="{B0EE2AA9-9A10-E75F-23C2-2642D2C8F95A}"/>
+                </a:ext>
+              </a:extLst>
+            </p:cNvPr>
+            <p:cNvSpPr txBox="1"/>
+            <p:nvPr/>
+          </p:nvSpPr>
+          <p:spPr>
+            <a:xfrm>
+              <a:off x="6716787" y="2288463"/>
+              <a:ext cx="3930756" cy="523220"/>
+            </a:xfrm>
+            <a:prstGeom prst="rect">
+              <a:avLst/>
+            </a:prstGeom>
+            <a:noFill/>
+          </p:spPr>
+          <p:txBody>
+            <a:bodyPr wrap="none" rtlCol="0">
+              <a:spAutoFit/>
+            </a:bodyPr>
+            <a:lstStyle/>
+            <a:p>
+              <a:r>
+                <a:rPr lang="en-US" sz="2800" dirty="0"/>
+                <a:t>Cloud Control &amp; Compute</a:t>
+              </a:r>
+            </a:p>
+          </p:txBody>
+        </p:sp>
+      </p:grpSp>
+      <p:grpSp>
+        <p:nvGrpSpPr>
+          <p:cNvPr id="18" name="Group 17">
+            <a:extLst>
+              <a:ext uri="{FF2B5EF4-FFF2-40B4-BE49-F238E27FC236}">
+                <a16:creationId xmlns:a16="http://schemas.microsoft.com/office/drawing/2014/main" id="{E92BE577-43D6-C1CB-1EF2-47A4AB536478}"/>
+              </a:ext>
+            </a:extLst>
+          </p:cNvPr>
+          <p:cNvGrpSpPr/>
+          <p:nvPr/>
+        </p:nvGrpSpPr>
+        <p:grpSpPr>
+          <a:xfrm>
+            <a:off x="6583329" y="3869155"/>
+            <a:ext cx="4707425" cy="2522923"/>
+            <a:chOff x="6510593" y="4102116"/>
+            <a:chExt cx="4707425" cy="2522923"/>
+          </a:xfrm>
+        </p:grpSpPr>
+        <p:pic>
+          <p:nvPicPr>
+            <p:cNvPr id="8198" name="Picture 6" descr="Amazon S3 101. S3 is a Simple Storage Service that is… | by Vedha Sankar |  featurepreneur | Medium">
+              <a:extLst>
+                <a:ext uri="{FF2B5EF4-FFF2-40B4-BE49-F238E27FC236}">
+                  <a16:creationId xmlns:a16="http://schemas.microsoft.com/office/drawing/2014/main" id="{D45B4B7B-95F4-DD77-4C83-E810BD3C64E0}"/>
+                </a:ext>
+              </a:extLst>
+            </p:cNvPr>
+            <p:cNvPicPr>
+              <a:picLocks noChangeAspect="1" noChangeArrowheads="1"/>
+            </p:cNvPicPr>
+            <p:nvPr/>
+          </p:nvPicPr>
+          <p:blipFill>
+            <a:blip r:embed="rId6">
+              <a:extLst>
+                <a:ext uri="{28A0092B-C50C-407E-A947-70E740481C1C}">
+                  <a14:useLocalDpi xmlns:a14="http://schemas.microsoft.com/office/drawing/2010/main" val="0"/>
+                </a:ext>
+              </a:extLst>
+            </a:blip>
+            <a:srcRect/>
+            <a:stretch>
+              <a:fillRect/>
+            </a:stretch>
+          </p:blipFill>
+          <p:spPr bwMode="auto">
+            <a:xfrm>
+              <a:off x="7987924" y="4681207"/>
+              <a:ext cx="2447945" cy="1833596"/>
+            </a:xfrm>
+            <a:prstGeom prst="rect">
+              <a:avLst/>
+            </a:prstGeom>
+            <a:noFill/>
+            <a:extLst>
+              <a:ext uri="{909E8E84-426E-40DD-AFC4-6F175D3DCCD1}">
+                <a14:hiddenFill xmlns:a14="http://schemas.microsoft.com/office/drawing/2010/main">
+                  <a:solidFill>
+                    <a:srgbClr val="FFFFFF"/>
+                  </a:solidFill>
+                </a14:hiddenFill>
+              </a:ext>
+            </a:extLst>
+          </p:spPr>
+        </p:pic>
+        <p:sp>
+          <p:nvSpPr>
+            <p:cNvPr id="16" name="TextBox 15">
+              <a:extLst>
+                <a:ext uri="{FF2B5EF4-FFF2-40B4-BE49-F238E27FC236}">
+                  <a16:creationId xmlns:a16="http://schemas.microsoft.com/office/drawing/2014/main" id="{5E900FBD-386C-4DDE-7B37-BBBB5D9C1155}"/>
+                </a:ext>
+              </a:extLst>
+            </p:cNvPr>
+            <p:cNvSpPr txBox="1"/>
+            <p:nvPr/>
+          </p:nvSpPr>
+          <p:spPr>
+            <a:xfrm>
+              <a:off x="6510593" y="4102116"/>
+              <a:ext cx="2209836" cy="523220"/>
+            </a:xfrm>
+            <a:prstGeom prst="rect">
+              <a:avLst/>
+            </a:prstGeom>
+            <a:noFill/>
+          </p:spPr>
+          <p:txBody>
+            <a:bodyPr wrap="none" rtlCol="0">
+              <a:spAutoFit/>
+            </a:bodyPr>
+            <a:lstStyle/>
+            <a:p>
+              <a:r>
+                <a:rPr lang="en-US" sz="2800" dirty="0"/>
+                <a:t>Cloud Storage</a:t>
+              </a:r>
+            </a:p>
+          </p:txBody>
+        </p:sp>
+        <p:pic>
+          <p:nvPicPr>
+            <p:cNvPr id="17" name="Picture 2" descr="Amazon Web Services - YouTube">
+              <a:extLst>
+                <a:ext uri="{FF2B5EF4-FFF2-40B4-BE49-F238E27FC236}">
+                  <a16:creationId xmlns:a16="http://schemas.microsoft.com/office/drawing/2014/main" id="{AB4FE760-24E0-BFF4-2DE8-D6CCC850709B}"/>
+                </a:ext>
+              </a:extLst>
+            </p:cNvPr>
+            <p:cNvPicPr>
+              <a:picLocks noChangeAspect="1" noChangeArrowheads="1"/>
+            </p:cNvPicPr>
+            <p:nvPr/>
+          </p:nvPicPr>
+          <p:blipFill>
+            <a:blip r:embed="rId4">
+              <a:extLst>
+                <a:ext uri="{28A0092B-C50C-407E-A947-70E740481C1C}">
+                  <a14:useLocalDpi xmlns:a14="http://schemas.microsoft.com/office/drawing/2010/main" val="0"/>
+                </a:ext>
+              </a:extLst>
+            </a:blip>
+            <a:srcRect/>
+            <a:stretch>
+              <a:fillRect/>
+            </a:stretch>
+          </p:blipFill>
+          <p:spPr bwMode="auto">
+            <a:xfrm>
+              <a:off x="10559240" y="5966261"/>
+              <a:ext cx="658778" cy="658778"/>
+            </a:xfrm>
+            <a:prstGeom prst="rect">
+              <a:avLst/>
+            </a:prstGeom>
+            <a:ln>
+              <a:noFill/>
+            </a:ln>
+            <a:effectLst>
+              <a:outerShdw blurRad="292100" dist="139700" dir="2700000" algn="tl" rotWithShape="0">
+                <a:srgbClr val="333333">
+                  <a:alpha val="65000"/>
+                </a:srgbClr>
+              </a:outerShdw>
+            </a:effectLst>
+            <a:extLst>
+              <a:ext uri="{909E8E84-426E-40DD-AFC4-6F175D3DCCD1}">
+                <a14:hiddenFill xmlns:a14="http://schemas.microsoft.com/office/drawing/2010/main">
+                  <a:solidFill>
+                    <a:srgbClr val="FFFFFF"/>
+                  </a:solidFill>
+                </a14:hiddenFill>
+              </a:ext>
+            </a:extLst>
+          </p:spPr>
+        </p:pic>
+      </p:grpSp>
     </p:spTree>
     <p:extLst>
       <p:ext uri="{BB962C8B-B14F-4D97-AF65-F5344CB8AC3E}">
@@ -5892,10 +12187,220 @@
   <p:clrMapOvr>
     <a:masterClrMapping/>
   </p:clrMapOvr>
+  <p:timing>
+    <p:tnLst>
+      <p:par>
+        <p:cTn id="1" dur="indefinite" restart="never" nodeType="tmRoot">
+          <p:childTnLst>
+            <p:seq concurrent="1" nextAc="seek">
+              <p:cTn id="2" dur="indefinite" nodeType="mainSeq">
+                <p:childTnLst>
+                  <p:par>
+                    <p:cTn id="3" fill="hold">
+                      <p:stCondLst>
+                        <p:cond delay="indefinite"/>
+                      </p:stCondLst>
+                      <p:childTnLst>
+                        <p:par>
+                          <p:cTn id="4" fill="hold">
+                            <p:stCondLst>
+                              <p:cond delay="0"/>
+                            </p:stCondLst>
+                            <p:childTnLst>
+                              <p:par>
+                                <p:cTn id="5" presetID="1" presetClass="entr" presetSubtype="0" fill="hold" nodeType="clickEffect">
+                                  <p:stCondLst>
+                                    <p:cond delay="0"/>
+                                  </p:stCondLst>
+                                  <p:childTnLst>
+                                    <p:set>
+                                      <p:cBhvr>
+                                        <p:cTn id="6" dur="1" fill="hold">
+                                          <p:stCondLst>
+                                            <p:cond delay="0"/>
+                                          </p:stCondLst>
+                                        </p:cTn>
+                                        <p:tgtEl>
+                                          <p:spTgt spid="19"/>
+                                        </p:tgtEl>
+                                        <p:attrNameLst>
+                                          <p:attrName>style.visibility</p:attrName>
+                                        </p:attrNameLst>
+                                      </p:cBhvr>
+                                      <p:to>
+                                        <p:strVal val="visible"/>
+                                      </p:to>
+                                    </p:set>
+                                  </p:childTnLst>
+                                </p:cTn>
+                              </p:par>
+                            </p:childTnLst>
+                          </p:cTn>
+                        </p:par>
+                      </p:childTnLst>
+                    </p:cTn>
+                  </p:par>
+                  <p:par>
+                    <p:cTn id="7" fill="hold">
+                      <p:stCondLst>
+                        <p:cond delay="indefinite"/>
+                      </p:stCondLst>
+                      <p:childTnLst>
+                        <p:par>
+                          <p:cTn id="8" fill="hold">
+                            <p:stCondLst>
+                              <p:cond delay="0"/>
+                            </p:stCondLst>
+                            <p:childTnLst>
+                              <p:par>
+                                <p:cTn id="9" presetID="1" presetClass="entr" presetSubtype="0" fill="hold" nodeType="clickEffect">
+                                  <p:stCondLst>
+                                    <p:cond delay="0"/>
+                                  </p:stCondLst>
+                                  <p:childTnLst>
+                                    <p:set>
+                                      <p:cBhvr>
+                                        <p:cTn id="10" dur="1" fill="hold">
+                                          <p:stCondLst>
+                                            <p:cond delay="0"/>
+                                          </p:stCondLst>
+                                        </p:cTn>
+                                        <p:tgtEl>
+                                          <p:spTgt spid="12"/>
+                                        </p:tgtEl>
+                                        <p:attrNameLst>
+                                          <p:attrName>style.visibility</p:attrName>
+                                        </p:attrNameLst>
+                                      </p:cBhvr>
+                                      <p:to>
+                                        <p:strVal val="visible"/>
+                                      </p:to>
+                                    </p:set>
+                                  </p:childTnLst>
+                                </p:cTn>
+                              </p:par>
+                            </p:childTnLst>
+                          </p:cTn>
+                        </p:par>
+                      </p:childTnLst>
+                    </p:cTn>
+                  </p:par>
+                  <p:par>
+                    <p:cTn id="11" fill="hold">
+                      <p:stCondLst>
+                        <p:cond delay="indefinite"/>
+                      </p:stCondLst>
+                      <p:childTnLst>
+                        <p:par>
+                          <p:cTn id="12" fill="hold">
+                            <p:stCondLst>
+                              <p:cond delay="0"/>
+                            </p:stCondLst>
+                            <p:childTnLst>
+                              <p:par>
+                                <p:cTn id="13" presetID="1" presetClass="entr" presetSubtype="0" fill="hold" nodeType="clickEffect">
+                                  <p:stCondLst>
+                                    <p:cond delay="0"/>
+                                  </p:stCondLst>
+                                  <p:childTnLst>
+                                    <p:set>
+                                      <p:cBhvr>
+                                        <p:cTn id="14" dur="1" fill="hold">
+                                          <p:stCondLst>
+                                            <p:cond delay="0"/>
+                                          </p:stCondLst>
+                                        </p:cTn>
+                                        <p:tgtEl>
+                                          <p:spTgt spid="15"/>
+                                        </p:tgtEl>
+                                        <p:attrNameLst>
+                                          <p:attrName>style.visibility</p:attrName>
+                                        </p:attrNameLst>
+                                      </p:cBhvr>
+                                      <p:to>
+                                        <p:strVal val="visible"/>
+                                      </p:to>
+                                    </p:set>
+                                  </p:childTnLst>
+                                </p:cTn>
+                              </p:par>
+                            </p:childTnLst>
+                          </p:cTn>
+                        </p:par>
+                      </p:childTnLst>
+                    </p:cTn>
+                  </p:par>
+                  <p:par>
+                    <p:cTn id="15" fill="hold">
+                      <p:stCondLst>
+                        <p:cond delay="indefinite"/>
+                      </p:stCondLst>
+                      <p:childTnLst>
+                        <p:par>
+                          <p:cTn id="16" fill="hold">
+                            <p:stCondLst>
+                              <p:cond delay="0"/>
+                            </p:stCondLst>
+                            <p:childTnLst>
+                              <p:par>
+                                <p:cTn id="17" presetID="1" presetClass="entr" presetSubtype="0" fill="hold" nodeType="clickEffect">
+                                  <p:stCondLst>
+                                    <p:cond delay="0"/>
+                                  </p:stCondLst>
+                                  <p:childTnLst>
+                                    <p:set>
+                                      <p:cBhvr>
+                                        <p:cTn id="18" dur="1" fill="hold">
+                                          <p:stCondLst>
+                                            <p:cond delay="0"/>
+                                          </p:stCondLst>
+                                        </p:cTn>
+                                        <p:tgtEl>
+                                          <p:spTgt spid="18"/>
+                                        </p:tgtEl>
+                                        <p:attrNameLst>
+                                          <p:attrName>style.visibility</p:attrName>
+                                        </p:attrNameLst>
+                                      </p:cBhvr>
+                                      <p:to>
+                                        <p:strVal val="visible"/>
+                                      </p:to>
+                                    </p:set>
+                                  </p:childTnLst>
+                                </p:cTn>
+                              </p:par>
+                            </p:childTnLst>
+                          </p:cTn>
+                        </p:par>
+                      </p:childTnLst>
+                    </p:cTn>
+                  </p:par>
+                </p:childTnLst>
+              </p:cTn>
+              <p:prevCondLst>
+                <p:cond evt="onPrev" delay="0">
+                  <p:tgtEl>
+                    <p:sldTgt/>
+                  </p:tgtEl>
+                </p:cond>
+              </p:prevCondLst>
+              <p:nextCondLst>
+                <p:cond evt="onNext" delay="0">
+                  <p:tgtEl>
+                    <p:sldTgt/>
+                  </p:tgtEl>
+                </p:cond>
+              </p:nextCondLst>
+            </p:seq>
+          </p:childTnLst>
+        </p:cTn>
+      </p:par>
+    </p:tnLst>
+  </p:timing>
 </p:sld>
 </file>
 
-<file path=ppt/slides/slide5.xml><?xml version="1.0" encoding="utf-8"?>
+<file path=ppt/slides/slide7.xml><?xml version="1.0" encoding="utf-8"?>
 <p:sld xmlns:a="http://schemas.openxmlformats.org/drawingml/2006/main" xmlns:r="http://schemas.openxmlformats.org/officeDocument/2006/relationships" xmlns:p="http://schemas.openxmlformats.org/presentationml/2006/main">
   <p:cSld>
     <p:spTree>
@@ -6043,42 +12548,6 @@
           </a:p>
         </p:txBody>
       </p:sp>
-      <p:pic>
-        <p:nvPicPr>
-          <p:cNvPr id="8" name="Graphic 7" descr="Watch outline">
-            <a:extLst>
-              <a:ext uri="{FF2B5EF4-FFF2-40B4-BE49-F238E27FC236}">
-                <a16:creationId xmlns:a16="http://schemas.microsoft.com/office/drawing/2014/main" id="{21CD3827-6073-F95E-D1B3-E43628B42F5F}"/>
-              </a:ext>
-            </a:extLst>
-          </p:cNvPr>
-          <p:cNvPicPr>
-            <a:picLocks noChangeAspect="1"/>
-          </p:cNvPicPr>
-          <p:nvPr/>
-        </p:nvPicPr>
-        <p:blipFill>
-          <a:blip r:embed="rId2">
-            <a:extLst>
-              <a:ext uri="{96DAC541-7B7A-43D3-8B79-37D633B846F1}">
-                <asvg:svgBlip xmlns:asvg="http://schemas.microsoft.com/office/drawing/2016/SVG/main" r:embed="rId3"/>
-              </a:ext>
-            </a:extLst>
-          </a:blip>
-          <a:stretch>
-            <a:fillRect/>
-          </a:stretch>
-        </p:blipFill>
-        <p:spPr>
-          <a:xfrm>
-            <a:off x="2300979" y="2766219"/>
-            <a:ext cx="1325562" cy="1325562"/>
-          </a:xfrm>
-          <a:prstGeom prst="rect">
-            <a:avLst/>
-          </a:prstGeom>
-        </p:spPr>
-      </p:pic>
       <p:cxnSp>
         <p:nvCxnSpPr>
           <p:cNvPr id="9" name="Straight Arrow Connector 8">
@@ -6095,7 +12564,7 @@
         </p:nvCxnSpPr>
         <p:spPr>
           <a:xfrm>
-            <a:off x="3747051" y="3436457"/>
+            <a:off x="4110733" y="3675448"/>
             <a:ext cx="3091071" cy="0"/>
           </a:xfrm>
           <a:prstGeom prst="straightConnector1">
@@ -6134,7 +12603,7 @@
         </p:nvSpPr>
         <p:spPr>
           <a:xfrm>
-            <a:off x="7243637" y="2929562"/>
+            <a:off x="7607319" y="3168553"/>
             <a:ext cx="1964634" cy="998876"/>
           </a:xfrm>
           <a:prstGeom prst="roundRect">
@@ -6193,6 +12662,430 @@
           </a:p>
         </p:txBody>
       </p:sp>
+      <p:pic>
+        <p:nvPicPr>
+          <p:cNvPr id="3" name="Picture 2">
+            <a:extLst>
+              <a:ext uri="{FF2B5EF4-FFF2-40B4-BE49-F238E27FC236}">
+                <a16:creationId xmlns:a16="http://schemas.microsoft.com/office/drawing/2014/main" id="{B9FA118C-EDBA-7E64-6452-8B00E96B77A0}"/>
+              </a:ext>
+            </a:extLst>
+          </p:cNvPr>
+          <p:cNvPicPr>
+            <a:picLocks noChangeAspect="1"/>
+          </p:cNvPicPr>
+          <p:nvPr/>
+        </p:nvPicPr>
+        <p:blipFill>
+          <a:blip r:embed="rId2"/>
+          <a:stretch>
+            <a:fillRect/>
+          </a:stretch>
+        </p:blipFill>
+        <p:spPr>
+          <a:xfrm>
+            <a:off x="2780885" y="2900788"/>
+            <a:ext cx="924333" cy="1549320"/>
+          </a:xfrm>
+          <a:prstGeom prst="rect">
+            <a:avLst/>
+          </a:prstGeom>
+        </p:spPr>
+      </p:pic>
+      <p:sp>
+        <p:nvSpPr>
+          <p:cNvPr id="4" name="Regular Pentagon 3">
+            <a:extLst>
+              <a:ext uri="{FF2B5EF4-FFF2-40B4-BE49-F238E27FC236}">
+                <a16:creationId xmlns:a16="http://schemas.microsoft.com/office/drawing/2014/main" id="{B015D501-8160-D54F-E642-6F2D719371D0}"/>
+              </a:ext>
+            </a:extLst>
+          </p:cNvPr>
+          <p:cNvSpPr/>
+          <p:nvPr/>
+        </p:nvSpPr>
+        <p:spPr>
+          <a:xfrm>
+            <a:off x="7127259" y="2443588"/>
+            <a:ext cx="960120" cy="914400"/>
+          </a:xfrm>
+          <a:prstGeom prst="pentagon">
+            <a:avLst/>
+          </a:prstGeom>
+          <a:solidFill>
+            <a:schemeClr val="accent1">
+              <a:lumMod val="20000"/>
+              <a:lumOff val="80000"/>
+            </a:schemeClr>
+          </a:solidFill>
+        </p:spPr>
+        <p:style>
+          <a:lnRef idx="2">
+            <a:schemeClr val="accent1">
+              <a:shade val="50000"/>
+            </a:schemeClr>
+          </a:lnRef>
+          <a:fillRef idx="1">
+            <a:schemeClr val="accent1"/>
+          </a:fillRef>
+          <a:effectRef idx="0">
+            <a:schemeClr val="accent1"/>
+          </a:effectRef>
+          <a:fontRef idx="minor">
+            <a:schemeClr val="lt1"/>
+          </a:fontRef>
+        </p:style>
+        <p:txBody>
+          <a:bodyPr rtlCol="0" anchor="ctr"/>
+          <a:lstStyle/>
+          <a:p>
+            <a:pPr algn="ctr"/>
+            <a:endParaRPr lang="en-US" dirty="0"/>
+          </a:p>
+        </p:txBody>
+      </p:sp>
+      <p:sp>
+        <p:nvSpPr>
+          <p:cNvPr id="6" name="Oval 5">
+            <a:extLst>
+              <a:ext uri="{FF2B5EF4-FFF2-40B4-BE49-F238E27FC236}">
+                <a16:creationId xmlns:a16="http://schemas.microsoft.com/office/drawing/2014/main" id="{2A1DB21A-A056-F97A-6389-945DAEE520B6}"/>
+              </a:ext>
+            </a:extLst>
+          </p:cNvPr>
+          <p:cNvSpPr/>
+          <p:nvPr/>
+        </p:nvSpPr>
+        <p:spPr>
+          <a:xfrm>
+            <a:off x="7256902" y="2633387"/>
+            <a:ext cx="700834" cy="644236"/>
+          </a:xfrm>
+          <a:prstGeom prst="ellipse">
+            <a:avLst/>
+          </a:prstGeom>
+          <a:solidFill>
+            <a:schemeClr val="accent4">
+              <a:lumMod val="20000"/>
+              <a:lumOff val="80000"/>
+            </a:schemeClr>
+          </a:solidFill>
+          <a:ln>
+            <a:solidFill>
+              <a:schemeClr val="tx1">
+                <a:lumMod val="75000"/>
+                <a:lumOff val="25000"/>
+              </a:schemeClr>
+            </a:solidFill>
+          </a:ln>
+        </p:spPr>
+        <p:style>
+          <a:lnRef idx="2">
+            <a:schemeClr val="accent1">
+              <a:shade val="50000"/>
+            </a:schemeClr>
+          </a:lnRef>
+          <a:fillRef idx="1">
+            <a:schemeClr val="accent1"/>
+          </a:fillRef>
+          <a:effectRef idx="0">
+            <a:schemeClr val="accent1"/>
+          </a:effectRef>
+          <a:fontRef idx="minor">
+            <a:schemeClr val="lt1"/>
+          </a:fontRef>
+        </p:style>
+        <p:txBody>
+          <a:bodyPr rtlCol="0" anchor="ctr"/>
+          <a:lstStyle/>
+          <a:p>
+            <a:pPr algn="ctr"/>
+            <a:r>
+              <a:rPr lang="en-US" sz="1200" dirty="0">
+                <a:solidFill>
+                  <a:schemeClr val="tx1"/>
+                </a:solidFill>
+              </a:rPr>
+              <a:t>Edge APP</a:t>
+            </a:r>
+          </a:p>
+        </p:txBody>
+      </p:sp>
+      <p:grpSp>
+        <p:nvGrpSpPr>
+          <p:cNvPr id="11" name="Group 10">
+            <a:extLst>
+              <a:ext uri="{FF2B5EF4-FFF2-40B4-BE49-F238E27FC236}">
+                <a16:creationId xmlns:a16="http://schemas.microsoft.com/office/drawing/2014/main" id="{1C2C932A-11D1-D298-E5C8-2D3FE546AE04}"/>
+              </a:ext>
+            </a:extLst>
+          </p:cNvPr>
+          <p:cNvGrpSpPr/>
+          <p:nvPr/>
+        </p:nvGrpSpPr>
+        <p:grpSpPr>
+          <a:xfrm>
+            <a:off x="2105565" y="4369506"/>
+            <a:ext cx="750616" cy="939851"/>
+            <a:chOff x="1949702" y="4992960"/>
+            <a:chExt cx="750616" cy="939851"/>
+          </a:xfrm>
+        </p:grpSpPr>
+        <p:pic>
+          <p:nvPicPr>
+            <p:cNvPr id="12" name="Graphic 11" descr="Document outline">
+              <a:extLst>
+                <a:ext uri="{FF2B5EF4-FFF2-40B4-BE49-F238E27FC236}">
+                  <a16:creationId xmlns:a16="http://schemas.microsoft.com/office/drawing/2014/main" id="{9CBDA549-6218-C26B-79F2-A23323073459}"/>
+                </a:ext>
+              </a:extLst>
+            </p:cNvPr>
+            <p:cNvPicPr>
+              <a:picLocks noChangeAspect="1"/>
+            </p:cNvPicPr>
+            <p:nvPr/>
+          </p:nvPicPr>
+          <p:blipFill>
+            <a:blip r:embed="rId3">
+              <a:extLst>
+                <a:ext uri="{96DAC541-7B7A-43D3-8B79-37D633B846F1}">
+                  <asvg:svgBlip xmlns:asvg="http://schemas.microsoft.com/office/drawing/2016/SVG/main" r:embed="rId4"/>
+                </a:ext>
+              </a:extLst>
+            </a:blip>
+            <a:stretch>
+              <a:fillRect/>
+            </a:stretch>
+          </p:blipFill>
+          <p:spPr>
+            <a:xfrm>
+              <a:off x="1949702" y="4992960"/>
+              <a:ext cx="750616" cy="750616"/>
+            </a:xfrm>
+            <a:prstGeom prst="rect">
+              <a:avLst/>
+            </a:prstGeom>
+          </p:spPr>
+        </p:pic>
+        <p:sp>
+          <p:nvSpPr>
+            <p:cNvPr id="13" name="Oval 12">
+              <a:extLst>
+                <a:ext uri="{FF2B5EF4-FFF2-40B4-BE49-F238E27FC236}">
+                  <a16:creationId xmlns:a16="http://schemas.microsoft.com/office/drawing/2014/main" id="{CD3159BB-84A0-EA3D-DC0B-6A1F002EE874}"/>
+                </a:ext>
+              </a:extLst>
+            </p:cNvPr>
+            <p:cNvSpPr/>
+            <p:nvPr/>
+          </p:nvSpPr>
+          <p:spPr>
+            <a:xfrm>
+              <a:off x="2220142" y="5723075"/>
+              <a:ext cx="209736" cy="209736"/>
+            </a:xfrm>
+            <a:prstGeom prst="ellipse">
+              <a:avLst/>
+            </a:prstGeom>
+            <a:solidFill>
+              <a:srgbClr val="FFFF00"/>
+            </a:solidFill>
+          </p:spPr>
+          <p:style>
+            <a:lnRef idx="2">
+              <a:schemeClr val="accent1">
+                <a:shade val="50000"/>
+              </a:schemeClr>
+            </a:lnRef>
+            <a:fillRef idx="1">
+              <a:schemeClr val="accent1"/>
+            </a:fillRef>
+            <a:effectRef idx="0">
+              <a:schemeClr val="accent1"/>
+            </a:effectRef>
+            <a:fontRef idx="minor">
+              <a:schemeClr val="lt1"/>
+            </a:fontRef>
+          </p:style>
+          <p:txBody>
+            <a:bodyPr rtlCol="0" anchor="ctr"/>
+            <a:lstStyle/>
+            <a:p>
+              <a:pPr algn="ctr"/>
+              <a:r>
+                <a:rPr lang="en-US" sz="1100" dirty="0">
+                  <a:solidFill>
+                    <a:schemeClr val="tx1"/>
+                  </a:solidFill>
+                </a:rPr>
+                <a:t>1</a:t>
+              </a:r>
+            </a:p>
+          </p:txBody>
+        </p:sp>
+      </p:grpSp>
+      <p:grpSp>
+        <p:nvGrpSpPr>
+          <p:cNvPr id="14" name="Group 13">
+            <a:extLst>
+              <a:ext uri="{FF2B5EF4-FFF2-40B4-BE49-F238E27FC236}">
+                <a16:creationId xmlns:a16="http://schemas.microsoft.com/office/drawing/2014/main" id="{FBF8081C-1B71-861A-83AA-A39ED01DA09F}"/>
+              </a:ext>
+            </a:extLst>
+          </p:cNvPr>
+          <p:cNvGrpSpPr/>
+          <p:nvPr/>
+        </p:nvGrpSpPr>
+        <p:grpSpPr>
+          <a:xfrm>
+            <a:off x="7788419" y="4492507"/>
+            <a:ext cx="597920" cy="816850"/>
+            <a:chOff x="6050284" y="5319964"/>
+            <a:chExt cx="597920" cy="816850"/>
+          </a:xfrm>
+        </p:grpSpPr>
+        <p:pic>
+          <p:nvPicPr>
+            <p:cNvPr id="15" name="Graphic 14" descr="Document outline">
+              <a:extLst>
+                <a:ext uri="{FF2B5EF4-FFF2-40B4-BE49-F238E27FC236}">
+                  <a16:creationId xmlns:a16="http://schemas.microsoft.com/office/drawing/2014/main" id="{042C9ECB-BDBA-2E1A-CFF0-EE03D061C756}"/>
+                </a:ext>
+              </a:extLst>
+            </p:cNvPr>
+            <p:cNvPicPr>
+              <a:picLocks noChangeAspect="1"/>
+            </p:cNvPicPr>
+            <p:nvPr/>
+          </p:nvPicPr>
+          <p:blipFill>
+            <a:blip r:embed="rId3">
+              <a:extLst>
+                <a:ext uri="{96DAC541-7B7A-43D3-8B79-37D633B846F1}">
+                  <asvg:svgBlip xmlns:asvg="http://schemas.microsoft.com/office/drawing/2016/SVG/main" r:embed="rId4"/>
+                </a:ext>
+              </a:extLst>
+            </a:blip>
+            <a:stretch>
+              <a:fillRect/>
+            </a:stretch>
+          </p:blipFill>
+          <p:spPr>
+            <a:xfrm>
+              <a:off x="6050284" y="5319964"/>
+              <a:ext cx="597920" cy="597920"/>
+            </a:xfrm>
+            <a:prstGeom prst="rect">
+              <a:avLst/>
+            </a:prstGeom>
+          </p:spPr>
+        </p:pic>
+        <p:sp>
+          <p:nvSpPr>
+            <p:cNvPr id="16" name="Oval 15">
+              <a:extLst>
+                <a:ext uri="{FF2B5EF4-FFF2-40B4-BE49-F238E27FC236}">
+                  <a16:creationId xmlns:a16="http://schemas.microsoft.com/office/drawing/2014/main" id="{D862D13F-E8FB-28D8-BFBA-87B1B9C9A3D3}"/>
+                </a:ext>
+              </a:extLst>
+            </p:cNvPr>
+            <p:cNvSpPr/>
+            <p:nvPr/>
+          </p:nvSpPr>
+          <p:spPr>
+            <a:xfrm>
+              <a:off x="6244376" y="5927078"/>
+              <a:ext cx="209736" cy="209736"/>
+            </a:xfrm>
+            <a:prstGeom prst="ellipse">
+              <a:avLst/>
+            </a:prstGeom>
+            <a:solidFill>
+              <a:srgbClr val="FFFF00"/>
+            </a:solidFill>
+          </p:spPr>
+          <p:style>
+            <a:lnRef idx="2">
+              <a:schemeClr val="accent1">
+                <a:shade val="50000"/>
+              </a:schemeClr>
+            </a:lnRef>
+            <a:fillRef idx="1">
+              <a:schemeClr val="accent1"/>
+            </a:fillRef>
+            <a:effectRef idx="0">
+              <a:schemeClr val="accent1"/>
+            </a:effectRef>
+            <a:fontRef idx="minor">
+              <a:schemeClr val="lt1"/>
+            </a:fontRef>
+          </p:style>
+          <p:txBody>
+            <a:bodyPr rtlCol="0" anchor="ctr"/>
+            <a:lstStyle/>
+            <a:p>
+              <a:pPr algn="ctr"/>
+              <a:r>
+                <a:rPr lang="en-US" sz="1100" dirty="0">
+                  <a:solidFill>
+                    <a:schemeClr val="tx1"/>
+                  </a:solidFill>
+                </a:rPr>
+                <a:t>2</a:t>
+              </a:r>
+            </a:p>
+          </p:txBody>
+        </p:sp>
+      </p:grpSp>
+      <p:sp>
+        <p:nvSpPr>
+          <p:cNvPr id="18" name="TextBox 17">
+            <a:extLst>
+              <a:ext uri="{FF2B5EF4-FFF2-40B4-BE49-F238E27FC236}">
+                <a16:creationId xmlns:a16="http://schemas.microsoft.com/office/drawing/2014/main" id="{93D60C56-55C9-CB51-A201-CB5DD7778CC9}"/>
+              </a:ext>
+            </a:extLst>
+          </p:cNvPr>
+          <p:cNvSpPr txBox="1"/>
+          <p:nvPr/>
+        </p:nvSpPr>
+        <p:spPr>
+          <a:xfrm>
+            <a:off x="8171473" y="2628031"/>
+            <a:ext cx="1316386" cy="430887"/>
+          </a:xfrm>
+          <a:prstGeom prst="rect">
+            <a:avLst/>
+          </a:prstGeom>
+          <a:noFill/>
+        </p:spPr>
+        <p:txBody>
+          <a:bodyPr wrap="none" rtlCol="0">
+            <a:spAutoFit/>
+          </a:bodyPr>
+          <a:lstStyle/>
+          <a:p>
+            <a:pPr marL="285750" indent="-285750">
+              <a:buFont typeface="Arial" panose="020B0604020202020204" pitchFamily="34" charset="0"/>
+              <a:buChar char="•"/>
+            </a:pPr>
+            <a:r>
+              <a:rPr lang="en-US" sz="1100" dirty="0"/>
+              <a:t>Cleansing</a:t>
+            </a:r>
+          </a:p>
+          <a:p>
+            <a:pPr marL="285750" indent="-285750">
+              <a:buFont typeface="Arial" panose="020B0604020202020204" pitchFamily="34" charset="0"/>
+              <a:buChar char="•"/>
+            </a:pPr>
+            <a:r>
+              <a:rPr lang="en-US" sz="1100" dirty="0"/>
+              <a:t>Pre-processing</a:t>
+            </a:r>
+          </a:p>
+        </p:txBody>
+      </p:sp>
     </p:spTree>
     <p:extLst>
       <p:ext uri="{BB962C8B-B14F-4D97-AF65-F5344CB8AC3E}">
@@ -6206,7 +13099,7 @@
 </p:sld>
 </file>
 
-<file path=ppt/slides/slide6.xml><?xml version="1.0" encoding="utf-8"?>
+<file path=ppt/slides/slide8.xml><?xml version="1.0" encoding="utf-8"?>
 <p:sld xmlns:a="http://schemas.openxmlformats.org/drawingml/2006/main" xmlns:r="http://schemas.openxmlformats.org/officeDocument/2006/relationships" xmlns:p="http://schemas.openxmlformats.org/presentationml/2006/main">
   <p:cSld>
     <p:spTree>
@@ -6632,317 +13525,248 @@
           </a:p>
         </p:txBody>
       </p:sp>
-    </p:spTree>
-    <p:extLst>
-      <p:ext uri="{BB962C8B-B14F-4D97-AF65-F5344CB8AC3E}">
-        <p14:creationId xmlns:p14="http://schemas.microsoft.com/office/powerpoint/2010/main" val="842421361"/>
-      </p:ext>
-    </p:extLst>
-  </p:cSld>
-  <p:clrMapOvr>
-    <a:masterClrMapping/>
-  </p:clrMapOvr>
-</p:sld>
-</file>
-
-<file path=ppt/slides/slide7.xml><?xml version="1.0" encoding="utf-8"?>
-<p:sld xmlns:a="http://schemas.openxmlformats.org/drawingml/2006/main" xmlns:r="http://schemas.openxmlformats.org/officeDocument/2006/relationships" xmlns:p="http://schemas.openxmlformats.org/presentationml/2006/main">
-  <p:cSld>
-    <p:spTree>
-      <p:nvGrpSpPr>
-        <p:cNvPr id="1" name=""/>
-        <p:cNvGrpSpPr/>
-        <p:nvPr/>
-      </p:nvGrpSpPr>
-      <p:grpSpPr>
-        <a:xfrm>
-          <a:off x="0" y="0"/>
-          <a:ext cx="0" cy="0"/>
-          <a:chOff x="0" y="0"/>
-          <a:chExt cx="0" cy="0"/>
-        </a:xfrm>
-      </p:grpSpPr>
       <p:sp>
         <p:nvSpPr>
-          <p:cNvPr id="2" name="Title 1">
-            <a:extLst>
-              <a:ext uri="{FF2B5EF4-FFF2-40B4-BE49-F238E27FC236}">
-                <a16:creationId xmlns:a16="http://schemas.microsoft.com/office/drawing/2014/main" id="{80B7B436-402D-D173-0DB9-5EE8CE27A824}"/>
-              </a:ext>
-            </a:extLst>
-          </p:cNvPr>
-          <p:cNvSpPr>
-            <a:spLocks noGrp="1"/>
-          </p:cNvSpPr>
-          <p:nvPr>
-            <p:ph type="title"/>
-          </p:nvPr>
+          <p:cNvPr id="3" name="Regular Pentagon 2">
+            <a:extLst>
+              <a:ext uri="{FF2B5EF4-FFF2-40B4-BE49-F238E27FC236}">
+                <a16:creationId xmlns:a16="http://schemas.microsoft.com/office/drawing/2014/main" id="{86736836-95A3-0BE2-41AC-FEB466D5E71D}"/>
+              </a:ext>
+            </a:extLst>
+          </p:cNvPr>
+          <p:cNvSpPr/>
+          <p:nvPr/>
         </p:nvSpPr>
-        <p:spPr/>
+        <p:spPr>
+          <a:xfrm>
+            <a:off x="402534" y="2724142"/>
+            <a:ext cx="960120" cy="914400"/>
+          </a:xfrm>
+          <a:prstGeom prst="pentagon">
+            <a:avLst/>
+          </a:prstGeom>
+          <a:solidFill>
+            <a:schemeClr val="accent1">
+              <a:lumMod val="20000"/>
+              <a:lumOff val="80000"/>
+            </a:schemeClr>
+          </a:solidFill>
+        </p:spPr>
+        <p:style>
+          <a:lnRef idx="2">
+            <a:schemeClr val="accent1">
+              <a:shade val="50000"/>
+            </a:schemeClr>
+          </a:lnRef>
+          <a:fillRef idx="1">
+            <a:schemeClr val="accent1"/>
+          </a:fillRef>
+          <a:effectRef idx="0">
+            <a:schemeClr val="accent1"/>
+          </a:effectRef>
+          <a:fontRef idx="minor">
+            <a:schemeClr val="lt1"/>
+          </a:fontRef>
+        </p:style>
         <p:txBody>
-          <a:bodyPr/>
+          <a:bodyPr rtlCol="0" anchor="ctr"/>
           <a:lstStyle/>
           <a:p>
-            <a:r>
-              <a:rPr lang="en-US" dirty="0"/>
-              <a:t>Next Step</a:t>
-            </a:r>
+            <a:pPr algn="ctr"/>
+            <a:endParaRPr lang="en-US" dirty="0"/>
           </a:p>
         </p:txBody>
       </p:sp>
       <p:sp>
         <p:nvSpPr>
-          <p:cNvPr id="3" name="Content Placeholder 2">
-            <a:extLst>
-              <a:ext uri="{FF2B5EF4-FFF2-40B4-BE49-F238E27FC236}">
-                <a16:creationId xmlns:a16="http://schemas.microsoft.com/office/drawing/2014/main" id="{B667292C-5281-D0C7-9201-355985189BAC}"/>
-              </a:ext>
-            </a:extLst>
-          </p:cNvPr>
-          <p:cNvSpPr>
-            <a:spLocks noGrp="1"/>
-          </p:cNvSpPr>
-          <p:nvPr>
-            <p:ph idx="1"/>
-          </p:nvPr>
+          <p:cNvPr id="4" name="Oval 3">
+            <a:extLst>
+              <a:ext uri="{FF2B5EF4-FFF2-40B4-BE49-F238E27FC236}">
+                <a16:creationId xmlns:a16="http://schemas.microsoft.com/office/drawing/2014/main" id="{4E6AFB00-9B57-1194-ABED-B71999212631}"/>
+              </a:ext>
+            </a:extLst>
+          </p:cNvPr>
+          <p:cNvSpPr/>
+          <p:nvPr/>
         </p:nvSpPr>
-        <p:spPr/>
+        <p:spPr>
+          <a:xfrm>
+            <a:off x="532177" y="2913941"/>
+            <a:ext cx="700834" cy="644236"/>
+          </a:xfrm>
+          <a:prstGeom prst="ellipse">
+            <a:avLst/>
+          </a:prstGeom>
+          <a:solidFill>
+            <a:schemeClr val="accent4">
+              <a:lumMod val="20000"/>
+              <a:lumOff val="80000"/>
+            </a:schemeClr>
+          </a:solidFill>
+          <a:ln>
+            <a:solidFill>
+              <a:schemeClr val="tx1">
+                <a:lumMod val="75000"/>
+                <a:lumOff val="25000"/>
+              </a:schemeClr>
+            </a:solidFill>
+          </a:ln>
+        </p:spPr>
+        <p:style>
+          <a:lnRef idx="2">
+            <a:schemeClr val="accent1">
+              <a:shade val="50000"/>
+            </a:schemeClr>
+          </a:lnRef>
+          <a:fillRef idx="1">
+            <a:schemeClr val="accent1"/>
+          </a:fillRef>
+          <a:effectRef idx="0">
+            <a:schemeClr val="accent1"/>
+          </a:effectRef>
+          <a:fontRef idx="minor">
+            <a:schemeClr val="lt1"/>
+          </a:fontRef>
+        </p:style>
         <p:txBody>
-          <a:bodyPr/>
+          <a:bodyPr rtlCol="0" anchor="ctr"/>
           <a:lstStyle/>
           <a:p>
-            <a:endParaRPr lang="en-US"/>
+            <a:pPr algn="ctr"/>
+            <a:r>
+              <a:rPr lang="en-US" sz="1200" dirty="0">
+                <a:solidFill>
+                  <a:schemeClr val="tx1"/>
+                </a:solidFill>
+              </a:rPr>
+              <a:t>Edge APP</a:t>
+            </a:r>
+          </a:p>
+        </p:txBody>
+      </p:sp>
+      <p:sp>
+        <p:nvSpPr>
+          <p:cNvPr id="6" name="Regular Pentagon 5">
+            <a:extLst>
+              <a:ext uri="{FF2B5EF4-FFF2-40B4-BE49-F238E27FC236}">
+                <a16:creationId xmlns:a16="http://schemas.microsoft.com/office/drawing/2014/main" id="{D997D6AD-D6B3-6A66-F626-A3D3DB7D26FB}"/>
+              </a:ext>
+            </a:extLst>
+          </p:cNvPr>
+          <p:cNvSpPr/>
+          <p:nvPr/>
+        </p:nvSpPr>
+        <p:spPr>
+          <a:xfrm>
+            <a:off x="8805369" y="2455076"/>
+            <a:ext cx="1242639" cy="1183466"/>
+          </a:xfrm>
+          <a:prstGeom prst="pentagon">
+            <a:avLst/>
+          </a:prstGeom>
+          <a:solidFill>
+            <a:schemeClr val="accent1">
+              <a:lumMod val="20000"/>
+              <a:lumOff val="80000"/>
+            </a:schemeClr>
+          </a:solidFill>
+        </p:spPr>
+        <p:style>
+          <a:lnRef idx="2">
+            <a:schemeClr val="accent1">
+              <a:shade val="50000"/>
+            </a:schemeClr>
+          </a:lnRef>
+          <a:fillRef idx="1">
+            <a:schemeClr val="accent1"/>
+          </a:fillRef>
+          <a:effectRef idx="0">
+            <a:schemeClr val="accent1"/>
+          </a:effectRef>
+          <a:fontRef idx="minor">
+            <a:schemeClr val="lt1"/>
+          </a:fontRef>
+        </p:style>
+        <p:txBody>
+          <a:bodyPr rtlCol="0" anchor="ctr"/>
+          <a:lstStyle/>
+          <a:p>
+            <a:pPr algn="ctr"/>
+            <a:endParaRPr lang="en-US" dirty="0"/>
+          </a:p>
+        </p:txBody>
+      </p:sp>
+      <p:sp>
+        <p:nvSpPr>
+          <p:cNvPr id="7" name="Oval 6">
+            <a:extLst>
+              <a:ext uri="{FF2B5EF4-FFF2-40B4-BE49-F238E27FC236}">
+                <a16:creationId xmlns:a16="http://schemas.microsoft.com/office/drawing/2014/main" id="{650A817A-BA13-2E0B-FED2-3F48E491F84F}"/>
+              </a:ext>
+            </a:extLst>
+          </p:cNvPr>
+          <p:cNvSpPr/>
+          <p:nvPr/>
+        </p:nvSpPr>
+        <p:spPr>
+          <a:xfrm>
+            <a:off x="8935013" y="2710599"/>
+            <a:ext cx="907057" cy="833805"/>
+          </a:xfrm>
+          <a:prstGeom prst="ellipse">
+            <a:avLst/>
+          </a:prstGeom>
+          <a:solidFill>
+            <a:schemeClr val="accent4">
+              <a:lumMod val="20000"/>
+              <a:lumOff val="80000"/>
+            </a:schemeClr>
+          </a:solidFill>
+          <a:ln>
+            <a:solidFill>
+              <a:schemeClr val="tx1">
+                <a:lumMod val="75000"/>
+                <a:lumOff val="25000"/>
+              </a:schemeClr>
+            </a:solidFill>
+          </a:ln>
+        </p:spPr>
+        <p:style>
+          <a:lnRef idx="2">
+            <a:schemeClr val="accent1">
+              <a:shade val="50000"/>
+            </a:schemeClr>
+          </a:lnRef>
+          <a:fillRef idx="1">
+            <a:schemeClr val="accent1"/>
+          </a:fillRef>
+          <a:effectRef idx="0">
+            <a:schemeClr val="accent1"/>
+          </a:effectRef>
+          <a:fontRef idx="minor">
+            <a:schemeClr val="lt1"/>
+          </a:fontRef>
+        </p:style>
+        <p:txBody>
+          <a:bodyPr rtlCol="0" anchor="ctr"/>
+          <a:lstStyle/>
+          <a:p>
+            <a:pPr algn="ctr"/>
+            <a:r>
+              <a:rPr lang="en-US" sz="1200" dirty="0">
+                <a:solidFill>
+                  <a:schemeClr val="tx1"/>
+                </a:solidFill>
+              </a:rPr>
+              <a:t>Cloud APP</a:t>
+            </a:r>
           </a:p>
         </p:txBody>
       </p:sp>
     </p:spTree>
     <p:extLst>
       <p:ext uri="{BB962C8B-B14F-4D97-AF65-F5344CB8AC3E}">
-        <p14:creationId xmlns:p14="http://schemas.microsoft.com/office/powerpoint/2010/main" val="25910973"/>
-      </p:ext>
-    </p:extLst>
-  </p:cSld>
-  <p:clrMapOvr>
-    <a:masterClrMapping/>
-  </p:clrMapOvr>
-</p:sld>
-</file>
-
-<file path=ppt/slides/slide8.xml><?xml version="1.0" encoding="utf-8"?>
-<p:sld xmlns:a="http://schemas.openxmlformats.org/drawingml/2006/main" xmlns:r="http://schemas.openxmlformats.org/officeDocument/2006/relationships" xmlns:p="http://schemas.openxmlformats.org/presentationml/2006/main">
-  <p:cSld>
-    <p:spTree>
-      <p:nvGrpSpPr>
-        <p:cNvPr id="1" name=""/>
-        <p:cNvGrpSpPr/>
-        <p:nvPr/>
-      </p:nvGrpSpPr>
-      <p:grpSpPr>
-        <a:xfrm>
-          <a:off x="0" y="0"/>
-          <a:ext cx="0" cy="0"/>
-          <a:chOff x="0" y="0"/>
-          <a:chExt cx="0" cy="0"/>
-        </a:xfrm>
-      </p:grpSpPr>
-      <p:sp>
-        <p:nvSpPr>
-          <p:cNvPr id="2" name="Title 1">
-            <a:extLst>
-              <a:ext uri="{FF2B5EF4-FFF2-40B4-BE49-F238E27FC236}">
-                <a16:creationId xmlns:a16="http://schemas.microsoft.com/office/drawing/2014/main" id="{033DF1AF-A090-00AB-8359-DBB36E7F0ED8}"/>
-              </a:ext>
-            </a:extLst>
-          </p:cNvPr>
-          <p:cNvSpPr>
-            <a:spLocks noGrp="1"/>
-          </p:cNvSpPr>
-          <p:nvPr>
-            <p:ph type="title"/>
-          </p:nvPr>
-        </p:nvSpPr>
-        <p:spPr>
-          <a:xfrm>
-            <a:off x="209025" y="214124"/>
-            <a:ext cx="10515600" cy="675110"/>
-          </a:xfrm>
-        </p:spPr>
-        <p:txBody>
-          <a:bodyPr>
-            <a:normAutofit fontScale="90000"/>
-          </a:bodyPr>
-          <a:lstStyle/>
-          <a:p>
-            <a:r>
-              <a:rPr lang="en-US" dirty="0"/>
-              <a:t>Summary</a:t>
-            </a:r>
-          </a:p>
-        </p:txBody>
-      </p:sp>
-      <p:sp>
-        <p:nvSpPr>
-          <p:cNvPr id="3" name="Content Placeholder 2">
-            <a:extLst>
-              <a:ext uri="{FF2B5EF4-FFF2-40B4-BE49-F238E27FC236}">
-                <a16:creationId xmlns:a16="http://schemas.microsoft.com/office/drawing/2014/main" id="{67D952FA-59A2-0C70-1F13-A7E998B9C3FD}"/>
-              </a:ext>
-            </a:extLst>
-          </p:cNvPr>
-          <p:cNvSpPr>
-            <a:spLocks noGrp="1"/>
-          </p:cNvSpPr>
-          <p:nvPr>
-            <p:ph idx="1"/>
-          </p:nvPr>
-        </p:nvSpPr>
-        <p:spPr>
-          <a:xfrm>
-            <a:off x="1056314" y="1112560"/>
-            <a:ext cx="10629550" cy="5221127"/>
-          </a:xfrm>
-        </p:spPr>
-        <p:txBody>
-          <a:bodyPr>
-            <a:normAutofit fontScale="55000" lnSpcReduction="20000"/>
-          </a:bodyPr>
-          <a:lstStyle/>
-          <a:p>
-            <a:r>
-              <a:rPr lang="en-US" dirty="0"/>
-              <a:t>Docker/</a:t>
-            </a:r>
-            <a:r>
-              <a:rPr lang="en-US" dirty="0" err="1"/>
-              <a:t>Containerd</a:t>
-            </a:r>
-            <a:endParaRPr lang="en-US" dirty="0"/>
-          </a:p>
-          <a:p>
-            <a:pPr lvl="1"/>
-            <a:r>
-              <a:rPr lang="en-US" dirty="0" err="1"/>
-              <a:t>Dockerfile</a:t>
-            </a:r>
-            <a:endParaRPr lang="en-US" dirty="0"/>
-          </a:p>
-          <a:p>
-            <a:pPr lvl="1"/>
-            <a:r>
-              <a:rPr lang="en-US" dirty="0"/>
-              <a:t>Image</a:t>
-            </a:r>
-          </a:p>
-          <a:p>
-            <a:endParaRPr lang="en-US" dirty="0"/>
-          </a:p>
-          <a:p>
-            <a:r>
-              <a:rPr lang="en-US" dirty="0"/>
-              <a:t>K8s</a:t>
-            </a:r>
-          </a:p>
-          <a:p>
-            <a:pPr lvl="1"/>
-            <a:r>
-              <a:rPr lang="en-US" dirty="0" err="1"/>
-              <a:t>Kubeadm</a:t>
-            </a:r>
-            <a:r>
-              <a:rPr lang="en-US" dirty="0"/>
-              <a:t>/Kubelet/Kubectl</a:t>
-            </a:r>
-          </a:p>
-          <a:p>
-            <a:pPr lvl="1"/>
-            <a:r>
-              <a:rPr lang="en-US" dirty="0"/>
-              <a:t>Networking: Flannel/DNS in Pod (8.8.8.8)</a:t>
-            </a:r>
-          </a:p>
-          <a:p>
-            <a:pPr lvl="1"/>
-            <a:r>
-              <a:rPr lang="en-US" dirty="0"/>
-              <a:t>Host volume</a:t>
-            </a:r>
-          </a:p>
-          <a:p>
-            <a:pPr lvl="1"/>
-            <a:r>
-              <a:rPr lang="en-US" dirty="0"/>
-              <a:t>Workload: Pod, Deployment</a:t>
-            </a:r>
-          </a:p>
-          <a:p>
-            <a:endParaRPr lang="en-US" dirty="0"/>
-          </a:p>
-          <a:p>
-            <a:r>
-              <a:rPr lang="en-US" dirty="0"/>
-              <a:t>KubeEdge</a:t>
-            </a:r>
-          </a:p>
-          <a:p>
-            <a:pPr lvl="1"/>
-            <a:r>
-              <a:rPr lang="en-US" dirty="0"/>
-              <a:t>Cloud- and edge-core</a:t>
-            </a:r>
-          </a:p>
-          <a:p>
-            <a:pPr lvl="1"/>
-            <a:r>
-              <a:rPr lang="en-US" dirty="0" err="1"/>
-              <a:t>keadm</a:t>
-            </a:r>
-            <a:endParaRPr lang="en-US" dirty="0"/>
-          </a:p>
-          <a:p>
-            <a:endParaRPr lang="en-US" dirty="0"/>
-          </a:p>
-          <a:p>
-            <a:r>
-              <a:rPr lang="en-US" dirty="0"/>
-              <a:t>Wearable device</a:t>
-            </a:r>
-          </a:p>
-          <a:p>
-            <a:pPr lvl="1"/>
-            <a:r>
-              <a:rPr lang="en-US" dirty="0"/>
-              <a:t>Emulator</a:t>
-            </a:r>
-          </a:p>
-          <a:p>
-            <a:endParaRPr lang="en-US" dirty="0"/>
-          </a:p>
-          <a:p>
-            <a:r>
-              <a:rPr lang="en-US" dirty="0"/>
-              <a:t>AWS</a:t>
-            </a:r>
-          </a:p>
-          <a:p>
-            <a:pPr lvl="1"/>
-            <a:r>
-              <a:rPr lang="en-US" dirty="0"/>
-              <a:t>EC2, S3</a:t>
-            </a:r>
-          </a:p>
-          <a:p>
-            <a:pPr lvl="1"/>
-            <a:r>
-              <a:rPr lang="en-US" dirty="0"/>
-              <a:t>CLI</a:t>
-            </a:r>
-          </a:p>
-        </p:txBody>
-      </p:sp>
-    </p:spTree>
-    <p:extLst>
-      <p:ext uri="{BB962C8B-B14F-4D97-AF65-F5344CB8AC3E}">
-        <p14:creationId xmlns:p14="http://schemas.microsoft.com/office/powerpoint/2010/main" val="3478304589"/>
+        <p14:creationId xmlns:p14="http://schemas.microsoft.com/office/powerpoint/2010/main" val="842421361"/>
       </p:ext>
     </p:extLst>
   </p:cSld>
@@ -6974,7 +13798,7 @@
           <p:cNvPr id="2" name="Title 1">
             <a:extLst>
               <a:ext uri="{FF2B5EF4-FFF2-40B4-BE49-F238E27FC236}">
-                <a16:creationId xmlns:a16="http://schemas.microsoft.com/office/drawing/2014/main" id="{0AE84D9A-4D44-C3B6-C180-5D4021E458E5}"/>
+                <a16:creationId xmlns:a16="http://schemas.microsoft.com/office/drawing/2014/main" id="{80B7B436-402D-D173-0DB9-5EE8CE27A824}"/>
               </a:ext>
             </a:extLst>
           </p:cNvPr>
@@ -6985,47 +13809,191 @@
             <p:ph type="title"/>
           </p:nvPr>
         </p:nvSpPr>
-        <p:spPr/>
+        <p:spPr>
+          <a:xfrm>
+            <a:off x="407156" y="240283"/>
+            <a:ext cx="3842726" cy="1325563"/>
+          </a:xfrm>
+        </p:spPr>
         <p:txBody>
           <a:bodyPr/>
           <a:lstStyle/>
           <a:p>
             <a:r>
               <a:rPr lang="en-US" dirty="0"/>
-              <a:t>Intern Experience</a:t>
+              <a:t>Next Steps</a:t>
             </a:r>
           </a:p>
         </p:txBody>
       </p:sp>
       <p:sp>
         <p:nvSpPr>
-          <p:cNvPr id="3" name="Content Placeholder 2">
-            <a:extLst>
-              <a:ext uri="{FF2B5EF4-FFF2-40B4-BE49-F238E27FC236}">
-                <a16:creationId xmlns:a16="http://schemas.microsoft.com/office/drawing/2014/main" id="{4B8AA7D4-517E-306B-DA44-5A57FC60A775}"/>
-              </a:ext>
-            </a:extLst>
-          </p:cNvPr>
-          <p:cNvSpPr>
-            <a:spLocks noGrp="1"/>
-          </p:cNvSpPr>
-          <p:nvPr>
-            <p:ph idx="1"/>
-          </p:nvPr>
+          <p:cNvPr id="53" name="TextBox 52">
+            <a:extLst>
+              <a:ext uri="{FF2B5EF4-FFF2-40B4-BE49-F238E27FC236}">
+                <a16:creationId xmlns:a16="http://schemas.microsoft.com/office/drawing/2014/main" id="{A777739B-3E6E-5F14-1FFD-E62F5ADB0614}"/>
+              </a:ext>
+            </a:extLst>
+          </p:cNvPr>
+          <p:cNvSpPr txBox="1"/>
+          <p:nvPr/>
         </p:nvSpPr>
-        <p:spPr/>
+        <p:spPr>
+          <a:xfrm>
+            <a:off x="1248415" y="2007342"/>
+            <a:ext cx="4635308" cy="3170099"/>
+          </a:xfrm>
+          <a:prstGeom prst="rect">
+            <a:avLst/>
+          </a:prstGeom>
+          <a:noFill/>
+        </p:spPr>
         <p:txBody>
-          <a:bodyPr/>
+          <a:bodyPr wrap="none" rtlCol="0">
+            <a:spAutoFit/>
+          </a:bodyPr>
           <a:lstStyle/>
           <a:p>
-            <a:endParaRPr lang="en-US"/>
+            <a:pPr marL="285750" indent="-285750">
+              <a:buFont typeface="Arial" panose="020B0604020202020204" pitchFamily="34" charset="0"/>
+              <a:buChar char="•"/>
+            </a:pPr>
+            <a:r>
+              <a:rPr lang="en-US" sz="2000" dirty="0"/>
+              <a:t>Infra (FW):</a:t>
+            </a:r>
+          </a:p>
+          <a:p>
+            <a:pPr marL="742950" lvl="1" indent="-285750">
+              <a:buFont typeface="Arial" panose="020B0604020202020204" pitchFamily="34" charset="0"/>
+              <a:buChar char="•"/>
+            </a:pPr>
+            <a:endParaRPr lang="en-US" sz="2000" dirty="0"/>
+          </a:p>
+          <a:p>
+            <a:pPr marL="742950" lvl="1" indent="-285750">
+              <a:buFont typeface="Arial" panose="020B0604020202020204" pitchFamily="34" charset="0"/>
+              <a:buChar char="•"/>
+            </a:pPr>
+            <a:r>
+              <a:rPr lang="en-US" sz="2000" dirty="0"/>
+              <a:t>Edge Node </a:t>
+            </a:r>
+            <a:r>
+              <a:rPr lang="en-US" sz="2000" dirty="0">
+                <a:sym typeface="Wingdings" pitchFamily="2" charset="2"/>
+              </a:rPr>
+              <a:t> Edge Cluster (Fornax)</a:t>
+            </a:r>
+          </a:p>
+          <a:p>
+            <a:pPr marL="742950" lvl="1" indent="-285750">
+              <a:buFont typeface="Arial" panose="020B0604020202020204" pitchFamily="34" charset="0"/>
+              <a:buChar char="•"/>
+            </a:pPr>
+            <a:r>
+              <a:rPr lang="en-US" sz="2000" dirty="0">
+                <a:sym typeface="Wingdings" pitchFamily="2" charset="2"/>
+              </a:rPr>
+              <a:t>Edge-edge direct communication</a:t>
+            </a:r>
+          </a:p>
+          <a:p>
+            <a:pPr marL="742950" lvl="1" indent="-285750">
+              <a:buFont typeface="Arial" panose="020B0604020202020204" pitchFamily="34" charset="0"/>
+              <a:buChar char="•"/>
+            </a:pPr>
+            <a:endParaRPr lang="en-US" sz="2000" dirty="0">
+              <a:sym typeface="Wingdings" pitchFamily="2" charset="2"/>
+            </a:endParaRPr>
+          </a:p>
+          <a:p>
+            <a:pPr marL="285750" indent="-285750">
+              <a:buFont typeface="Arial" panose="020B0604020202020204" pitchFamily="34" charset="0"/>
+              <a:buChar char="•"/>
+            </a:pPr>
+            <a:r>
+              <a:rPr lang="en-US" sz="2000" dirty="0">
+                <a:sym typeface="Wingdings" pitchFamily="2" charset="2"/>
+              </a:rPr>
+              <a:t>Application (FW+UWB)</a:t>
+            </a:r>
+          </a:p>
+          <a:p>
+            <a:pPr marL="285750" indent="-285750">
+              <a:buFont typeface="Arial" panose="020B0604020202020204" pitchFamily="34" charset="0"/>
+              <a:buChar char="•"/>
+            </a:pPr>
+            <a:endParaRPr lang="en-US" sz="2000" dirty="0">
+              <a:sym typeface="Wingdings" pitchFamily="2" charset="2"/>
+            </a:endParaRPr>
+          </a:p>
+          <a:p>
+            <a:pPr marL="742950" lvl="1" indent="-285750">
+              <a:buFont typeface="Arial" panose="020B0604020202020204" pitchFamily="34" charset="0"/>
+              <a:buChar char="•"/>
+            </a:pPr>
+            <a:r>
+              <a:rPr lang="en-US" sz="2000" dirty="0"/>
+              <a:t>Sensor types++</a:t>
+            </a:r>
+          </a:p>
+          <a:p>
+            <a:pPr marL="742950" lvl="1" indent="-285750">
+              <a:buFont typeface="Arial" panose="020B0604020202020204" pitchFamily="34" charset="0"/>
+              <a:buChar char="•"/>
+            </a:pPr>
+            <a:r>
+              <a:rPr lang="en-US" sz="2000" dirty="0"/>
+              <a:t>AI application</a:t>
+            </a:r>
+          </a:p>
+          <a:p>
+            <a:pPr marL="742950" lvl="1" indent="-285750">
+              <a:buFont typeface="Arial" panose="020B0604020202020204" pitchFamily="34" charset="0"/>
+              <a:buChar char="•"/>
+            </a:pPr>
+            <a:r>
+              <a:rPr lang="en-US" sz="2000" dirty="0"/>
+              <a:t>Patient recovery monitoring e2e</a:t>
+            </a:r>
           </a:p>
         </p:txBody>
       </p:sp>
+      <p:pic>
+        <p:nvPicPr>
+          <p:cNvPr id="54" name="Picture 53">
+            <a:extLst>
+              <a:ext uri="{FF2B5EF4-FFF2-40B4-BE49-F238E27FC236}">
+                <a16:creationId xmlns:a16="http://schemas.microsoft.com/office/drawing/2014/main" id="{8698198B-7E65-5294-55AC-513490D36E6C}"/>
+              </a:ext>
+            </a:extLst>
+          </p:cNvPr>
+          <p:cNvPicPr>
+            <a:picLocks noChangeAspect="1"/>
+          </p:cNvPicPr>
+          <p:nvPr/>
+        </p:nvPicPr>
+        <p:blipFill>
+          <a:blip r:embed="rId2"/>
+          <a:stretch>
+            <a:fillRect/>
+          </a:stretch>
+        </p:blipFill>
+        <p:spPr>
+          <a:xfrm>
+            <a:off x="7180117" y="749147"/>
+            <a:ext cx="4519131" cy="5359706"/>
+          </a:xfrm>
+          <a:prstGeom prst="rect">
+            <a:avLst/>
+          </a:prstGeom>
+        </p:spPr>
+      </p:pic>
     </p:spTree>
     <p:extLst>
       <p:ext uri="{BB962C8B-B14F-4D97-AF65-F5344CB8AC3E}">
-        <p14:creationId xmlns:p14="http://schemas.microsoft.com/office/powerpoint/2010/main" val="942931093"/>
+        <p14:creationId xmlns:p14="http://schemas.microsoft.com/office/powerpoint/2010/main" val="25910973"/>
       </p:ext>
     </p:extLst>
   </p:cSld>
